--- a/zokrates/ZoKrates.pptx
+++ b/zokrates/ZoKrates.pptx
@@ -7433,16 +7433,9 @@
           <a:p>
             <a:r>
               <a:rPr lang="en-US" altLang="ko-KR" dirty="0"/>
-              <a:t>A. The </a:t>
-            </a:r>
-            <a:r>
-              <a:rPr lang="en-US" altLang="ko-KR" dirty="0" err="1"/>
-              <a:t>Zokrates</a:t>
-            </a:r>
-            <a:r>
-              <a:rPr lang="en-US" altLang="ko-KR" dirty="0"/>
-              <a:t> Language</a:t>
-            </a:r>
+              <a:t>1 ) code structure</a:t>
+            </a:r>
+            <a:endParaRPr lang="ko-KR" altLang="en-US" dirty="0"/>
           </a:p>
         </p:txBody>
       </p:sp>
@@ -7461,7 +7454,7 @@
         <p:spPr>
           <a:xfrm>
             <a:off x="330926" y="311705"/>
-            <a:ext cx="2829621" cy="369332"/>
+            <a:ext cx="5775940" cy="369332"/>
           </a:xfrm>
           <a:prstGeom prst="rect">
             <a:avLst/>
@@ -7480,17 +7473,30 @@
             </a:r>
             <a:r>
               <a:rPr lang="en-US" altLang="ko-KR" dirty="0"/>
-              <a:t> Implementation</a:t>
-            </a:r>
-          </a:p>
-        </p:txBody>
-      </p:sp>
-      <p:sp>
-        <p:nvSpPr>
-          <p:cNvPr id="6" name="직사각형 5">
-            <a:extLst>
-              <a:ext uri="{FF2B5EF4-FFF2-40B4-BE49-F238E27FC236}">
-                <a16:creationId xmlns:a16="http://schemas.microsoft.com/office/drawing/2014/main" id="{3863E95F-193C-407B-A4B1-1343A41489BC}"/>
+              <a:t> </a:t>
+            </a:r>
+            <a:r>
+              <a:rPr lang="en-US" altLang="ko-KR" dirty="0"/>
+              <a:t>Implementation - A. The </a:t>
+            </a:r>
+            <a:r>
+              <a:rPr lang="en-US" altLang="ko-KR" dirty="0" err="1"/>
+              <a:t>Zokrates</a:t>
+            </a:r>
+            <a:r>
+              <a:rPr lang="en-US" altLang="ko-KR" dirty="0"/>
+              <a:t> Language</a:t>
+            </a:r>
+            <a:endParaRPr lang="en-US" altLang="ko-KR" dirty="0"/>
+          </a:p>
+        </p:txBody>
+      </p:sp>
+      <p:sp>
+        <p:nvSpPr>
+          <p:cNvPr id="3" name="직사각형 2">
+            <a:extLst>
+              <a:ext uri="{FF2B5EF4-FFF2-40B4-BE49-F238E27FC236}">
+                <a16:creationId xmlns:a16="http://schemas.microsoft.com/office/drawing/2014/main" id="{D4599900-D700-465C-9DB5-BDB6B36E40EC}"/>
               </a:ext>
             </a:extLst>
           </p:cNvPr>
@@ -7499,8 +7505,8 @@
         </p:nvSpPr>
         <p:spPr>
           <a:xfrm>
-            <a:off x="989972" y="1559442"/>
-            <a:ext cx="2029453" cy="369332"/>
+            <a:off x="1420584" y="4742726"/>
+            <a:ext cx="7890470" cy="369332"/>
           </a:xfrm>
           <a:prstGeom prst="rect">
             <a:avLst/>
@@ -7513,8 +7519,52 @@
           <a:lstStyle/>
           <a:p>
             <a:r>
-              <a:rPr lang="en-US" altLang="ko-KR" dirty="0"/>
-              <a:t>1 ) code structure</a:t>
+              <a:rPr lang="ko-KR" altLang="en-US" dirty="0" smtClean="0"/>
+              <a:t>함수에는 </a:t>
+            </a:r>
+            <a:r>
+              <a:rPr lang="ko-KR" altLang="en-US" dirty="0"/>
+              <a:t>자체 </a:t>
+            </a:r>
+            <a:r>
+              <a:rPr lang="en-US" altLang="ko-KR" dirty="0" smtClean="0"/>
+              <a:t>static</a:t>
+            </a:r>
+            <a:r>
+              <a:rPr lang="ko-KR" altLang="en-US" dirty="0" smtClean="0"/>
+              <a:t> </a:t>
+            </a:r>
+            <a:r>
+              <a:rPr lang="en-US" altLang="ko-KR" dirty="0" smtClean="0"/>
+              <a:t>scope</a:t>
+            </a:r>
+            <a:r>
+              <a:rPr lang="ko-KR" altLang="en-US" dirty="0" smtClean="0"/>
+              <a:t>가 </a:t>
+            </a:r>
+            <a:r>
+              <a:rPr lang="ko-KR" altLang="en-US" dirty="0"/>
+              <a:t>있으며 함수 </a:t>
+            </a:r>
+            <a:r>
+              <a:rPr lang="en-US" altLang="ko-KR" dirty="0" smtClean="0"/>
+              <a:t>definition</a:t>
+            </a:r>
+            <a:r>
+              <a:rPr lang="ko-KR" altLang="en-US" dirty="0" smtClean="0"/>
+              <a:t>가 </a:t>
+            </a:r>
+            <a:r>
+              <a:rPr lang="ko-KR" altLang="en-US" dirty="0"/>
+              <a:t>호출되기 </a:t>
+            </a:r>
+            <a:r>
+              <a:rPr lang="ko-KR" altLang="en-US" dirty="0" smtClean="0"/>
+              <a:t>전에 </a:t>
+            </a:r>
+            <a:r>
+              <a:rPr lang="ko-KR" altLang="en-US" dirty="0" smtClean="0"/>
+              <a:t>있어야함</a:t>
             </a:r>
             <a:endParaRPr lang="ko-KR" altLang="en-US" dirty="0"/>
           </a:p>
@@ -7522,20 +7572,87 @@
       </p:sp>
       <p:sp>
         <p:nvSpPr>
-          <p:cNvPr id="3" name="직사각형 2">
-            <a:extLst>
-              <a:ext uri="{FF2B5EF4-FFF2-40B4-BE49-F238E27FC236}">
-                <a16:creationId xmlns:a16="http://schemas.microsoft.com/office/drawing/2014/main" id="{D4599900-D700-465C-9DB5-BDB6B36E40EC}"/>
-              </a:ext>
-            </a:extLst>
-          </p:cNvPr>
+          <p:cNvPr id="5" name="슬라이드 번호 개체 틀 4">
+            <a:extLst>
+              <a:ext uri="{FF2B5EF4-FFF2-40B4-BE49-F238E27FC236}">
+                <a16:creationId xmlns:a16="http://schemas.microsoft.com/office/drawing/2014/main" id="{8FC005DA-E3C1-4EF2-827C-08B56B9CFBF7}"/>
+              </a:ext>
+            </a:extLst>
+          </p:cNvPr>
+          <p:cNvSpPr>
+            <a:spLocks noGrp="1"/>
+          </p:cNvSpPr>
+          <p:nvPr>
+            <p:ph type="sldNum" sz="quarter" idx="12"/>
+          </p:nvPr>
+        </p:nvSpPr>
+        <p:spPr/>
+        <p:txBody>
+          <a:bodyPr/>
+          <a:lstStyle/>
+          <a:p>
+            <a:fld id="{0C8B018D-4725-4759-B7E3-17F94AEFA4FA}" type="slidenum">
+              <a:rPr lang="ko-KR" altLang="en-US" smtClean="0"/>
+              <a:t>20</a:t>
+            </a:fld>
+            <a:endParaRPr lang="ko-KR" altLang="en-US"/>
+          </a:p>
+        </p:txBody>
+      </p:sp>
+      <p:sp>
+        <p:nvSpPr>
+          <p:cNvPr id="8" name="직사각형 7"/>
           <p:cNvSpPr/>
           <p:nvPr/>
         </p:nvSpPr>
         <p:spPr>
           <a:xfrm>
-            <a:off x="1295400" y="2213313"/>
-            <a:ext cx="10058400" cy="1754326"/>
+            <a:off x="1420584" y="1744108"/>
+            <a:ext cx="5183278" cy="369332"/>
+          </a:xfrm>
+          <a:prstGeom prst="rect">
+            <a:avLst/>
+          </a:prstGeom>
+        </p:spPr>
+        <p:txBody>
+          <a:bodyPr wrap="none">
+            <a:spAutoFit/>
+          </a:bodyPr>
+          <a:lstStyle/>
+          <a:p>
+            <a:r>
+              <a:rPr lang="ko-KR" altLang="en-US" dirty="0" err="1"/>
+              <a:t>ZoKrates</a:t>
+            </a:r>
+            <a:r>
+              <a:rPr lang="ko-KR" altLang="en-US" dirty="0"/>
+              <a:t> 프로그램의 </a:t>
+            </a:r>
+            <a:r>
+              <a:rPr lang="en-US" altLang="ko-KR" dirty="0"/>
+              <a:t>entry point</a:t>
+            </a:r>
+            <a:r>
+              <a:rPr lang="ko-KR" altLang="en-US" dirty="0"/>
+              <a:t>는 </a:t>
+            </a:r>
+            <a:r>
+              <a:rPr lang="en-US" altLang="ko-KR" dirty="0"/>
+              <a:t>main function</a:t>
+            </a:r>
+          </a:p>
+        </p:txBody>
+      </p:sp>
+      <p:sp>
+        <p:nvSpPr>
+          <p:cNvPr id="9" name="직사각형 8"/>
+          <p:cNvSpPr/>
+          <p:nvPr/>
+        </p:nvSpPr>
+        <p:spPr>
+          <a:xfrm>
+            <a:off x="1913793" y="2125786"/>
+            <a:ext cx="7942384" cy="369332"/>
           </a:xfrm>
           <a:prstGeom prst="rect">
             <a:avLst/>
@@ -7548,121 +7665,178 @@
           <a:lstStyle/>
           <a:p>
             <a:r>
-              <a:rPr lang="ko-KR" altLang="en-US" dirty="0" err="1"/>
-              <a:t>ZoKrates</a:t>
-            </a:r>
-            <a:r>
-              <a:rPr lang="ko-KR" altLang="en-US" dirty="0"/>
-              <a:t> 프로그램의 주요 진입 점은 주요 기능입니다. </a:t>
+              <a:rPr lang="en-US" altLang="ko-KR" dirty="0"/>
+              <a:t>public</a:t>
+            </a:r>
+            <a:r>
+              <a:rPr lang="ko-KR" altLang="en-US" dirty="0"/>
+              <a:t> 및 </a:t>
+            </a:r>
+            <a:r>
+              <a:rPr lang="en-US" altLang="ko-KR" dirty="0"/>
+              <a:t>private</a:t>
+            </a:r>
+            <a:r>
+              <a:rPr lang="ko-KR" altLang="en-US" dirty="0"/>
+              <a:t> </a:t>
+            </a:r>
+            <a:r>
+              <a:rPr lang="en-US" altLang="ko-KR" dirty="0"/>
+              <a:t>input</a:t>
+            </a:r>
+            <a:r>
+              <a:rPr lang="ko-KR" altLang="en-US" dirty="0"/>
+              <a:t>을 </a:t>
+            </a:r>
+            <a:r>
+              <a:rPr lang="en-US" altLang="ko-KR" dirty="0"/>
+              <a:t>argument</a:t>
+            </a:r>
+            <a:r>
+              <a:rPr lang="ko-KR" altLang="en-US" dirty="0"/>
+              <a:t>로 가질 수 있으며 하나 이상의 값을 </a:t>
+            </a:r>
+            <a:r>
+              <a:rPr lang="en-US" altLang="ko-KR" dirty="0"/>
+              <a:t>return</a:t>
+            </a:r>
+            <a:endParaRPr lang="ko-KR" altLang="en-US" dirty="0"/>
+          </a:p>
+        </p:txBody>
+      </p:sp>
+      <p:sp>
+        <p:nvSpPr>
+          <p:cNvPr id="10" name="직사각형 9"/>
+          <p:cNvSpPr/>
+          <p:nvPr/>
+        </p:nvSpPr>
+        <p:spPr>
+          <a:xfrm>
+            <a:off x="1420584" y="2747906"/>
+            <a:ext cx="10053378" cy="646331"/>
+          </a:xfrm>
+          <a:prstGeom prst="rect">
+            <a:avLst/>
+          </a:prstGeom>
+        </p:spPr>
+        <p:txBody>
+          <a:bodyPr wrap="square">
+            <a:spAutoFit/>
+          </a:bodyPr>
+          <a:lstStyle/>
+          <a:p>
+            <a:r>
+              <a:rPr lang="ko-KR" altLang="en-US" dirty="0"/>
+              <a:t>프로그램의 올바른 실행을 증명하는 </a:t>
+            </a:r>
+            <a:r>
+              <a:rPr lang="en-US" altLang="ko-KR" dirty="0"/>
+              <a:t>proof</a:t>
+            </a:r>
+            <a:r>
+              <a:rPr lang="ko-KR" altLang="en-US" dirty="0"/>
+              <a:t>가 블록 체인에 전송 될 때 </a:t>
+            </a:r>
+            <a:r>
+              <a:rPr lang="en-US" altLang="ko-KR" dirty="0"/>
+              <a:t>public</a:t>
+            </a:r>
+            <a:r>
+              <a:rPr lang="ko-KR" altLang="en-US" dirty="0"/>
+              <a:t> </a:t>
+            </a:r>
+            <a:r>
+              <a:rPr lang="en-US" altLang="ko-KR" dirty="0"/>
+              <a:t>input</a:t>
+            </a:r>
+            <a:r>
+              <a:rPr lang="ko-KR" altLang="en-US" dirty="0"/>
+              <a:t>은 </a:t>
+            </a:r>
+            <a:r>
+              <a:rPr lang="en-US" altLang="ko-KR" dirty="0"/>
+              <a:t>public</a:t>
+            </a:r>
+            <a:r>
+              <a:rPr lang="ko-KR" altLang="en-US" dirty="0"/>
+              <a:t> 정보가되지만, </a:t>
+            </a:r>
+            <a:r>
+              <a:rPr lang="en-US" altLang="ko-KR" dirty="0"/>
+              <a:t>private input</a:t>
+            </a:r>
+            <a:r>
+              <a:rPr lang="ko-KR" altLang="en-US" dirty="0"/>
+              <a:t>은 공개되지 않으며 </a:t>
+            </a:r>
+            <a:r>
+              <a:rPr lang="en-US" altLang="ko-KR" dirty="0"/>
+              <a:t>prover</a:t>
+            </a:r>
+            <a:r>
+              <a:rPr lang="ko-KR" altLang="en-US" dirty="0"/>
+              <a:t>의 비밀로 유지 </a:t>
             </a:r>
             <a:endParaRPr lang="en-US" altLang="ko-KR" dirty="0"/>
           </a:p>
-          <a:p>
-            <a:r>
-              <a:rPr lang="ko-KR" altLang="en-US" dirty="0"/>
-              <a:t>이 함수는 </a:t>
-            </a:r>
-            <a:r>
-              <a:rPr lang="ko-KR" altLang="en-US" dirty="0" err="1"/>
-              <a:t>퍼블릭</a:t>
-            </a:r>
-            <a:r>
-              <a:rPr lang="ko-KR" altLang="en-US" dirty="0"/>
-              <a:t> 및 </a:t>
-            </a:r>
-            <a:r>
-              <a:rPr lang="ko-KR" altLang="en-US" dirty="0" err="1"/>
-              <a:t>프라이빗</a:t>
-            </a:r>
-            <a:r>
-              <a:rPr lang="ko-KR" altLang="en-US" dirty="0"/>
-              <a:t> 입력을 인수로 가질 수 있으며 하나 이상의 값을 반환합니다. </a:t>
+        </p:txBody>
+      </p:sp>
+      <p:sp>
+        <p:nvSpPr>
+          <p:cNvPr id="11" name="직사각형 10"/>
+          <p:cNvSpPr/>
+          <p:nvPr/>
+        </p:nvSpPr>
+        <p:spPr>
+          <a:xfrm>
+            <a:off x="1420584" y="3835519"/>
+            <a:ext cx="3413114" cy="369332"/>
+          </a:xfrm>
+          <a:prstGeom prst="rect">
+            <a:avLst/>
+          </a:prstGeom>
+        </p:spPr>
+        <p:txBody>
+          <a:bodyPr wrap="none">
+            <a:spAutoFit/>
+          </a:bodyPr>
+          <a:lstStyle/>
+          <a:p>
+            <a:r>
+              <a:rPr lang="ko-KR" altLang="en-US" dirty="0"/>
+              <a:t>임의의 함수를 정의하고 호출 </a:t>
+            </a:r>
+            <a:r>
+              <a:rPr lang="ko-KR" altLang="en-US" dirty="0" smtClean="0"/>
+              <a:t>가능 </a:t>
             </a:r>
             <a:endParaRPr lang="en-US" altLang="ko-KR" dirty="0"/>
           </a:p>
-          <a:p>
-            <a:r>
-              <a:rPr lang="ko-KR" altLang="en-US" dirty="0"/>
-              <a:t>프로그램의 올바른 실행을 증명하는 증거가 블록 체인에 전송 될 때 </a:t>
-            </a:r>
-            <a:r>
-              <a:rPr lang="ko-KR" altLang="en-US" dirty="0" err="1"/>
-              <a:t>퍼블릭</a:t>
-            </a:r>
-            <a:r>
-              <a:rPr lang="ko-KR" altLang="en-US" dirty="0"/>
-              <a:t> 인풋은 </a:t>
-            </a:r>
-            <a:r>
-              <a:rPr lang="ko-KR" altLang="en-US" dirty="0" err="1"/>
-              <a:t>퍼블릭</a:t>
-            </a:r>
-            <a:r>
-              <a:rPr lang="ko-KR" altLang="en-US" dirty="0"/>
-              <a:t> </a:t>
-            </a:r>
-            <a:r>
-              <a:rPr lang="ko-KR" altLang="en-US" dirty="0" err="1"/>
-              <a:t>정보가되지만</a:t>
-            </a:r>
-            <a:r>
-              <a:rPr lang="ko-KR" altLang="en-US" dirty="0"/>
-              <a:t>, </a:t>
-            </a:r>
-            <a:r>
-              <a:rPr lang="ko-KR" altLang="en-US" dirty="0" err="1"/>
-              <a:t>프라이빗</a:t>
-            </a:r>
-            <a:r>
-              <a:rPr lang="ko-KR" altLang="en-US" dirty="0"/>
-              <a:t> 인풋은 공개되지 않으며 프로 </a:t>
-            </a:r>
-            <a:r>
-              <a:rPr lang="ko-KR" altLang="en-US" dirty="0" err="1"/>
-              <a:t>버의</a:t>
-            </a:r>
-            <a:r>
-              <a:rPr lang="ko-KR" altLang="en-US" dirty="0"/>
-              <a:t> 비밀로 유지됩니다. </a:t>
-            </a:r>
-            <a:endParaRPr lang="en-US" altLang="ko-KR" dirty="0"/>
-          </a:p>
-          <a:p>
-            <a:r>
-              <a:rPr lang="ko-KR" altLang="en-US" dirty="0"/>
-              <a:t>임의의 함수를 정의하고 호출 할 수 있습니다. 함수에는 자체 정적 범위가 있으며 함수 정의가 호출되기 전에 </a:t>
-            </a:r>
-            <a:r>
-              <a:rPr lang="ko-KR" altLang="en-US" dirty="0" err="1"/>
-              <a:t>발생해야합니다</a:t>
-            </a:r>
-            <a:r>
-              <a:rPr lang="ko-KR" altLang="en-US" dirty="0"/>
-              <a:t>.</a:t>
-            </a:r>
-          </a:p>
-        </p:txBody>
-      </p:sp>
-      <p:sp>
-        <p:nvSpPr>
-          <p:cNvPr id="7" name="타원 6">
-            <a:extLst>
-              <a:ext uri="{FF2B5EF4-FFF2-40B4-BE49-F238E27FC236}">
-                <a16:creationId xmlns:a16="http://schemas.microsoft.com/office/drawing/2014/main" id="{9DA14729-1BB4-47EC-ABCE-6F8A324D9224}"/>
-              </a:ext>
-            </a:extLst>
-          </p:cNvPr>
+        </p:txBody>
+      </p:sp>
+      <p:sp>
+        <p:nvSpPr>
+          <p:cNvPr id="12" name="오른쪽 화살표 11"/>
           <p:cNvSpPr/>
           <p:nvPr/>
         </p:nvSpPr>
         <p:spPr>
           <a:xfrm>
-            <a:off x="11029950" y="311705"/>
-            <a:ext cx="647700" cy="647700"/>
-          </a:xfrm>
-          <a:prstGeom prst="ellipse">
-            <a:avLst/>
-          </a:prstGeom>
+            <a:off x="1619878" y="2260075"/>
+            <a:ext cx="334107" cy="169277"/>
+          </a:xfrm>
+          <a:prstGeom prst="rightArrow">
+            <a:avLst/>
+          </a:prstGeom>
+          <a:solidFill>
+            <a:schemeClr val="accent1">
+              <a:lumMod val="40000"/>
+              <a:lumOff val="60000"/>
+            </a:schemeClr>
+          </a:solidFill>
+          <a:ln>
+            <a:noFill/>
+          </a:ln>
         </p:spPr>
         <p:style>
           <a:lnRef idx="2">
@@ -7691,29 +7865,196 @@
       </p:sp>
       <p:sp>
         <p:nvSpPr>
-          <p:cNvPr id="5" name="슬라이드 번호 개체 틀 4">
-            <a:extLst>
-              <a:ext uri="{FF2B5EF4-FFF2-40B4-BE49-F238E27FC236}">
-                <a16:creationId xmlns:a16="http://schemas.microsoft.com/office/drawing/2014/main" id="{8FC005DA-E3C1-4EF2-827C-08B56B9CFBF7}"/>
-              </a:ext>
-            </a:extLst>
-          </p:cNvPr>
-          <p:cNvSpPr>
-            <a:spLocks noGrp="1"/>
-          </p:cNvSpPr>
-          <p:nvPr>
-            <p:ph type="sldNum" sz="quarter" idx="12"/>
-          </p:nvPr>
-        </p:nvSpPr>
-        <p:spPr/>
-        <p:txBody>
-          <a:bodyPr/>
-          <a:lstStyle/>
-          <a:p>
-            <a:fld id="{0C8B018D-4725-4759-B7E3-17F94AEFA4FA}" type="slidenum">
-              <a:rPr lang="ko-KR" altLang="en-US" smtClean="0"/>
-              <a:t>20</a:t>
-            </a:fld>
+          <p:cNvPr id="13" name="다이아몬드 12"/>
+          <p:cNvSpPr/>
+          <p:nvPr/>
+        </p:nvSpPr>
+        <p:spPr>
+          <a:xfrm>
+            <a:off x="1247669" y="1859211"/>
+            <a:ext cx="172915" cy="172915"/>
+          </a:xfrm>
+          <a:prstGeom prst="diamond">
+            <a:avLst/>
+          </a:prstGeom>
+          <a:solidFill>
+            <a:schemeClr val="tx2">
+              <a:lumMod val="60000"/>
+              <a:lumOff val="40000"/>
+            </a:schemeClr>
+          </a:solidFill>
+          <a:ln>
+            <a:noFill/>
+          </a:ln>
+        </p:spPr>
+        <p:style>
+          <a:lnRef idx="2">
+            <a:schemeClr val="accent1">
+              <a:shade val="50000"/>
+            </a:schemeClr>
+          </a:lnRef>
+          <a:fillRef idx="1">
+            <a:schemeClr val="accent1"/>
+          </a:fillRef>
+          <a:effectRef idx="0">
+            <a:schemeClr val="accent1"/>
+          </a:effectRef>
+          <a:fontRef idx="minor">
+            <a:schemeClr val="lt1"/>
+          </a:fontRef>
+        </p:style>
+        <p:txBody>
+          <a:bodyPr rtlCol="0" anchor="ctr"/>
+          <a:lstStyle/>
+          <a:p>
+            <a:pPr algn="ctr"/>
+            <a:endParaRPr lang="ko-KR" altLang="en-US"/>
+          </a:p>
+        </p:txBody>
+      </p:sp>
+      <p:sp>
+        <p:nvSpPr>
+          <p:cNvPr id="14" name="다이아몬드 13"/>
+          <p:cNvSpPr/>
+          <p:nvPr/>
+        </p:nvSpPr>
+        <p:spPr>
+          <a:xfrm>
+            <a:off x="1247668" y="2841859"/>
+            <a:ext cx="172915" cy="172915"/>
+          </a:xfrm>
+          <a:prstGeom prst="diamond">
+            <a:avLst/>
+          </a:prstGeom>
+          <a:solidFill>
+            <a:schemeClr val="tx2">
+              <a:lumMod val="60000"/>
+              <a:lumOff val="40000"/>
+            </a:schemeClr>
+          </a:solidFill>
+          <a:ln>
+            <a:noFill/>
+          </a:ln>
+        </p:spPr>
+        <p:style>
+          <a:lnRef idx="2">
+            <a:schemeClr val="accent1">
+              <a:shade val="50000"/>
+            </a:schemeClr>
+          </a:lnRef>
+          <a:fillRef idx="1">
+            <a:schemeClr val="accent1"/>
+          </a:fillRef>
+          <a:effectRef idx="0">
+            <a:schemeClr val="accent1"/>
+          </a:effectRef>
+          <a:fontRef idx="minor">
+            <a:schemeClr val="lt1"/>
+          </a:fontRef>
+        </p:style>
+        <p:txBody>
+          <a:bodyPr rtlCol="0" anchor="ctr"/>
+          <a:lstStyle/>
+          <a:p>
+            <a:pPr algn="ctr"/>
+            <a:endParaRPr lang="ko-KR" altLang="en-US"/>
+          </a:p>
+        </p:txBody>
+      </p:sp>
+      <p:sp>
+        <p:nvSpPr>
+          <p:cNvPr id="15" name="다이아몬드 14"/>
+          <p:cNvSpPr/>
+          <p:nvPr/>
+        </p:nvSpPr>
+        <p:spPr>
+          <a:xfrm>
+            <a:off x="1247667" y="3928863"/>
+            <a:ext cx="172915" cy="172915"/>
+          </a:xfrm>
+          <a:prstGeom prst="diamond">
+            <a:avLst/>
+          </a:prstGeom>
+          <a:solidFill>
+            <a:schemeClr val="tx2">
+              <a:lumMod val="60000"/>
+              <a:lumOff val="40000"/>
+            </a:schemeClr>
+          </a:solidFill>
+          <a:ln>
+            <a:noFill/>
+          </a:ln>
+        </p:spPr>
+        <p:style>
+          <a:lnRef idx="2">
+            <a:schemeClr val="accent1">
+              <a:shade val="50000"/>
+            </a:schemeClr>
+          </a:lnRef>
+          <a:fillRef idx="1">
+            <a:schemeClr val="accent1"/>
+          </a:fillRef>
+          <a:effectRef idx="0">
+            <a:schemeClr val="accent1"/>
+          </a:effectRef>
+          <a:fontRef idx="minor">
+            <a:schemeClr val="lt1"/>
+          </a:fontRef>
+        </p:style>
+        <p:txBody>
+          <a:bodyPr rtlCol="0" anchor="ctr"/>
+          <a:lstStyle/>
+          <a:p>
+            <a:pPr algn="ctr"/>
+            <a:endParaRPr lang="ko-KR" altLang="en-US"/>
+          </a:p>
+        </p:txBody>
+      </p:sp>
+      <p:sp>
+        <p:nvSpPr>
+          <p:cNvPr id="16" name="다이아몬드 15"/>
+          <p:cNvSpPr/>
+          <p:nvPr/>
+        </p:nvSpPr>
+        <p:spPr>
+          <a:xfrm>
+            <a:off x="1247667" y="4842952"/>
+            <a:ext cx="172915" cy="172915"/>
+          </a:xfrm>
+          <a:prstGeom prst="diamond">
+            <a:avLst/>
+          </a:prstGeom>
+          <a:solidFill>
+            <a:schemeClr val="tx2">
+              <a:lumMod val="60000"/>
+              <a:lumOff val="40000"/>
+            </a:schemeClr>
+          </a:solidFill>
+          <a:ln>
+            <a:noFill/>
+          </a:ln>
+        </p:spPr>
+        <p:style>
+          <a:lnRef idx="2">
+            <a:schemeClr val="accent1">
+              <a:shade val="50000"/>
+            </a:schemeClr>
+          </a:lnRef>
+          <a:fillRef idx="1">
+            <a:schemeClr val="accent1"/>
+          </a:fillRef>
+          <a:effectRef idx="0">
+            <a:schemeClr val="accent1"/>
+          </a:effectRef>
+          <a:fontRef idx="minor">
+            <a:schemeClr val="lt1"/>
+          </a:fontRef>
+        </p:style>
+        <p:txBody>
+          <a:bodyPr rtlCol="0" anchor="ctr"/>
+          <a:lstStyle/>
+          <a:p>
+            <a:pPr algn="ctr"/>
             <a:endParaRPr lang="ko-KR" altLang="en-US"/>
           </a:p>
         </p:txBody>
@@ -7771,16 +8112,9 @@
           <a:p>
             <a:r>
               <a:rPr lang="en-US" altLang="ko-KR" dirty="0"/>
-              <a:t>A. The </a:t>
-            </a:r>
-            <a:r>
-              <a:rPr lang="en-US" altLang="ko-KR" dirty="0" err="1"/>
-              <a:t>Zokrates</a:t>
-            </a:r>
-            <a:r>
-              <a:rPr lang="en-US" altLang="ko-KR" dirty="0"/>
-              <a:t> Language</a:t>
-            </a:r>
+              <a:t>2) Types</a:t>
+            </a:r>
+            <a:endParaRPr lang="ko-KR" altLang="en-US" dirty="0"/>
           </a:p>
         </p:txBody>
       </p:sp>
@@ -7799,7 +8133,7 @@
         <p:spPr>
           <a:xfrm>
             <a:off x="330926" y="311705"/>
-            <a:ext cx="2829621" cy="369332"/>
+            <a:ext cx="5775940" cy="369332"/>
           </a:xfrm>
           <a:prstGeom prst="rect">
             <a:avLst/>
@@ -7818,105 +8152,21 @@
             </a:r>
             <a:r>
               <a:rPr lang="en-US" altLang="ko-KR" dirty="0"/>
-              <a:t> Implementation</a:t>
-            </a:r>
-          </a:p>
-        </p:txBody>
-      </p:sp>
-      <p:sp>
-        <p:nvSpPr>
-          <p:cNvPr id="6" name="직사각형 5">
-            <a:extLst>
-              <a:ext uri="{FF2B5EF4-FFF2-40B4-BE49-F238E27FC236}">
-                <a16:creationId xmlns:a16="http://schemas.microsoft.com/office/drawing/2014/main" id="{3863E95F-193C-407B-A4B1-1343A41489BC}"/>
-              </a:ext>
-            </a:extLst>
-          </p:cNvPr>
-          <p:cNvSpPr/>
-          <p:nvPr/>
-        </p:nvSpPr>
-        <p:spPr>
-          <a:xfrm>
-            <a:off x="989972" y="1559442"/>
-            <a:ext cx="2029453" cy="369332"/>
-          </a:xfrm>
-          <a:prstGeom prst="rect">
-            <a:avLst/>
-          </a:prstGeom>
-        </p:spPr>
-        <p:txBody>
-          <a:bodyPr wrap="square">
-            <a:spAutoFit/>
-          </a:bodyPr>
-          <a:lstStyle/>
-          <a:p>
-            <a:r>
-              <a:rPr lang="en-US" altLang="ko-KR" dirty="0"/>
-              <a:t>2) Types</a:t>
-            </a:r>
-            <a:endParaRPr lang="ko-KR" altLang="en-US" dirty="0"/>
-          </a:p>
-        </p:txBody>
-      </p:sp>
-      <p:sp>
-        <p:nvSpPr>
-          <p:cNvPr id="5" name="직사각형 4">
-            <a:extLst>
-              <a:ext uri="{FF2B5EF4-FFF2-40B4-BE49-F238E27FC236}">
-                <a16:creationId xmlns:a16="http://schemas.microsoft.com/office/drawing/2014/main" id="{9A5BBDA5-974D-49B6-BCE7-71927CAEF295}"/>
-              </a:ext>
-            </a:extLst>
-          </p:cNvPr>
-          <p:cNvSpPr/>
-          <p:nvPr/>
-        </p:nvSpPr>
-        <p:spPr>
-          <a:xfrm>
-            <a:off x="1438275" y="2342287"/>
-            <a:ext cx="9353550" cy="1200329"/>
-          </a:xfrm>
-          <a:prstGeom prst="rect">
-            <a:avLst/>
-          </a:prstGeom>
-        </p:spPr>
-        <p:txBody>
-          <a:bodyPr wrap="square">
-            <a:spAutoFit/>
-          </a:bodyPr>
-          <a:lstStyle/>
-          <a:p>
-            <a:r>
-              <a:rPr lang="ko-KR" altLang="en-US" dirty="0" err="1"/>
-              <a:t>ZoKrates의</a:t>
-            </a:r>
-            <a:r>
-              <a:rPr lang="ko-KR" altLang="en-US" dirty="0"/>
-              <a:t> 기본 데이터 유형은 주요 필드 요소입니다. 이것은 고정 소수의 양의 정수 </a:t>
-            </a:r>
-            <a:r>
-              <a:rPr lang="ko-KR" altLang="en-US" dirty="0" err="1"/>
-              <a:t>모듈로입니다</a:t>
-            </a:r>
-            <a:r>
-              <a:rPr lang="ko-KR" altLang="en-US" dirty="0"/>
-              <a:t>. 우리의 구현에서, 소수의 크기 254 비트가 사용된다; 이 크기로 인해 개발자는 대부분의 경우 소수 필드 요소를 단순한 </a:t>
-            </a:r>
-            <a:r>
-              <a:rPr lang="ko-KR" altLang="en-US" dirty="0" err="1"/>
-              <a:t>부호없는</a:t>
-            </a:r>
-            <a:r>
-              <a:rPr lang="ko-KR" altLang="en-US" dirty="0"/>
-              <a:t> 정수 유형으로 생각할 수 있습니다. 이진 유형을 </a:t>
-            </a:r>
-            <a:r>
-              <a:rPr lang="ko-KR" altLang="en-US" dirty="0" err="1"/>
-              <a:t>나타</a:t>
-            </a:r>
-            <a:r>
-              <a:rPr lang="ko-KR" altLang="en-US" dirty="0"/>
-              <a:t> 내기 위해 필드 요소를 단순히 값 0과 1로 제한 할 수 있습니다.</a:t>
-            </a:r>
+              <a:t> </a:t>
+            </a:r>
+            <a:r>
+              <a:rPr lang="en-US" altLang="ko-KR" dirty="0"/>
+              <a:t>Implementation - A. The </a:t>
+            </a:r>
+            <a:r>
+              <a:rPr lang="en-US" altLang="ko-KR" dirty="0" err="1"/>
+              <a:t>Zokrates</a:t>
+            </a:r>
+            <a:r>
+              <a:rPr lang="en-US" altLang="ko-KR" dirty="0"/>
+              <a:t> Language</a:t>
+            </a:r>
+            <a:endParaRPr lang="en-US" altLang="ko-KR" dirty="0"/>
           </a:p>
         </p:txBody>
       </p:sp>
@@ -7992,6 +8242,203 @@
               <a:t>21</a:t>
             </a:fld>
             <a:endParaRPr lang="ko-KR" altLang="en-US"/>
+          </a:p>
+        </p:txBody>
+      </p:sp>
+      <p:sp>
+        <p:nvSpPr>
+          <p:cNvPr id="3" name="직사각형 2"/>
+          <p:cNvSpPr/>
+          <p:nvPr/>
+        </p:nvSpPr>
+        <p:spPr>
+          <a:xfrm>
+            <a:off x="1467011" y="1744108"/>
+            <a:ext cx="5333704" cy="369332"/>
+          </a:xfrm>
+          <a:prstGeom prst="rect">
+            <a:avLst/>
+          </a:prstGeom>
+        </p:spPr>
+        <p:txBody>
+          <a:bodyPr wrap="none">
+            <a:spAutoFit/>
+          </a:bodyPr>
+          <a:lstStyle/>
+          <a:p>
+            <a:r>
+              <a:rPr lang="ko-KR" altLang="en-US" dirty="0" err="1"/>
+              <a:t>ZoKrates의</a:t>
+            </a:r>
+            <a:r>
+              <a:rPr lang="ko-KR" altLang="en-US" dirty="0"/>
+              <a:t> 기본 데이터 </a:t>
+            </a:r>
+            <a:r>
+              <a:rPr lang="en-US" altLang="ko-KR" dirty="0" smtClean="0"/>
+              <a:t>type</a:t>
+            </a:r>
+            <a:r>
+              <a:rPr lang="ko-KR" altLang="en-US" dirty="0" smtClean="0"/>
+              <a:t>은 </a:t>
+            </a:r>
+            <a:r>
+              <a:rPr lang="en-US" altLang="ko-KR" dirty="0" smtClean="0"/>
+              <a:t>prime</a:t>
+            </a:r>
+            <a:r>
+              <a:rPr lang="ko-KR" altLang="en-US" dirty="0" smtClean="0"/>
+              <a:t> </a:t>
+            </a:r>
+            <a:r>
+              <a:rPr lang="en-US" altLang="ko-KR" dirty="0" smtClean="0"/>
+              <a:t>field</a:t>
+            </a:r>
+            <a:r>
+              <a:rPr lang="ko-KR" altLang="en-US" dirty="0" smtClean="0"/>
+              <a:t> </a:t>
+            </a:r>
+            <a:r>
+              <a:rPr lang="en-US" altLang="ko-KR" dirty="0" smtClean="0"/>
+              <a:t>element</a:t>
+            </a:r>
+            <a:endParaRPr lang="en-US" altLang="ko-KR" dirty="0"/>
+          </a:p>
+        </p:txBody>
+      </p:sp>
+      <p:sp>
+        <p:nvSpPr>
+          <p:cNvPr id="9" name="직사각형 8"/>
+          <p:cNvSpPr/>
+          <p:nvPr/>
+        </p:nvSpPr>
+        <p:spPr>
+          <a:xfrm>
+            <a:off x="1467011" y="3077229"/>
+            <a:ext cx="2929007" cy="369332"/>
+          </a:xfrm>
+          <a:prstGeom prst="rect">
+            <a:avLst/>
+          </a:prstGeom>
+        </p:spPr>
+        <p:txBody>
+          <a:bodyPr wrap="none">
+            <a:spAutoFit/>
+          </a:bodyPr>
+          <a:lstStyle/>
+          <a:p>
+            <a:r>
+              <a:rPr lang="ko-KR" altLang="en-US" dirty="0"/>
+              <a:t>소수의 크기 254 비트가 사용</a:t>
+            </a:r>
+          </a:p>
+        </p:txBody>
+      </p:sp>
+      <p:sp>
+        <p:nvSpPr>
+          <p:cNvPr id="10" name="직사각형 9"/>
+          <p:cNvSpPr/>
+          <p:nvPr/>
+        </p:nvSpPr>
+        <p:spPr>
+          <a:xfrm>
+            <a:off x="1467011" y="2421231"/>
+            <a:ext cx="4366901" cy="369332"/>
+          </a:xfrm>
+          <a:prstGeom prst="rect">
+            <a:avLst/>
+          </a:prstGeom>
+        </p:spPr>
+        <p:txBody>
+          <a:bodyPr wrap="none">
+            <a:spAutoFit/>
+          </a:bodyPr>
+          <a:lstStyle/>
+          <a:p>
+            <a:r>
+              <a:rPr lang="ko-KR" altLang="en-US" dirty="0"/>
+              <a:t>이것은 고정 소수의 양의 정수 </a:t>
+            </a:r>
+            <a:r>
+              <a:rPr lang="ko-KR" altLang="en-US" dirty="0" err="1"/>
+              <a:t>모듈로입니다</a:t>
+            </a:r>
+            <a:r>
+              <a:rPr lang="ko-KR" altLang="en-US" dirty="0"/>
+              <a:t>. </a:t>
+            </a:r>
+          </a:p>
+        </p:txBody>
+      </p:sp>
+      <p:sp>
+        <p:nvSpPr>
+          <p:cNvPr id="11" name="직사각형 10"/>
+          <p:cNvSpPr/>
+          <p:nvPr/>
+        </p:nvSpPr>
+        <p:spPr>
+          <a:xfrm>
+            <a:off x="1467011" y="3770312"/>
+            <a:ext cx="6096000" cy="646331"/>
+          </a:xfrm>
+          <a:prstGeom prst="rect">
+            <a:avLst/>
+          </a:prstGeom>
+        </p:spPr>
+        <p:txBody>
+          <a:bodyPr>
+            <a:spAutoFit/>
+          </a:bodyPr>
+          <a:lstStyle/>
+          <a:p>
+            <a:r>
+              <a:rPr lang="ko-KR" altLang="en-US" dirty="0"/>
+              <a:t>이 크기로 인해 개발자는 대부분의 경우 소수 필드 요소를 단순한 </a:t>
+            </a:r>
+            <a:r>
+              <a:rPr lang="ko-KR" altLang="en-US" dirty="0" err="1"/>
+              <a:t>부호없는</a:t>
+            </a:r>
+            <a:r>
+              <a:rPr lang="ko-KR" altLang="en-US" dirty="0"/>
+              <a:t> 정수 유형으로 생각할 수 있습니다</a:t>
+            </a:r>
+          </a:p>
+        </p:txBody>
+      </p:sp>
+      <p:sp>
+        <p:nvSpPr>
+          <p:cNvPr id="12" name="직사각형 11"/>
+          <p:cNvSpPr/>
+          <p:nvPr/>
+        </p:nvSpPr>
+        <p:spPr>
+          <a:xfrm>
+            <a:off x="1467011" y="4952168"/>
+            <a:ext cx="6096000" cy="646331"/>
+          </a:xfrm>
+          <a:prstGeom prst="rect">
+            <a:avLst/>
+          </a:prstGeom>
+        </p:spPr>
+        <p:txBody>
+          <a:bodyPr>
+            <a:spAutoFit/>
+          </a:bodyPr>
+          <a:lstStyle/>
+          <a:p>
+            <a:r>
+              <a:rPr lang="ko-KR" altLang="en-US" dirty="0"/>
+              <a:t>이진 유형을 </a:t>
+            </a:r>
+            <a:r>
+              <a:rPr lang="ko-KR" altLang="en-US" dirty="0" err="1"/>
+              <a:t>나타</a:t>
+            </a:r>
+            <a:r>
+              <a:rPr lang="ko-KR" altLang="en-US" dirty="0"/>
+              <a:t> 내기 위해 필드 요소를 단순히 값 0과 1로 제한 할 수 있습니다</a:t>
+            </a:r>
           </a:p>
         </p:txBody>
       </p:sp>
@@ -8048,16 +8495,9 @@
           <a:p>
             <a:r>
               <a:rPr lang="en-US" altLang="ko-KR" dirty="0"/>
-              <a:t>A. The </a:t>
-            </a:r>
-            <a:r>
-              <a:rPr lang="en-US" altLang="ko-KR" dirty="0" err="1"/>
-              <a:t>Zokrates</a:t>
-            </a:r>
-            <a:r>
-              <a:rPr lang="en-US" altLang="ko-KR" dirty="0"/>
-              <a:t> Language</a:t>
-            </a:r>
+              <a:t>3) Operators</a:t>
+            </a:r>
+            <a:endParaRPr lang="ko-KR" altLang="en-US" dirty="0"/>
           </a:p>
         </p:txBody>
       </p:sp>
@@ -8076,7 +8516,7 @@
         <p:spPr>
           <a:xfrm>
             <a:off x="330926" y="311705"/>
-            <a:ext cx="2829621" cy="369332"/>
+            <a:ext cx="5775940" cy="369332"/>
           </a:xfrm>
           <a:prstGeom prst="rect">
             <a:avLst/>
@@ -8095,27 +8535,63 @@
             </a:r>
             <a:r>
               <a:rPr lang="en-US" altLang="ko-KR" dirty="0"/>
-              <a:t> Implementation</a:t>
-            </a:r>
-          </a:p>
-        </p:txBody>
-      </p:sp>
-      <p:sp>
-        <p:nvSpPr>
-          <p:cNvPr id="6" name="직사각형 5">
-            <a:extLst>
-              <a:ext uri="{FF2B5EF4-FFF2-40B4-BE49-F238E27FC236}">
-                <a16:creationId xmlns:a16="http://schemas.microsoft.com/office/drawing/2014/main" id="{3863E95F-193C-407B-A4B1-1343A41489BC}"/>
-              </a:ext>
-            </a:extLst>
-          </p:cNvPr>
+              <a:t> </a:t>
+            </a:r>
+            <a:r>
+              <a:rPr lang="en-US" altLang="ko-KR" dirty="0"/>
+              <a:t>Implementation - A. The </a:t>
+            </a:r>
+            <a:r>
+              <a:rPr lang="en-US" altLang="ko-KR" dirty="0" err="1"/>
+              <a:t>Zokrates</a:t>
+            </a:r>
+            <a:r>
+              <a:rPr lang="en-US" altLang="ko-KR" dirty="0"/>
+              <a:t> Language</a:t>
+            </a:r>
+            <a:endParaRPr lang="en-US" altLang="ko-KR" dirty="0"/>
+          </a:p>
+        </p:txBody>
+      </p:sp>
+      <p:sp>
+        <p:nvSpPr>
+          <p:cNvPr id="3" name="슬라이드 번호 개체 틀 2">
+            <a:extLst>
+              <a:ext uri="{FF2B5EF4-FFF2-40B4-BE49-F238E27FC236}">
+                <a16:creationId xmlns:a16="http://schemas.microsoft.com/office/drawing/2014/main" id="{9AFC32F6-F4CC-4CA1-930B-DFCF6BC1E816}"/>
+              </a:ext>
+            </a:extLst>
+          </p:cNvPr>
+          <p:cNvSpPr>
+            <a:spLocks noGrp="1"/>
+          </p:cNvSpPr>
+          <p:nvPr>
+            <p:ph type="sldNum" sz="quarter" idx="12"/>
+          </p:nvPr>
+        </p:nvSpPr>
+        <p:spPr/>
+        <p:txBody>
+          <a:bodyPr/>
+          <a:lstStyle/>
+          <a:p>
+            <a:fld id="{0C8B018D-4725-4759-B7E3-17F94AEFA4FA}" type="slidenum">
+              <a:rPr lang="ko-KR" altLang="en-US" smtClean="0"/>
+              <a:t>22</a:t>
+            </a:fld>
+            <a:endParaRPr lang="ko-KR" altLang="en-US"/>
+          </a:p>
+        </p:txBody>
+      </p:sp>
+      <p:sp>
+        <p:nvSpPr>
+          <p:cNvPr id="8" name="직사각형 7"/>
           <p:cNvSpPr/>
           <p:nvPr/>
         </p:nvSpPr>
         <p:spPr>
           <a:xfrm>
-            <a:off x="989972" y="1559442"/>
-            <a:ext cx="2029453" cy="369332"/>
+            <a:off x="1439006" y="1820383"/>
+            <a:ext cx="9146932" cy="646331"/>
           </a:xfrm>
           <a:prstGeom prst="rect">
             <a:avLst/>
@@ -8128,29 +8604,209 @@
           <a:lstStyle/>
           <a:p>
             <a:r>
-              <a:rPr lang="en-US" altLang="ko-KR"/>
-              <a:t>3) Operators</a:t>
-            </a:r>
-            <a:endParaRPr lang="ko-KR" altLang="en-US" dirty="0"/>
-          </a:p>
-        </p:txBody>
-      </p:sp>
-      <p:sp>
-        <p:nvSpPr>
-          <p:cNvPr id="5" name="직사각형 4">
-            <a:extLst>
-              <a:ext uri="{FF2B5EF4-FFF2-40B4-BE49-F238E27FC236}">
-                <a16:creationId xmlns:a16="http://schemas.microsoft.com/office/drawing/2014/main" id="{9A5BBDA5-974D-49B6-BCE7-71927CAEF295}"/>
-              </a:ext>
-            </a:extLst>
-          </p:cNvPr>
+              <a:rPr lang="ko-KR" altLang="en-US" dirty="0"/>
+              <a:t>일반적인 산술 연산자가 지원되며 </a:t>
+            </a:r>
+            <a:r>
+              <a:rPr lang="en-US" altLang="ko-KR" dirty="0">
+                <a:solidFill>
+                  <a:schemeClr val="accent1">
+                    <a:lumMod val="75000"/>
+                  </a:schemeClr>
+                </a:solidFill>
+              </a:rPr>
+              <a:t>(</a:t>
+            </a:r>
+            <a:r>
+              <a:rPr lang="ko-KR" altLang="en-US" dirty="0">
+                <a:solidFill>
+                  <a:schemeClr val="accent1">
+                    <a:lumMod val="75000"/>
+                  </a:schemeClr>
+                </a:solidFill>
+              </a:rPr>
+              <a:t>예 </a:t>
+            </a:r>
+            <a:r>
+              <a:rPr lang="en-US" altLang="ko-KR" dirty="0">
+                <a:solidFill>
+                  <a:schemeClr val="accent1">
+                    <a:lumMod val="75000"/>
+                  </a:schemeClr>
+                </a:solidFill>
+              </a:rPr>
+              <a:t>: +,-, *, /) </a:t>
+            </a:r>
+            <a:r>
+              <a:rPr lang="en-US" altLang="ko-KR" dirty="0" smtClean="0"/>
+              <a:t>overflow</a:t>
+            </a:r>
+            <a:r>
+              <a:rPr lang="ko-KR" altLang="en-US" dirty="0" smtClean="0"/>
+              <a:t> </a:t>
+            </a:r>
+            <a:r>
+              <a:rPr lang="ko-KR" altLang="en-US" dirty="0"/>
+              <a:t>또는 </a:t>
+            </a:r>
+            <a:r>
+              <a:rPr lang="ko-KR" altLang="en-US" dirty="0" smtClean="0"/>
+              <a:t>나머지가 있는 나누기가 없는 </a:t>
+            </a:r>
+            <a:r>
+              <a:rPr lang="ko-KR" altLang="en-US" dirty="0"/>
+              <a:t>한 양의 정수 </a:t>
+            </a:r>
+            <a:r>
+              <a:rPr lang="en-US" altLang="ko-KR" dirty="0" err="1" smtClean="0"/>
+              <a:t>sementic</a:t>
+            </a:r>
+            <a:r>
+              <a:rPr lang="ko-KR" altLang="en-US" dirty="0" smtClean="0"/>
+              <a:t>을 가짐</a:t>
+            </a:r>
+            <a:r>
+              <a:rPr lang="en-US" altLang="ko-KR" dirty="0" smtClean="0"/>
+              <a:t> </a:t>
+            </a:r>
+            <a:endParaRPr lang="en-US" altLang="ko-KR" dirty="0"/>
+          </a:p>
+        </p:txBody>
+      </p:sp>
+      <p:sp>
+        <p:nvSpPr>
+          <p:cNvPr id="9" name="직사각형 8"/>
           <p:cNvSpPr/>
           <p:nvPr/>
         </p:nvSpPr>
         <p:spPr>
           <a:xfrm>
-            <a:off x="1438275" y="2342287"/>
-            <a:ext cx="9353550" cy="1477328"/>
+            <a:off x="1439007" y="2790580"/>
+            <a:ext cx="4254691" cy="369332"/>
+          </a:xfrm>
+          <a:prstGeom prst="rect">
+            <a:avLst/>
+          </a:prstGeom>
+        </p:spPr>
+        <p:txBody>
+          <a:bodyPr wrap="none">
+            <a:spAutoFit/>
+          </a:bodyPr>
+          <a:lstStyle/>
+          <a:p>
+            <a:r>
+              <a:rPr lang="ko-KR" altLang="en-US" dirty="0"/>
+              <a:t>일반적인 비교 연산자가 </a:t>
+            </a:r>
+            <a:r>
+              <a:rPr lang="ko-KR" altLang="en-US" dirty="0" smtClean="0"/>
+              <a:t>지원 </a:t>
+            </a:r>
+            <a:r>
+              <a:rPr lang="en-US" altLang="ko-KR" dirty="0" smtClean="0">
+                <a:solidFill>
+                  <a:schemeClr val="accent1">
+                    <a:lumMod val="75000"/>
+                  </a:schemeClr>
+                </a:solidFill>
+              </a:rPr>
+              <a:t>(</a:t>
+            </a:r>
+            <a:r>
+              <a:rPr lang="ko-KR" altLang="en-US" dirty="0">
+                <a:solidFill>
+                  <a:schemeClr val="accent1">
+                    <a:lumMod val="75000"/>
+                  </a:schemeClr>
+                </a:solidFill>
+              </a:rPr>
+              <a:t>예 </a:t>
+            </a:r>
+            <a:r>
+              <a:rPr lang="en-US" altLang="ko-KR" dirty="0">
+                <a:solidFill>
+                  <a:schemeClr val="accent1">
+                    <a:lumMod val="75000"/>
+                  </a:schemeClr>
+                </a:solidFill>
+              </a:rPr>
+              <a:t>: ==, </a:t>
+            </a:r>
+            <a:r>
+              <a:rPr lang="en-US" altLang="ko-KR" dirty="0" smtClean="0">
+                <a:solidFill>
+                  <a:schemeClr val="accent1">
+                    <a:lumMod val="75000"/>
+                  </a:schemeClr>
+                </a:solidFill>
+              </a:rPr>
+              <a:t>&lt;=)</a:t>
+            </a:r>
+            <a:endParaRPr lang="en-US" altLang="ko-KR" dirty="0">
+              <a:solidFill>
+                <a:schemeClr val="accent1">
+                  <a:lumMod val="75000"/>
+                </a:schemeClr>
+              </a:solidFill>
+            </a:endParaRPr>
+          </a:p>
+        </p:txBody>
+      </p:sp>
+      <p:sp>
+        <p:nvSpPr>
+          <p:cNvPr id="10" name="직사각형 9"/>
+          <p:cNvSpPr/>
+          <p:nvPr/>
+        </p:nvSpPr>
+        <p:spPr>
+          <a:xfrm>
+            <a:off x="1439007" y="3722056"/>
+            <a:ext cx="4037387" cy="369332"/>
+          </a:xfrm>
+          <a:prstGeom prst="rect">
+            <a:avLst/>
+          </a:prstGeom>
+        </p:spPr>
+        <p:txBody>
+          <a:bodyPr wrap="none">
+            <a:spAutoFit/>
+          </a:bodyPr>
+          <a:lstStyle/>
+          <a:p>
+            <a:r>
+              <a:rPr lang="en-US" altLang="ko-KR" dirty="0"/>
+              <a:t>== </a:t>
+            </a:r>
+            <a:r>
+              <a:rPr lang="ko-KR" altLang="en-US" dirty="0"/>
+              <a:t>연산자를 사용하여 </a:t>
+            </a:r>
+            <a:r>
+              <a:rPr lang="en-US" altLang="ko-KR" dirty="0" smtClean="0"/>
+              <a:t>assertion </a:t>
+            </a:r>
+            <a:r>
+              <a:rPr lang="ko-KR" altLang="en-US" dirty="0" smtClean="0"/>
+              <a:t>을 정</a:t>
+            </a:r>
+            <a:r>
+              <a:rPr lang="ko-KR" altLang="en-US" dirty="0"/>
+              <a:t>의</a:t>
+            </a:r>
+            <a:endParaRPr lang="en-US" altLang="ko-KR" dirty="0"/>
+          </a:p>
+        </p:txBody>
+      </p:sp>
+      <p:sp>
+        <p:nvSpPr>
+          <p:cNvPr id="11" name="직사각형 10"/>
+          <p:cNvSpPr/>
+          <p:nvPr/>
+        </p:nvSpPr>
+        <p:spPr>
+          <a:xfrm>
+            <a:off x="1439007" y="4610540"/>
+            <a:ext cx="9393116" cy="646331"/>
           </a:xfrm>
           <a:prstGeom prst="rect">
             <a:avLst/>
@@ -8163,76 +8819,73 @@
           <a:lstStyle/>
           <a:p>
             <a:r>
-              <a:rPr lang="ko-KR" altLang="en-US"/>
-              <a:t>일반적인 산술 연산자가 지원되며 </a:t>
-            </a:r>
-            <a:r>
-              <a:rPr lang="en-US" altLang="ko-KR"/>
-              <a:t>(</a:t>
-            </a:r>
-            <a:r>
-              <a:rPr lang="ko-KR" altLang="en-US"/>
-              <a:t>예 </a:t>
-            </a:r>
-            <a:r>
-              <a:rPr lang="en-US" altLang="ko-KR"/>
-              <a:t>: +,-, *, /) </a:t>
-            </a:r>
-            <a:r>
-              <a:rPr lang="ko-KR" altLang="en-US"/>
-              <a:t>오버플로 또는 나머지가있는 나누기가없는 한 양의 정수 의미론을 갖습니다</a:t>
-            </a:r>
-            <a:r>
-              <a:rPr lang="en-US" altLang="ko-KR"/>
-              <a:t>. </a:t>
-            </a:r>
-            <a:r>
-              <a:rPr lang="ko-KR" altLang="en-US"/>
-              <a:t>일반적인 비교 연산자가 지원됩니다 </a:t>
-            </a:r>
-            <a:r>
-              <a:rPr lang="en-US" altLang="ko-KR"/>
-              <a:t>(</a:t>
-            </a:r>
-            <a:r>
-              <a:rPr lang="ko-KR" altLang="en-US"/>
-              <a:t>예 </a:t>
-            </a:r>
-            <a:r>
-              <a:rPr lang="en-US" altLang="ko-KR"/>
-              <a:t>: ==, &lt;=). == </a:t>
-            </a:r>
-            <a:r>
-              <a:rPr lang="ko-KR" altLang="en-US"/>
-              <a:t>연산자를 사용하여 어설 션을 정의 할 수도 있습니다</a:t>
-            </a:r>
-            <a:r>
-              <a:rPr lang="en-US" altLang="ko-KR"/>
-              <a:t>. </a:t>
-            </a:r>
-            <a:r>
-              <a:rPr lang="ko-KR" altLang="en-US"/>
-              <a:t>부울 연산자는 기본적으로 정의되어 있지 않지만 </a:t>
-            </a:r>
-            <a:r>
-              <a:rPr lang="en-US" altLang="ko-KR"/>
+              <a:rPr lang="en-US" altLang="ko-KR" dirty="0" smtClean="0"/>
+              <a:t>Bool</a:t>
+            </a:r>
+            <a:r>
+              <a:rPr lang="ko-KR" altLang="en-US" dirty="0" smtClean="0"/>
+              <a:t> </a:t>
+            </a:r>
+            <a:r>
+              <a:rPr lang="ko-KR" altLang="en-US" dirty="0"/>
+              <a:t>연산자는 </a:t>
+            </a:r>
+            <a:r>
+              <a:rPr lang="ko-KR" altLang="en-US" dirty="0" smtClean="0"/>
+              <a:t>정의되어 </a:t>
+            </a:r>
+            <a:r>
+              <a:rPr lang="ko-KR" altLang="en-US" dirty="0"/>
+              <a:t>있지 않지만 </a:t>
+            </a:r>
+            <a:r>
+              <a:rPr lang="en-US" altLang="ko-KR" dirty="0">
+                <a:solidFill>
+                  <a:schemeClr val="accent1">
+                    <a:lumMod val="75000"/>
+                  </a:schemeClr>
+                </a:solidFill>
+              </a:rPr>
               <a:t>AND (a; b) = ab </a:t>
             </a:r>
             <a:r>
-              <a:rPr lang="ko-KR" altLang="en-US"/>
+              <a:rPr lang="ko-KR" altLang="en-US" dirty="0">
+                <a:solidFill>
+                  <a:schemeClr val="accent1">
+                    <a:lumMod val="75000"/>
+                  </a:schemeClr>
+                </a:solidFill>
+              </a:rPr>
               <a:t>및 </a:t>
             </a:r>
             <a:r>
-              <a:rPr lang="en-US" altLang="ko-KR"/>
+              <a:rPr lang="en-US" altLang="ko-KR" dirty="0">
+                <a:solidFill>
+                  <a:schemeClr val="accent1">
+                    <a:lumMod val="75000"/>
+                  </a:schemeClr>
+                </a:solidFill>
+              </a:rPr>
               <a:t>OR (a; b) = 1-(1-a) (1-b)</a:t>
             </a:r>
             <a:r>
-              <a:rPr lang="ko-KR" altLang="en-US"/>
-              <a:t>와 같이 함수로 래핑 된 산술 표현식으로 쉽게 시뮬레이션 할 수 있습니다</a:t>
-            </a:r>
-            <a:r>
-              <a:rPr lang="en-US" altLang="ko-KR"/>
-              <a:t>. .</a:t>
+              <a:rPr lang="ko-KR" altLang="en-US" dirty="0"/>
+              <a:t>와 같이 </a:t>
+            </a:r>
+            <a:endParaRPr lang="en-US" altLang="ko-KR" dirty="0" smtClean="0"/>
+          </a:p>
+          <a:p>
+            <a:r>
+              <a:rPr lang="ko-KR" altLang="en-US" dirty="0" smtClean="0"/>
+              <a:t>함수로 묶인 </a:t>
+            </a:r>
+            <a:r>
+              <a:rPr lang="ko-KR" altLang="en-US" dirty="0"/>
+              <a:t>산술 표현식으로 쉽게 시뮬레이션 </a:t>
+            </a:r>
+            <a:r>
+              <a:rPr lang="ko-KR" altLang="en-US" dirty="0" smtClean="0"/>
+              <a:t>가능</a:t>
             </a:r>
             <a:endParaRPr lang="ko-KR" altLang="en-US" dirty="0"/>
           </a:p>
@@ -8240,24 +8893,27 @@
       </p:sp>
       <p:sp>
         <p:nvSpPr>
-          <p:cNvPr id="7" name="타원 6">
-            <a:extLst>
-              <a:ext uri="{FF2B5EF4-FFF2-40B4-BE49-F238E27FC236}">
-                <a16:creationId xmlns:a16="http://schemas.microsoft.com/office/drawing/2014/main" id="{5A5A4A76-001F-406A-97B5-4D8AFA30100E}"/>
-              </a:ext>
-            </a:extLst>
-          </p:cNvPr>
+          <p:cNvPr id="12" name="다이아몬드 11"/>
           <p:cNvSpPr/>
           <p:nvPr/>
         </p:nvSpPr>
         <p:spPr>
           <a:xfrm>
-            <a:off x="11029950" y="311705"/>
-            <a:ext cx="647700" cy="647700"/>
-          </a:xfrm>
-          <a:prstGeom prst="ellipse">
-            <a:avLst/>
-          </a:prstGeom>
+            <a:off x="1266091" y="1892351"/>
+            <a:ext cx="172915" cy="172915"/>
+          </a:xfrm>
+          <a:prstGeom prst="diamond">
+            <a:avLst/>
+          </a:prstGeom>
+          <a:solidFill>
+            <a:schemeClr val="tx2">
+              <a:lumMod val="60000"/>
+              <a:lumOff val="40000"/>
+            </a:schemeClr>
+          </a:solidFill>
+          <a:ln>
+            <a:noFill/>
+          </a:ln>
         </p:spPr>
         <p:style>
           <a:lnRef idx="2">
@@ -8286,29 +8942,147 @@
       </p:sp>
       <p:sp>
         <p:nvSpPr>
-          <p:cNvPr id="3" name="슬라이드 번호 개체 틀 2">
-            <a:extLst>
-              <a:ext uri="{FF2B5EF4-FFF2-40B4-BE49-F238E27FC236}">
-                <a16:creationId xmlns:a16="http://schemas.microsoft.com/office/drawing/2014/main" id="{9AFC32F6-F4CC-4CA1-930B-DFCF6BC1E816}"/>
-              </a:ext>
-            </a:extLst>
-          </p:cNvPr>
-          <p:cNvSpPr>
-            <a:spLocks noGrp="1"/>
-          </p:cNvSpPr>
-          <p:nvPr>
-            <p:ph type="sldNum" sz="quarter" idx="12"/>
-          </p:nvPr>
-        </p:nvSpPr>
-        <p:spPr/>
-        <p:txBody>
-          <a:bodyPr/>
-          <a:lstStyle/>
-          <a:p>
-            <a:fld id="{0C8B018D-4725-4759-B7E3-17F94AEFA4FA}" type="slidenum">
-              <a:rPr lang="ko-KR" altLang="en-US" smtClean="0"/>
-              <a:t>22</a:t>
-            </a:fld>
+          <p:cNvPr id="13" name="다이아몬드 12"/>
+          <p:cNvSpPr/>
+          <p:nvPr/>
+        </p:nvSpPr>
+        <p:spPr>
+          <a:xfrm>
+            <a:off x="1266090" y="2888788"/>
+            <a:ext cx="172915" cy="172915"/>
+          </a:xfrm>
+          <a:prstGeom prst="diamond">
+            <a:avLst/>
+          </a:prstGeom>
+          <a:solidFill>
+            <a:schemeClr val="tx2">
+              <a:lumMod val="60000"/>
+              <a:lumOff val="40000"/>
+            </a:schemeClr>
+          </a:solidFill>
+          <a:ln>
+            <a:noFill/>
+          </a:ln>
+        </p:spPr>
+        <p:style>
+          <a:lnRef idx="2">
+            <a:schemeClr val="accent1">
+              <a:shade val="50000"/>
+            </a:schemeClr>
+          </a:lnRef>
+          <a:fillRef idx="1">
+            <a:schemeClr val="accent1"/>
+          </a:fillRef>
+          <a:effectRef idx="0">
+            <a:schemeClr val="accent1"/>
+          </a:effectRef>
+          <a:fontRef idx="minor">
+            <a:schemeClr val="lt1"/>
+          </a:fontRef>
+        </p:style>
+        <p:txBody>
+          <a:bodyPr rtlCol="0" anchor="ctr"/>
+          <a:lstStyle/>
+          <a:p>
+            <a:pPr algn="ctr"/>
+            <a:endParaRPr lang="ko-KR" altLang="en-US"/>
+          </a:p>
+        </p:txBody>
+      </p:sp>
+      <p:sp>
+        <p:nvSpPr>
+          <p:cNvPr id="14" name="다이아몬드 13"/>
+          <p:cNvSpPr/>
+          <p:nvPr/>
+        </p:nvSpPr>
+        <p:spPr>
+          <a:xfrm>
+            <a:off x="1266089" y="3820264"/>
+            <a:ext cx="172915" cy="172915"/>
+          </a:xfrm>
+          <a:prstGeom prst="diamond">
+            <a:avLst/>
+          </a:prstGeom>
+          <a:solidFill>
+            <a:schemeClr val="tx2">
+              <a:lumMod val="60000"/>
+              <a:lumOff val="40000"/>
+            </a:schemeClr>
+          </a:solidFill>
+          <a:ln>
+            <a:noFill/>
+          </a:ln>
+        </p:spPr>
+        <p:style>
+          <a:lnRef idx="2">
+            <a:schemeClr val="accent1">
+              <a:shade val="50000"/>
+            </a:schemeClr>
+          </a:lnRef>
+          <a:fillRef idx="1">
+            <a:schemeClr val="accent1"/>
+          </a:fillRef>
+          <a:effectRef idx="0">
+            <a:schemeClr val="accent1"/>
+          </a:effectRef>
+          <a:fontRef idx="minor">
+            <a:schemeClr val="lt1"/>
+          </a:fontRef>
+        </p:style>
+        <p:txBody>
+          <a:bodyPr rtlCol="0" anchor="ctr"/>
+          <a:lstStyle/>
+          <a:p>
+            <a:pPr algn="ctr"/>
+            <a:endParaRPr lang="ko-KR" altLang="en-US"/>
+          </a:p>
+        </p:txBody>
+      </p:sp>
+      <p:sp>
+        <p:nvSpPr>
+          <p:cNvPr id="15" name="다이아몬드 14"/>
+          <p:cNvSpPr/>
+          <p:nvPr/>
+        </p:nvSpPr>
+        <p:spPr>
+          <a:xfrm>
+            <a:off x="1264620" y="4730243"/>
+            <a:ext cx="172915" cy="172915"/>
+          </a:xfrm>
+          <a:prstGeom prst="diamond">
+            <a:avLst/>
+          </a:prstGeom>
+          <a:solidFill>
+            <a:schemeClr val="tx2">
+              <a:lumMod val="60000"/>
+              <a:lumOff val="40000"/>
+            </a:schemeClr>
+          </a:solidFill>
+          <a:ln>
+            <a:noFill/>
+          </a:ln>
+        </p:spPr>
+        <p:style>
+          <a:lnRef idx="2">
+            <a:schemeClr val="accent1">
+              <a:shade val="50000"/>
+            </a:schemeClr>
+          </a:lnRef>
+          <a:fillRef idx="1">
+            <a:schemeClr val="accent1"/>
+          </a:fillRef>
+          <a:effectRef idx="0">
+            <a:schemeClr val="accent1"/>
+          </a:effectRef>
+          <a:fontRef idx="minor">
+            <a:schemeClr val="lt1"/>
+          </a:fontRef>
+        </p:style>
+        <p:txBody>
+          <a:bodyPr rtlCol="0" anchor="ctr"/>
+          <a:lstStyle/>
+          <a:p>
+            <a:pPr algn="ctr"/>
             <a:endParaRPr lang="ko-KR" altLang="en-US"/>
           </a:p>
         </p:txBody>
@@ -8366,16 +9140,9 @@
           <a:p>
             <a:r>
               <a:rPr lang="en-US" altLang="ko-KR" dirty="0"/>
-              <a:t>A. The </a:t>
-            </a:r>
-            <a:r>
-              <a:rPr lang="en-US" altLang="ko-KR" dirty="0" err="1"/>
-              <a:t>Zokrates</a:t>
-            </a:r>
-            <a:r>
-              <a:rPr lang="en-US" altLang="ko-KR" dirty="0"/>
-              <a:t> Language</a:t>
-            </a:r>
+              <a:t>4) Control Flow</a:t>
+            </a:r>
+            <a:endParaRPr lang="ko-KR" altLang="en-US" dirty="0"/>
           </a:p>
         </p:txBody>
       </p:sp>
@@ -8394,7 +9161,7 @@
         <p:spPr>
           <a:xfrm>
             <a:off x="330926" y="311705"/>
-            <a:ext cx="2887329" cy="369332"/>
+            <a:ext cx="5833648" cy="369332"/>
           </a:xfrm>
           <a:prstGeom prst="rect">
             <a:avLst/>
@@ -8413,17 +9180,30 @@
             </a:r>
             <a:r>
               <a:rPr lang="en-US" altLang="ko-KR" dirty="0"/>
-              <a:t> Implementation </a:t>
-            </a:r>
-          </a:p>
-        </p:txBody>
-      </p:sp>
-      <p:sp>
-        <p:nvSpPr>
-          <p:cNvPr id="6" name="직사각형 5">
-            <a:extLst>
-              <a:ext uri="{FF2B5EF4-FFF2-40B4-BE49-F238E27FC236}">
-                <a16:creationId xmlns:a16="http://schemas.microsoft.com/office/drawing/2014/main" id="{3863E95F-193C-407B-A4B1-1343A41489BC}"/>
+              <a:t> </a:t>
+            </a:r>
+            <a:r>
+              <a:rPr lang="en-US" altLang="ko-KR" dirty="0"/>
+              <a:t>Implementation - A. The </a:t>
+            </a:r>
+            <a:r>
+              <a:rPr lang="en-US" altLang="ko-KR" dirty="0" err="1"/>
+              <a:t>Zokrates</a:t>
+            </a:r>
+            <a:r>
+              <a:rPr lang="en-US" altLang="ko-KR" dirty="0"/>
+              <a:t> Language </a:t>
+            </a:r>
+            <a:endParaRPr lang="en-US" altLang="ko-KR" dirty="0"/>
+          </a:p>
+        </p:txBody>
+      </p:sp>
+      <p:sp>
+        <p:nvSpPr>
+          <p:cNvPr id="5" name="직사각형 4">
+            <a:extLst>
+              <a:ext uri="{FF2B5EF4-FFF2-40B4-BE49-F238E27FC236}">
+                <a16:creationId xmlns:a16="http://schemas.microsoft.com/office/drawing/2014/main" id="{9A5BBDA5-974D-49B6-BCE7-71927CAEF295}"/>
               </a:ext>
             </a:extLst>
           </p:cNvPr>
@@ -8432,8 +9212,8 @@
         </p:nvSpPr>
         <p:spPr>
           <a:xfrm>
-            <a:off x="989972" y="1559442"/>
-            <a:ext cx="2029453" cy="369332"/>
+            <a:off x="1289539" y="3915998"/>
+            <a:ext cx="9353550" cy="369332"/>
           </a:xfrm>
           <a:prstGeom prst="rect">
             <a:avLst/>
@@ -8446,99 +9226,20 @@
           <a:lstStyle/>
           <a:p>
             <a:r>
-              <a:rPr lang="en-US" altLang="ko-KR"/>
-              <a:t>4) Control Flow</a:t>
-            </a:r>
-            <a:endParaRPr lang="ko-KR" altLang="en-US" dirty="0"/>
-          </a:p>
-        </p:txBody>
-      </p:sp>
-      <p:sp>
-        <p:nvSpPr>
-          <p:cNvPr id="5" name="직사각형 4">
-            <a:extLst>
-              <a:ext uri="{FF2B5EF4-FFF2-40B4-BE49-F238E27FC236}">
-                <a16:creationId xmlns:a16="http://schemas.microsoft.com/office/drawing/2014/main" id="{9A5BBDA5-974D-49B6-BCE7-71927CAEF295}"/>
-              </a:ext>
-            </a:extLst>
-          </p:cNvPr>
-          <p:cNvSpPr/>
-          <p:nvPr/>
-        </p:nvSpPr>
-        <p:spPr>
-          <a:xfrm>
-            <a:off x="1438275" y="2342287"/>
-            <a:ext cx="9353550" cy="923330"/>
-          </a:xfrm>
-          <a:prstGeom prst="rect">
-            <a:avLst/>
-          </a:prstGeom>
-        </p:spPr>
-        <p:txBody>
-          <a:bodyPr wrap="square">
-            <a:spAutoFit/>
-          </a:bodyPr>
-          <a:lstStyle/>
-          <a:p>
-            <a:r>
-              <a:rPr lang="en-US" altLang="ko-KR"/>
-              <a:t>For-Loops</a:t>
-            </a:r>
-            <a:r>
-              <a:rPr lang="ko-KR" altLang="en-US"/>
-              <a:t>는 지원되지만</a:t>
-            </a:r>
-            <a:r>
-              <a:rPr lang="en-US" altLang="ko-KR"/>
-              <a:t>, </a:t>
-            </a:r>
-            <a:r>
-              <a:rPr lang="ko-KR" altLang="en-US"/>
-              <a:t>검증 가능한 계산 체계와 호환 가능하도록 컴파일 프로세스 </a:t>
-            </a:r>
-            <a:r>
-              <a:rPr lang="en-US" altLang="ko-KR"/>
-              <a:t>(IV-B </a:t>
-            </a:r>
-            <a:r>
-              <a:rPr lang="ko-KR" altLang="en-US"/>
-              <a:t>참조</a:t>
-            </a:r>
-            <a:r>
-              <a:rPr lang="en-US" altLang="ko-KR"/>
-              <a:t>) </a:t>
-            </a:r>
-            <a:r>
-              <a:rPr lang="ko-KR" altLang="en-US"/>
-              <a:t>중에 명령문 목록으로 풀릴 때 반복의 상한을 지정해야합니다</a:t>
-            </a:r>
-            <a:r>
-              <a:rPr lang="en-US" altLang="ko-KR"/>
-              <a:t>. . </a:t>
-            </a:r>
-            <a:r>
-              <a:rPr lang="ko-KR" altLang="en-US"/>
-              <a:t>같은 이유로 재귀는 지원되지 않습니다</a:t>
-            </a:r>
-            <a:r>
-              <a:rPr lang="en-US" altLang="ko-KR"/>
-              <a:t>. </a:t>
-            </a:r>
-            <a:r>
-              <a:rPr lang="ko-KR" altLang="en-US"/>
-              <a:t>명령형 언어에서와 마찬가지로 </a:t>
-            </a:r>
-            <a:r>
-              <a:rPr lang="en-US" altLang="ko-KR"/>
+              <a:rPr lang="en-US" altLang="ko-KR" dirty="0" smtClean="0"/>
               <a:t>If-Else-Statements</a:t>
             </a:r>
             <a:r>
-              <a:rPr lang="ko-KR" altLang="en-US"/>
-              <a:t>는 조건부 할당을 가능하게합니다</a:t>
-            </a:r>
-            <a:r>
-              <a:rPr lang="en-US" altLang="ko-KR"/>
-              <a:t>.</a:t>
+              <a:rPr lang="ko-KR" altLang="en-US" dirty="0" smtClean="0"/>
+              <a:t>를 이용해 </a:t>
+            </a:r>
+            <a:r>
+              <a:rPr lang="ko-KR" altLang="en-US" dirty="0" err="1" smtClean="0"/>
+              <a:t>조건문</a:t>
+            </a:r>
+            <a:r>
+              <a:rPr lang="ko-KR" altLang="en-US" dirty="0" smtClean="0"/>
+              <a:t> 사용 가능</a:t>
             </a:r>
             <a:endParaRPr lang="ko-KR" altLang="en-US" dirty="0"/>
           </a:p>
@@ -8616,6 +9317,94 @@
               <a:t>23</a:t>
             </a:fld>
             <a:endParaRPr lang="ko-KR" altLang="en-US"/>
+          </a:p>
+        </p:txBody>
+      </p:sp>
+      <p:sp>
+        <p:nvSpPr>
+          <p:cNvPr id="8" name="직사각형 7"/>
+          <p:cNvSpPr/>
+          <p:nvPr/>
+        </p:nvSpPr>
+        <p:spPr>
+          <a:xfrm>
+            <a:off x="1289538" y="1838124"/>
+            <a:ext cx="9560169" cy="646331"/>
+          </a:xfrm>
+          <a:prstGeom prst="rect">
+            <a:avLst/>
+          </a:prstGeom>
+        </p:spPr>
+        <p:txBody>
+          <a:bodyPr wrap="square">
+            <a:spAutoFit/>
+          </a:bodyPr>
+          <a:lstStyle/>
+          <a:p>
+            <a:r>
+              <a:rPr lang="en-US" altLang="ko-KR" dirty="0"/>
+              <a:t>For-Loops</a:t>
+            </a:r>
+            <a:r>
+              <a:rPr lang="ko-KR" altLang="en-US" dirty="0"/>
+              <a:t>는 지원되지만 검증 가능한 계산 방식과 호환 가능하도록 컴파일 프로세스 </a:t>
+            </a:r>
+            <a:r>
+              <a:rPr lang="en-US" altLang="ko-KR" dirty="0"/>
+              <a:t>(IV-B </a:t>
+            </a:r>
+            <a:r>
+              <a:rPr lang="ko-KR" altLang="en-US" dirty="0"/>
+              <a:t>참조</a:t>
+            </a:r>
+            <a:r>
+              <a:rPr lang="en-US" altLang="ko-KR" dirty="0"/>
+              <a:t>) </a:t>
+            </a:r>
+            <a:r>
+              <a:rPr lang="ko-KR" altLang="en-US" dirty="0"/>
+              <a:t>중에 명령문 목록으로 풀릴 때 반복의 상한을 </a:t>
+            </a:r>
+            <a:r>
+              <a:rPr lang="ko-KR" altLang="en-US" dirty="0" err="1"/>
+              <a:t>지정해야합니다</a:t>
+            </a:r>
+            <a:r>
+              <a:rPr lang="en-US" altLang="ko-KR" dirty="0"/>
+              <a:t>.</a:t>
+            </a:r>
+          </a:p>
+        </p:txBody>
+      </p:sp>
+      <p:sp>
+        <p:nvSpPr>
+          <p:cNvPr id="9" name="직사각형 8"/>
+          <p:cNvSpPr/>
+          <p:nvPr/>
+        </p:nvSpPr>
+        <p:spPr>
+          <a:xfrm>
+            <a:off x="1303147" y="3154060"/>
+            <a:ext cx="3889206" cy="369332"/>
+          </a:xfrm>
+          <a:prstGeom prst="rect">
+            <a:avLst/>
+          </a:prstGeom>
+        </p:spPr>
+        <p:txBody>
+          <a:bodyPr wrap="none">
+            <a:spAutoFit/>
+          </a:bodyPr>
+          <a:lstStyle/>
+          <a:p>
+            <a:r>
+              <a:rPr lang="ko-KR" altLang="en-US" dirty="0"/>
+              <a:t>같은 이유로 재귀는 지원되지 않습니다</a:t>
+            </a:r>
+            <a:r>
+              <a:rPr lang="en-US" altLang="ko-KR" dirty="0"/>
+              <a:t>. </a:t>
+            </a:r>
           </a:p>
         </p:txBody>
       </p:sp>
@@ -8738,8 +9527,8 @@
         </p:nvSpPr>
         <p:spPr>
           <a:xfrm>
-            <a:off x="962025" y="1744108"/>
-            <a:ext cx="9353550" cy="923330"/>
+            <a:off x="970524" y="1699690"/>
+            <a:ext cx="9353550" cy="646331"/>
           </a:xfrm>
           <a:prstGeom prst="rect">
             <a:avLst/>
@@ -8752,34 +9541,59 @@
           <a:lstStyle/>
           <a:p>
             <a:r>
-              <a:rPr lang="en-US" altLang="ko-KR"/>
-              <a:t>ZoKrates DSL</a:t>
-            </a:r>
-            <a:r>
-              <a:rPr lang="ko-KR" altLang="en-US"/>
+              <a:rPr lang="en-US" altLang="ko-KR" dirty="0" err="1"/>
+              <a:t>ZoKrates</a:t>
+            </a:r>
+            <a:r>
+              <a:rPr lang="en-US" altLang="ko-KR" dirty="0"/>
+              <a:t> DSL</a:t>
+            </a:r>
+            <a:r>
+              <a:rPr lang="ko-KR" altLang="en-US" dirty="0"/>
               <a:t>에 프로그램이 작성된 후</a:t>
             </a:r>
             <a:r>
-              <a:rPr lang="en-US" altLang="ko-KR"/>
+              <a:rPr lang="en-US" altLang="ko-KR" dirty="0"/>
               <a:t>, </a:t>
             </a:r>
             <a:r>
-              <a:rPr lang="ko-KR" altLang="en-US"/>
-              <a:t>올바른 실행을 증명하는 증거가 블록 체인에 전송되고 검증 될 수있을 때까지 몇 가지 단계를 수행해야합니다</a:t>
-            </a:r>
-            <a:r>
-              <a:rPr lang="en-US" altLang="ko-KR"/>
-              <a:t>.</a:t>
-            </a:r>
-          </a:p>
-          <a:p>
-            <a:r>
-              <a:rPr lang="ko-KR" altLang="en-US"/>
-              <a:t>이 프로세스를 지원하기위한 여러 도구를 제공합니다</a:t>
-            </a:r>
-            <a:r>
-              <a:rPr lang="en-US" altLang="ko-KR"/>
-              <a:t>.</a:t>
+              <a:rPr lang="ko-KR" altLang="en-US" dirty="0"/>
+              <a:t>올바른 실행을 증명하는 </a:t>
+            </a:r>
+            <a:r>
+              <a:rPr lang="en-US" altLang="ko-KR" dirty="0" smtClean="0"/>
+              <a:t>proof</a:t>
+            </a:r>
+            <a:r>
+              <a:rPr lang="ko-KR" altLang="en-US" dirty="0" smtClean="0"/>
+              <a:t>가 </a:t>
+            </a:r>
+            <a:r>
+              <a:rPr lang="ko-KR" altLang="en-US" dirty="0"/>
+              <a:t>블록 체인에 전송되고 </a:t>
+            </a:r>
+            <a:endParaRPr lang="en-US" altLang="ko-KR" dirty="0" smtClean="0"/>
+          </a:p>
+          <a:p>
+            <a:r>
+              <a:rPr lang="ko-KR" altLang="en-US" dirty="0" smtClean="0"/>
+              <a:t>검증 </a:t>
+            </a:r>
+            <a:r>
+              <a:rPr lang="ko-KR" altLang="en-US" dirty="0"/>
+              <a:t>될 </a:t>
+            </a:r>
+            <a:r>
+              <a:rPr lang="ko-KR" altLang="en-US" dirty="0" smtClean="0"/>
+              <a:t>때까지 아래</a:t>
+            </a:r>
+            <a:r>
+              <a:rPr lang="en-US" altLang="ko-KR" dirty="0"/>
+              <a:t> </a:t>
+            </a:r>
+            <a:r>
+              <a:rPr lang="ko-KR" altLang="en-US" dirty="0" smtClean="0"/>
+              <a:t>도구를 거침</a:t>
             </a:r>
             <a:endParaRPr lang="ko-KR" altLang="en-US" dirty="0"/>
           </a:p>
@@ -8787,10 +9601,10 @@
       </p:sp>
       <p:sp>
         <p:nvSpPr>
-          <p:cNvPr id="7" name="타원 6">
-            <a:extLst>
-              <a:ext uri="{FF2B5EF4-FFF2-40B4-BE49-F238E27FC236}">
-                <a16:creationId xmlns:a16="http://schemas.microsoft.com/office/drawing/2014/main" id="{7B28FFEA-5008-4304-B3E4-1951BC340143}"/>
+          <p:cNvPr id="3" name="직사각형 2">
+            <a:extLst>
+              <a:ext uri="{FF2B5EF4-FFF2-40B4-BE49-F238E27FC236}">
+                <a16:creationId xmlns:a16="http://schemas.microsoft.com/office/drawing/2014/main" id="{CB1FD74C-9C5E-4EAA-B9C3-E5AA1942B01F}"/>
               </a:ext>
             </a:extLst>
           </p:cNvPr>
@@ -8799,53 +9613,7 @@
         </p:nvSpPr>
         <p:spPr>
           <a:xfrm>
-            <a:off x="11029950" y="311705"/>
-            <a:ext cx="647700" cy="647700"/>
-          </a:xfrm>
-          <a:prstGeom prst="ellipse">
-            <a:avLst/>
-          </a:prstGeom>
-        </p:spPr>
-        <p:style>
-          <a:lnRef idx="2">
-            <a:schemeClr val="accent1">
-              <a:shade val="50000"/>
-            </a:schemeClr>
-          </a:lnRef>
-          <a:fillRef idx="1">
-            <a:schemeClr val="accent1"/>
-          </a:fillRef>
-          <a:effectRef idx="0">
-            <a:schemeClr val="accent1"/>
-          </a:effectRef>
-          <a:fontRef idx="minor">
-            <a:schemeClr val="lt1"/>
-          </a:fontRef>
-        </p:style>
-        <p:txBody>
-          <a:bodyPr rtlCol="0" anchor="ctr"/>
-          <a:lstStyle/>
-          <a:p>
-            <a:pPr algn="ctr"/>
-            <a:endParaRPr lang="ko-KR" altLang="en-US"/>
-          </a:p>
-        </p:txBody>
-      </p:sp>
-      <p:sp>
-        <p:nvSpPr>
-          <p:cNvPr id="3" name="직사각형 2">
-            <a:extLst>
-              <a:ext uri="{FF2B5EF4-FFF2-40B4-BE49-F238E27FC236}">
-                <a16:creationId xmlns:a16="http://schemas.microsoft.com/office/drawing/2014/main" id="{CB1FD74C-9C5E-4EAA-B9C3-E5AA1942B01F}"/>
-              </a:ext>
-            </a:extLst>
-          </p:cNvPr>
-          <p:cNvSpPr/>
-          <p:nvPr/>
-        </p:nvSpPr>
-        <p:spPr>
-          <a:xfrm>
-            <a:off x="1155545" y="3139559"/>
+            <a:off x="1458061" y="3241374"/>
             <a:ext cx="1384610" cy="369332"/>
           </a:xfrm>
           <a:prstGeom prst="rect">
@@ -8884,7 +9652,7 @@
         </p:nvSpPr>
         <p:spPr>
           <a:xfrm>
-            <a:off x="1155545" y="3796346"/>
+            <a:off x="1458061" y="3710654"/>
             <a:ext cx="2491388" cy="369332"/>
           </a:xfrm>
           <a:prstGeom prst="rect">
@@ -8910,13 +9678,10 @@
               <a:t> </a:t>
             </a:r>
             <a:r>
-              <a:rPr lang="ko-KR" altLang="en-US" dirty="0" err="1"/>
+              <a:rPr lang="ko-KR" altLang="en-US" dirty="0" err="1" smtClean="0"/>
               <a:t>Generator</a:t>
             </a:r>
-            <a:r>
-              <a:rPr lang="ko-KR" altLang="en-US" dirty="0"/>
-              <a:t>:</a:t>
-            </a:r>
+            <a:endParaRPr lang="ko-KR" altLang="en-US" dirty="0"/>
           </a:p>
         </p:txBody>
       </p:sp>
@@ -8934,7 +9699,7 @@
         </p:nvSpPr>
         <p:spPr>
           <a:xfrm>
-            <a:off x="1140186" y="4519808"/>
+            <a:off x="1458061" y="4179934"/>
             <a:ext cx="2020361" cy="369332"/>
           </a:xfrm>
           <a:prstGeom prst="rect">
@@ -8952,13 +9717,14 @@
               <a:t>3) Circuit </a:t>
             </a:r>
             <a:r>
-              <a:rPr lang="ko-KR" altLang="en-US" dirty="0" err="1"/>
+              <a:rPr lang="ko-KR" altLang="en-US" dirty="0" err="1" smtClean="0"/>
               <a:t>Import</a:t>
             </a:r>
             <a:r>
-              <a:rPr lang="ko-KR" altLang="en-US" dirty="0"/>
-              <a:t>: </a:t>
-            </a:r>
+              <a:rPr lang="ko-KR" altLang="en-US" dirty="0" smtClean="0"/>
+              <a:t> </a:t>
+            </a:r>
+            <a:endParaRPr lang="ko-KR" altLang="en-US" dirty="0"/>
           </a:p>
         </p:txBody>
       </p:sp>
@@ -8976,7 +9742,7 @@
         </p:nvSpPr>
         <p:spPr>
           <a:xfrm>
-            <a:off x="1155545" y="5109920"/>
+            <a:off x="1458061" y="4649214"/>
             <a:ext cx="3497624" cy="369332"/>
           </a:xfrm>
           <a:prstGeom prst="rect">
@@ -9010,13 +9776,14 @@
               <a:t> </a:t>
             </a:r>
             <a:r>
-              <a:rPr lang="ko-KR" altLang="en-US" dirty="0" err="1"/>
+              <a:rPr lang="ko-KR" altLang="en-US" dirty="0" err="1" smtClean="0"/>
               <a:t>Generation</a:t>
             </a:r>
             <a:r>
-              <a:rPr lang="ko-KR" altLang="en-US" dirty="0"/>
-              <a:t>: </a:t>
-            </a:r>
+              <a:rPr lang="ko-KR" altLang="en-US" dirty="0" smtClean="0"/>
+              <a:t> </a:t>
+            </a:r>
+            <a:endParaRPr lang="ko-KR" altLang="en-US" dirty="0"/>
           </a:p>
         </p:txBody>
       </p:sp>
@@ -9034,7 +9801,7 @@
         </p:nvSpPr>
         <p:spPr>
           <a:xfrm>
-            <a:off x="1215882" y="5766707"/>
+            <a:off x="1458061" y="5118494"/>
             <a:ext cx="2370714" cy="369332"/>
           </a:xfrm>
           <a:prstGeom prst="rect">
@@ -9060,13 +9827,14 @@
               <a:t> </a:t>
             </a:r>
             <a:r>
-              <a:rPr lang="ko-KR" altLang="en-US" dirty="0" err="1"/>
+              <a:rPr lang="ko-KR" altLang="en-US" dirty="0" err="1" smtClean="0"/>
               <a:t>Generation</a:t>
             </a:r>
             <a:r>
-              <a:rPr lang="ko-KR" altLang="en-US" dirty="0"/>
-              <a:t>: </a:t>
-            </a:r>
+              <a:rPr lang="ko-KR" altLang="en-US" dirty="0" smtClean="0"/>
+              <a:t> </a:t>
+            </a:r>
+            <a:endParaRPr lang="ko-KR" altLang="en-US" dirty="0"/>
           </a:p>
         </p:txBody>
       </p:sp>
@@ -9084,7 +9852,7 @@
         </p:nvSpPr>
         <p:spPr>
           <a:xfrm>
-            <a:off x="1215882" y="6176963"/>
+            <a:off x="1458061" y="5587775"/>
             <a:ext cx="2610908" cy="369332"/>
           </a:xfrm>
           <a:prstGeom prst="rect">
@@ -9110,13 +9878,14 @@
               <a:t> </a:t>
             </a:r>
             <a:r>
-              <a:rPr lang="ko-KR" altLang="en-US" dirty="0" err="1"/>
+              <a:rPr lang="ko-KR" altLang="en-US" dirty="0" err="1" smtClean="0"/>
               <a:t>Generator</a:t>
             </a:r>
             <a:r>
-              <a:rPr lang="ko-KR" altLang="en-US" dirty="0"/>
-              <a:t>: </a:t>
-            </a:r>
+              <a:rPr lang="ko-KR" altLang="en-US" dirty="0" smtClean="0"/>
+              <a:t> </a:t>
+            </a:r>
+            <a:endParaRPr lang="ko-KR" altLang="en-US" dirty="0"/>
           </a:p>
         </p:txBody>
       </p:sp>
@@ -9149,6 +9918,65 @@
           </a:p>
         </p:txBody>
       </p:sp>
+      <p:sp>
+        <p:nvSpPr>
+          <p:cNvPr id="6" name="직사각형 5"/>
+          <p:cNvSpPr/>
+          <p:nvPr/>
+        </p:nvSpPr>
+        <p:spPr>
+          <a:xfrm>
+            <a:off x="970524" y="2755146"/>
+            <a:ext cx="2190023" cy="369332"/>
+          </a:xfrm>
+          <a:prstGeom prst="rect">
+            <a:avLst/>
+          </a:prstGeom>
+          <a:solidFill>
+            <a:schemeClr val="tx2">
+              <a:lumMod val="20000"/>
+              <a:lumOff val="80000"/>
+            </a:schemeClr>
+          </a:solidFill>
+        </p:spPr>
+        <p:txBody>
+          <a:bodyPr wrap="none">
+            <a:spAutoFit/>
+          </a:bodyPr>
+          <a:lstStyle/>
+          <a:p>
+            <a:r>
+              <a:rPr lang="ko-KR" altLang="en-US" dirty="0" smtClean="0"/>
+              <a:t>지원하는 도구의 종류</a:t>
+            </a:r>
+            <a:endParaRPr lang="ko-KR" altLang="en-US" dirty="0"/>
+          </a:p>
+        </p:txBody>
+      </p:sp>
+      <p:pic>
+        <p:nvPicPr>
+          <p:cNvPr id="14" name="그림 13"/>
+          <p:cNvPicPr>
+            <a:picLocks noChangeAspect="1"/>
+          </p:cNvPicPr>
+          <p:nvPr/>
+        </p:nvPicPr>
+        <p:blipFill>
+          <a:blip r:embed="rId2"/>
+          <a:stretch>
+            <a:fillRect/>
+          </a:stretch>
+        </p:blipFill>
+        <p:spPr>
+          <a:xfrm>
+            <a:off x="5384555" y="3055442"/>
+            <a:ext cx="5456360" cy="2591486"/>
+          </a:xfrm>
+          <a:prstGeom prst="rect">
+            <a:avLst/>
+          </a:prstGeom>
+        </p:spPr>
+      </p:pic>
     </p:spTree>
     <p:extLst>
       <p:ext uri="{BB962C8B-B14F-4D97-AF65-F5344CB8AC3E}">
@@ -9201,17 +10029,14 @@
           <a:lstStyle/>
           <a:p>
             <a:r>
-              <a:rPr lang="en-US" altLang="ko-KR" dirty="0"/>
-              <a:t>B. The </a:t>
-            </a:r>
-            <a:r>
-              <a:rPr lang="en-US" altLang="ko-KR" dirty="0" err="1"/>
-              <a:t>ZoKrates</a:t>
-            </a:r>
-            <a:r>
-              <a:rPr lang="en-US" altLang="ko-KR" dirty="0"/>
-              <a:t> Toolbox</a:t>
-            </a:r>
+              <a:rPr lang="ko-KR" altLang="en-US" dirty="0"/>
+              <a:t>1) </a:t>
+            </a:r>
+            <a:r>
+              <a:rPr lang="ko-KR" altLang="en-US" dirty="0" err="1"/>
+              <a:t>Compiler</a:t>
+            </a:r>
+            <a:endParaRPr lang="ko-KR" altLang="en-US" dirty="0"/>
           </a:p>
         </p:txBody>
       </p:sp>
@@ -9230,7 +10055,7 @@
         <p:spPr>
           <a:xfrm>
             <a:off x="330926" y="311705"/>
-            <a:ext cx="2829621" cy="369332"/>
+            <a:ext cx="5570371" cy="369332"/>
           </a:xfrm>
           <a:prstGeom prst="rect">
             <a:avLst/>
@@ -9249,8 +10074,29 @@
             </a:r>
             <a:r>
               <a:rPr lang="en-US" altLang="ko-KR" dirty="0"/>
-              <a:t> Implementation</a:t>
-            </a:r>
+              <a:t> </a:t>
+            </a:r>
+            <a:r>
+              <a:rPr lang="en-US" altLang="ko-KR" dirty="0"/>
+              <a:t>Implementation </a:t>
+            </a:r>
+            <a:r>
+              <a:rPr lang="en-US" altLang="ko-KR" dirty="0" smtClean="0"/>
+              <a:t>- B</a:t>
+            </a:r>
+            <a:r>
+              <a:rPr lang="en-US" altLang="ko-KR" dirty="0"/>
+              <a:t>. The </a:t>
+            </a:r>
+            <a:r>
+              <a:rPr lang="en-US" altLang="ko-KR" dirty="0" err="1"/>
+              <a:t>ZoKrates</a:t>
+            </a:r>
+            <a:r>
+              <a:rPr lang="en-US" altLang="ko-KR" dirty="0"/>
+              <a:t> Toolbox</a:t>
+            </a:r>
+            <a:endParaRPr lang="en-US" altLang="ko-KR" dirty="0"/>
           </a:p>
         </p:txBody>
       </p:sp>
@@ -9302,10 +10148,10 @@
       </p:sp>
       <p:sp>
         <p:nvSpPr>
-          <p:cNvPr id="3" name="직사각형 2">
-            <a:extLst>
-              <a:ext uri="{FF2B5EF4-FFF2-40B4-BE49-F238E27FC236}">
-                <a16:creationId xmlns:a16="http://schemas.microsoft.com/office/drawing/2014/main" id="{CB1FD74C-9C5E-4EAA-B9C3-E5AA1942B01F}"/>
+          <p:cNvPr id="6" name="직사각형 5">
+            <a:extLst>
+              <a:ext uri="{FF2B5EF4-FFF2-40B4-BE49-F238E27FC236}">
+                <a16:creationId xmlns:a16="http://schemas.microsoft.com/office/drawing/2014/main" id="{9D3F4C07-B0D0-4450-A30D-3B29AD1B5CE4}"/>
               </a:ext>
             </a:extLst>
           </p:cNvPr>
@@ -9314,46 +10160,7 @@
         </p:nvSpPr>
         <p:spPr>
           <a:xfrm>
-            <a:off x="1053431" y="1744108"/>
-            <a:ext cx="1384610" cy="369332"/>
-          </a:xfrm>
-          <a:prstGeom prst="rect">
-            <a:avLst/>
-          </a:prstGeom>
-        </p:spPr>
-        <p:txBody>
-          <a:bodyPr wrap="none">
-            <a:spAutoFit/>
-          </a:bodyPr>
-          <a:lstStyle/>
-          <a:p>
-            <a:r>
-              <a:rPr lang="ko-KR" altLang="en-US" dirty="0"/>
-              <a:t>1) </a:t>
-            </a:r>
-            <a:r>
-              <a:rPr lang="ko-KR" altLang="en-US" dirty="0" err="1"/>
-              <a:t>Compiler</a:t>
-            </a:r>
-            <a:endParaRPr lang="ko-KR" altLang="en-US" dirty="0"/>
-          </a:p>
-        </p:txBody>
-      </p:sp>
-      <p:sp>
-        <p:nvSpPr>
-          <p:cNvPr id="6" name="직사각형 5">
-            <a:extLst>
-              <a:ext uri="{FF2B5EF4-FFF2-40B4-BE49-F238E27FC236}">
-                <a16:creationId xmlns:a16="http://schemas.microsoft.com/office/drawing/2014/main" id="{9D3F4C07-B0D0-4450-A30D-3B29AD1B5CE4}"/>
-              </a:ext>
-            </a:extLst>
-          </p:cNvPr>
-          <p:cNvSpPr/>
-          <p:nvPr/>
-        </p:nvSpPr>
-        <p:spPr>
-          <a:xfrm>
-            <a:off x="1552575" y="2377291"/>
+            <a:off x="1411898" y="2078353"/>
             <a:ext cx="9867900" cy="3416320"/>
           </a:xfrm>
           <a:prstGeom prst="rect">
@@ -9571,17 +10378,22 @@
           <a:lstStyle/>
           <a:p>
             <a:r>
-              <a:rPr lang="en-US" altLang="ko-KR" dirty="0"/>
-              <a:t>B. The </a:t>
-            </a:r>
-            <a:r>
-              <a:rPr lang="en-US" altLang="ko-KR" dirty="0" err="1"/>
-              <a:t>ZoKrates</a:t>
-            </a:r>
-            <a:r>
-              <a:rPr lang="en-US" altLang="ko-KR" dirty="0"/>
-              <a:t> Toolbox</a:t>
-            </a:r>
+              <a:rPr lang="ko-KR" altLang="en-US" dirty="0"/>
+              <a:t>2) </a:t>
+            </a:r>
+            <a:r>
+              <a:rPr lang="ko-KR" altLang="en-US" dirty="0" err="1"/>
+              <a:t>Witness</a:t>
+            </a:r>
+            <a:r>
+              <a:rPr lang="ko-KR" altLang="en-US" dirty="0"/>
+              <a:t> </a:t>
+            </a:r>
+            <a:r>
+              <a:rPr lang="ko-KR" altLang="en-US" dirty="0" err="1"/>
+              <a:t>Generator</a:t>
+            </a:r>
+            <a:endParaRPr lang="en-US" altLang="ko-KR" dirty="0"/>
           </a:p>
         </p:txBody>
       </p:sp>
@@ -9600,7 +10412,7 @@
         <p:spPr>
           <a:xfrm>
             <a:off x="330926" y="311705"/>
-            <a:ext cx="2829621" cy="369332"/>
+            <a:ext cx="5570371" cy="369332"/>
           </a:xfrm>
           <a:prstGeom prst="rect">
             <a:avLst/>
@@ -9619,8 +10431,21 @@
             </a:r>
             <a:r>
               <a:rPr lang="en-US" altLang="ko-KR" dirty="0"/>
-              <a:t> Implementation</a:t>
-            </a:r>
+              <a:t> </a:t>
+            </a:r>
+            <a:r>
+              <a:rPr lang="en-US" altLang="ko-KR" dirty="0"/>
+              <a:t>Implementation - B. The </a:t>
+            </a:r>
+            <a:r>
+              <a:rPr lang="en-US" altLang="ko-KR" dirty="0" err="1"/>
+              <a:t>ZoKrates</a:t>
+            </a:r>
+            <a:r>
+              <a:rPr lang="en-US" altLang="ko-KR" dirty="0"/>
+              <a:t> Toolbox</a:t>
+            </a:r>
+            <a:endParaRPr lang="en-US" altLang="ko-KR" dirty="0"/>
           </a:p>
         </p:txBody>
       </p:sp>
@@ -9667,56 +10492,6 @@
           <a:p>
             <a:pPr algn="ctr"/>
             <a:endParaRPr lang="ko-KR" altLang="en-US"/>
-          </a:p>
-        </p:txBody>
-      </p:sp>
-      <p:sp>
-        <p:nvSpPr>
-          <p:cNvPr id="3" name="직사각형 2">
-            <a:extLst>
-              <a:ext uri="{FF2B5EF4-FFF2-40B4-BE49-F238E27FC236}">
-                <a16:creationId xmlns:a16="http://schemas.microsoft.com/office/drawing/2014/main" id="{CB1FD74C-9C5E-4EAA-B9C3-E5AA1942B01F}"/>
-              </a:ext>
-            </a:extLst>
-          </p:cNvPr>
-          <p:cNvSpPr/>
-          <p:nvPr/>
-        </p:nvSpPr>
-        <p:spPr>
-          <a:xfrm>
-            <a:off x="1053431" y="1744108"/>
-            <a:ext cx="2491388" cy="369332"/>
-          </a:xfrm>
-          <a:prstGeom prst="rect">
-            <a:avLst/>
-          </a:prstGeom>
-        </p:spPr>
-        <p:txBody>
-          <a:bodyPr wrap="none">
-            <a:spAutoFit/>
-          </a:bodyPr>
-          <a:lstStyle/>
-          <a:p>
-            <a:r>
-              <a:rPr lang="ko-KR" altLang="en-US" dirty="0"/>
-              <a:t>2) </a:t>
-            </a:r>
-            <a:r>
-              <a:rPr lang="ko-KR" altLang="en-US" dirty="0" err="1"/>
-              <a:t>Witness</a:t>
-            </a:r>
-            <a:r>
-              <a:rPr lang="ko-KR" altLang="en-US" dirty="0"/>
-              <a:t> </a:t>
-            </a:r>
-            <a:r>
-              <a:rPr lang="ko-KR" altLang="en-US" dirty="0" err="1"/>
-              <a:t>Generator</a:t>
-            </a:r>
-            <a:r>
-              <a:rPr lang="ko-KR" altLang="en-US" dirty="0"/>
-              <a:t>:</a:t>
-            </a:r>
           </a:p>
         </p:txBody>
       </p:sp>
@@ -9901,17 +10676,14 @@
           <a:lstStyle/>
           <a:p>
             <a:r>
-              <a:rPr lang="en-US" altLang="ko-KR" dirty="0"/>
-              <a:t>B. The </a:t>
-            </a:r>
-            <a:r>
-              <a:rPr lang="en-US" altLang="ko-KR" dirty="0" err="1"/>
-              <a:t>ZoKrates</a:t>
-            </a:r>
-            <a:r>
-              <a:rPr lang="en-US" altLang="ko-KR" dirty="0"/>
-              <a:t> Toolbox</a:t>
-            </a:r>
+              <a:rPr lang="ko-KR" altLang="en-US" dirty="0"/>
+              <a:t>3) Circuit </a:t>
+            </a:r>
+            <a:r>
+              <a:rPr lang="ko-KR" altLang="en-US" dirty="0" err="1"/>
+              <a:t>Import</a:t>
+            </a:r>
+            <a:endParaRPr lang="en-US" altLang="ko-KR" dirty="0"/>
           </a:p>
         </p:txBody>
       </p:sp>
@@ -9930,7 +10702,7 @@
         <p:spPr>
           <a:xfrm>
             <a:off x="330926" y="311705"/>
-            <a:ext cx="2829621" cy="369332"/>
+            <a:ext cx="5570371" cy="369332"/>
           </a:xfrm>
           <a:prstGeom prst="rect">
             <a:avLst/>
@@ -9949,8 +10721,21 @@
             </a:r>
             <a:r>
               <a:rPr lang="en-US" altLang="ko-KR" dirty="0"/>
-              <a:t> Implementation</a:t>
-            </a:r>
+              <a:t> </a:t>
+            </a:r>
+            <a:r>
+              <a:rPr lang="en-US" altLang="ko-KR" dirty="0"/>
+              <a:t>Implementation - B. The </a:t>
+            </a:r>
+            <a:r>
+              <a:rPr lang="en-US" altLang="ko-KR" dirty="0" err="1"/>
+              <a:t>ZoKrates</a:t>
+            </a:r>
+            <a:r>
+              <a:rPr lang="en-US" altLang="ko-KR" dirty="0"/>
+              <a:t> Toolbox</a:t>
+            </a:r>
+            <a:endParaRPr lang="en-US" altLang="ko-KR" dirty="0"/>
           </a:p>
         </p:txBody>
       </p:sp>
@@ -9997,48 +10782,6 @@
           <a:p>
             <a:pPr algn="ctr"/>
             <a:endParaRPr lang="ko-KR" altLang="en-US"/>
-          </a:p>
-        </p:txBody>
-      </p:sp>
-      <p:sp>
-        <p:nvSpPr>
-          <p:cNvPr id="6" name="직사각형 5">
-            <a:extLst>
-              <a:ext uri="{FF2B5EF4-FFF2-40B4-BE49-F238E27FC236}">
-                <a16:creationId xmlns:a16="http://schemas.microsoft.com/office/drawing/2014/main" id="{636053AC-0C0B-4798-AF4C-E45D023EC5F9}"/>
-              </a:ext>
-            </a:extLst>
-          </p:cNvPr>
-          <p:cNvSpPr/>
-          <p:nvPr/>
-        </p:nvSpPr>
-        <p:spPr>
-          <a:xfrm>
-            <a:off x="1140186" y="1900433"/>
-            <a:ext cx="2020361" cy="369332"/>
-          </a:xfrm>
-          <a:prstGeom prst="rect">
-            <a:avLst/>
-          </a:prstGeom>
-        </p:spPr>
-        <p:txBody>
-          <a:bodyPr wrap="none">
-            <a:spAutoFit/>
-          </a:bodyPr>
-          <a:lstStyle/>
-          <a:p>
-            <a:r>
-              <a:rPr lang="ko-KR" altLang="en-US" dirty="0"/>
-              <a:t>3) Circuit </a:t>
-            </a:r>
-            <a:r>
-              <a:rPr lang="ko-KR" altLang="en-US" dirty="0" err="1"/>
-              <a:t>Import</a:t>
-            </a:r>
-            <a:r>
-              <a:rPr lang="ko-KR" altLang="en-US" dirty="0"/>
-              <a:t>: </a:t>
-            </a:r>
           </a:p>
         </p:txBody>
       </p:sp>
@@ -10172,17 +10915,30 @@
           <a:lstStyle/>
           <a:p>
             <a:r>
-              <a:rPr lang="en-US" altLang="ko-KR" dirty="0"/>
-              <a:t>B. The </a:t>
-            </a:r>
-            <a:r>
-              <a:rPr lang="en-US" altLang="ko-KR" dirty="0" err="1"/>
-              <a:t>ZoKrates</a:t>
-            </a:r>
-            <a:r>
-              <a:rPr lang="en-US" altLang="ko-KR" dirty="0"/>
-              <a:t> Toolbox</a:t>
-            </a:r>
+              <a:rPr lang="ko-KR" altLang="en-US" dirty="0"/>
+              <a:t>4) </a:t>
+            </a:r>
+            <a:r>
+              <a:rPr lang="ko-KR" altLang="en-US" dirty="0" err="1"/>
+              <a:t>Setup</a:t>
+            </a:r>
+            <a:r>
+              <a:rPr lang="ko-KR" altLang="en-US" dirty="0"/>
+              <a:t> and </a:t>
+            </a:r>
+            <a:r>
+              <a:rPr lang="ko-KR" altLang="en-US" dirty="0" err="1"/>
+              <a:t>Proof</a:t>
+            </a:r>
+            <a:r>
+              <a:rPr lang="ko-KR" altLang="en-US" dirty="0"/>
+              <a:t> </a:t>
+            </a:r>
+            <a:r>
+              <a:rPr lang="ko-KR" altLang="en-US" dirty="0" err="1"/>
+              <a:t>Generation</a:t>
+            </a:r>
+            <a:endParaRPr lang="en-US" altLang="ko-KR" dirty="0"/>
           </a:p>
         </p:txBody>
       </p:sp>
@@ -10201,7 +10957,7 @@
         <p:spPr>
           <a:xfrm>
             <a:off x="330926" y="311705"/>
-            <a:ext cx="2829621" cy="369332"/>
+            <a:ext cx="5570371" cy="369332"/>
           </a:xfrm>
           <a:prstGeom prst="rect">
             <a:avLst/>
@@ -10220,8 +10976,21 @@
             </a:r>
             <a:r>
               <a:rPr lang="en-US" altLang="ko-KR" dirty="0"/>
-              <a:t> Implementation</a:t>
-            </a:r>
+              <a:t> </a:t>
+            </a:r>
+            <a:r>
+              <a:rPr lang="en-US" altLang="ko-KR" dirty="0"/>
+              <a:t>Implementation - B. The </a:t>
+            </a:r>
+            <a:r>
+              <a:rPr lang="en-US" altLang="ko-KR" dirty="0" err="1"/>
+              <a:t>ZoKrates</a:t>
+            </a:r>
+            <a:r>
+              <a:rPr lang="en-US" altLang="ko-KR" dirty="0"/>
+              <a:t> Toolbox</a:t>
+            </a:r>
+            <a:endParaRPr lang="en-US" altLang="ko-KR" dirty="0"/>
           </a:p>
         </p:txBody>
       </p:sp>
@@ -10268,64 +11037,6 @@
           <a:p>
             <a:pPr algn="ctr"/>
             <a:endParaRPr lang="ko-KR" altLang="en-US"/>
-          </a:p>
-        </p:txBody>
-      </p:sp>
-      <p:sp>
-        <p:nvSpPr>
-          <p:cNvPr id="6" name="직사각형 5">
-            <a:extLst>
-              <a:ext uri="{FF2B5EF4-FFF2-40B4-BE49-F238E27FC236}">
-                <a16:creationId xmlns:a16="http://schemas.microsoft.com/office/drawing/2014/main" id="{B097C370-EA9F-49AC-B7FC-98308CD93CB7}"/>
-              </a:ext>
-            </a:extLst>
-          </p:cNvPr>
-          <p:cNvSpPr/>
-          <p:nvPr/>
-        </p:nvSpPr>
-        <p:spPr>
-          <a:xfrm>
-            <a:off x="907895" y="1744108"/>
-            <a:ext cx="3497624" cy="369332"/>
-          </a:xfrm>
-          <a:prstGeom prst="rect">
-            <a:avLst/>
-          </a:prstGeom>
-        </p:spPr>
-        <p:txBody>
-          <a:bodyPr wrap="none">
-            <a:spAutoFit/>
-          </a:bodyPr>
-          <a:lstStyle/>
-          <a:p>
-            <a:r>
-              <a:rPr lang="ko-KR" altLang="en-US" dirty="0"/>
-              <a:t>4) </a:t>
-            </a:r>
-            <a:r>
-              <a:rPr lang="ko-KR" altLang="en-US" dirty="0" err="1"/>
-              <a:t>Setup</a:t>
-            </a:r>
-            <a:r>
-              <a:rPr lang="ko-KR" altLang="en-US" dirty="0"/>
-              <a:t> and </a:t>
-            </a:r>
-            <a:r>
-              <a:rPr lang="ko-KR" altLang="en-US" dirty="0" err="1"/>
-              <a:t>Proof</a:t>
-            </a:r>
-            <a:r>
-              <a:rPr lang="ko-KR" altLang="en-US" dirty="0"/>
-              <a:t> </a:t>
-            </a:r>
-            <a:r>
-              <a:rPr lang="ko-KR" altLang="en-US" dirty="0" err="1"/>
-              <a:t>Generation</a:t>
-            </a:r>
-            <a:r>
-              <a:rPr lang="ko-KR" altLang="en-US" dirty="0"/>
-              <a:t>: </a:t>
-            </a:r>
           </a:p>
         </p:txBody>
       </p:sp>
@@ -10592,17 +11303,22 @@
           <a:lstStyle/>
           <a:p>
             <a:r>
-              <a:rPr lang="en-US" altLang="ko-KR" dirty="0"/>
-              <a:t>B. The </a:t>
-            </a:r>
-            <a:r>
-              <a:rPr lang="en-US" altLang="ko-KR" dirty="0" err="1"/>
-              <a:t>ZoKrates</a:t>
-            </a:r>
-            <a:r>
-              <a:rPr lang="en-US" altLang="ko-KR" dirty="0"/>
-              <a:t> Toolbox</a:t>
-            </a:r>
+              <a:rPr lang="ko-KR" altLang="en-US" dirty="0"/>
+              <a:t>5) </a:t>
+            </a:r>
+            <a:r>
+              <a:rPr lang="ko-KR" altLang="en-US" dirty="0" err="1"/>
+              <a:t>Proof</a:t>
+            </a:r>
+            <a:r>
+              <a:rPr lang="ko-KR" altLang="en-US" dirty="0"/>
+              <a:t> </a:t>
+            </a:r>
+            <a:r>
+              <a:rPr lang="ko-KR" altLang="en-US" dirty="0" err="1"/>
+              <a:t>Generation</a:t>
+            </a:r>
+            <a:endParaRPr lang="en-US" altLang="ko-KR" dirty="0"/>
           </a:p>
         </p:txBody>
       </p:sp>
@@ -10621,7 +11337,7 @@
         <p:spPr>
           <a:xfrm>
             <a:off x="330926" y="311705"/>
-            <a:ext cx="2829621" cy="369332"/>
+            <a:ext cx="5570371" cy="369332"/>
           </a:xfrm>
           <a:prstGeom prst="rect">
             <a:avLst/>
@@ -10640,8 +11356,21 @@
             </a:r>
             <a:r>
               <a:rPr lang="en-US" altLang="ko-KR" dirty="0"/>
-              <a:t> Implementation</a:t>
-            </a:r>
+              <a:t> </a:t>
+            </a:r>
+            <a:r>
+              <a:rPr lang="en-US" altLang="ko-KR" dirty="0"/>
+              <a:t>Implementation - B. The </a:t>
+            </a:r>
+            <a:r>
+              <a:rPr lang="en-US" altLang="ko-KR" dirty="0" err="1"/>
+              <a:t>ZoKrates</a:t>
+            </a:r>
+            <a:r>
+              <a:rPr lang="en-US" altLang="ko-KR" dirty="0"/>
+              <a:t> Toolbox</a:t>
+            </a:r>
+            <a:endParaRPr lang="en-US" altLang="ko-KR" dirty="0"/>
           </a:p>
         </p:txBody>
       </p:sp>
@@ -10688,56 +11417,6 @@
           <a:p>
             <a:pPr algn="ctr"/>
             <a:endParaRPr lang="ko-KR" altLang="en-US"/>
-          </a:p>
-        </p:txBody>
-      </p:sp>
-      <p:sp>
-        <p:nvSpPr>
-          <p:cNvPr id="6" name="직사각형 5">
-            <a:extLst>
-              <a:ext uri="{FF2B5EF4-FFF2-40B4-BE49-F238E27FC236}">
-                <a16:creationId xmlns:a16="http://schemas.microsoft.com/office/drawing/2014/main" id="{4614FC3B-3A16-477B-AF9E-F24024D7B1BC}"/>
-              </a:ext>
-            </a:extLst>
-          </p:cNvPr>
-          <p:cNvSpPr/>
-          <p:nvPr/>
-        </p:nvSpPr>
-        <p:spPr>
-          <a:xfrm>
-            <a:off x="1066143" y="1813832"/>
-            <a:ext cx="2370714" cy="369332"/>
-          </a:xfrm>
-          <a:prstGeom prst="rect">
-            <a:avLst/>
-          </a:prstGeom>
-        </p:spPr>
-        <p:txBody>
-          <a:bodyPr wrap="none">
-            <a:spAutoFit/>
-          </a:bodyPr>
-          <a:lstStyle/>
-          <a:p>
-            <a:r>
-              <a:rPr lang="ko-KR" altLang="en-US" dirty="0"/>
-              <a:t>5) </a:t>
-            </a:r>
-            <a:r>
-              <a:rPr lang="ko-KR" altLang="en-US" dirty="0" err="1"/>
-              <a:t>Proof</a:t>
-            </a:r>
-            <a:r>
-              <a:rPr lang="ko-KR" altLang="en-US" dirty="0"/>
-              <a:t> </a:t>
-            </a:r>
-            <a:r>
-              <a:rPr lang="ko-KR" altLang="en-US" dirty="0" err="1"/>
-              <a:t>Generation</a:t>
-            </a:r>
-            <a:r>
-              <a:rPr lang="ko-KR" altLang="en-US" dirty="0"/>
-              <a:t>: </a:t>
-            </a:r>
           </a:p>
         </p:txBody>
       </p:sp>
@@ -11474,17 +12153,22 @@
           <a:lstStyle/>
           <a:p>
             <a:r>
-              <a:rPr lang="en-US" altLang="ko-KR" dirty="0"/>
-              <a:t>B. The </a:t>
-            </a:r>
-            <a:r>
-              <a:rPr lang="en-US" altLang="ko-KR" dirty="0" err="1"/>
-              <a:t>ZoKrates</a:t>
-            </a:r>
-            <a:r>
-              <a:rPr lang="en-US" altLang="ko-KR" dirty="0"/>
-              <a:t> Toolbox</a:t>
-            </a:r>
+              <a:rPr lang="ko-KR" altLang="en-US" dirty="0"/>
+              <a:t>6) </a:t>
+            </a:r>
+            <a:r>
+              <a:rPr lang="ko-KR" altLang="en-US" dirty="0" err="1"/>
+              <a:t>Contract</a:t>
+            </a:r>
+            <a:r>
+              <a:rPr lang="ko-KR" altLang="en-US" dirty="0"/>
+              <a:t> </a:t>
+            </a:r>
+            <a:r>
+              <a:rPr lang="ko-KR" altLang="en-US" dirty="0" err="1"/>
+              <a:t>Generator</a:t>
+            </a:r>
+            <a:endParaRPr lang="en-US" altLang="ko-KR" dirty="0"/>
           </a:p>
         </p:txBody>
       </p:sp>
@@ -11503,7 +12187,7 @@
         <p:spPr>
           <a:xfrm>
             <a:off x="330926" y="311705"/>
-            <a:ext cx="2829621" cy="369332"/>
+            <a:ext cx="5570371" cy="369332"/>
           </a:xfrm>
           <a:prstGeom prst="rect">
             <a:avLst/>
@@ -11522,8 +12206,25 @@
             </a:r>
             <a:r>
               <a:rPr lang="en-US" altLang="ko-KR" dirty="0"/>
-              <a:t> Implementation</a:t>
-            </a:r>
+              <a:t> </a:t>
+            </a:r>
+            <a:r>
+              <a:rPr lang="en-US" altLang="ko-KR" dirty="0"/>
+              <a:t>Implementation - B. The </a:t>
+            </a:r>
+            <a:r>
+              <a:rPr lang="en-US" altLang="ko-KR" dirty="0" err="1"/>
+              <a:t>ZoKrates</a:t>
+            </a:r>
+            <a:r>
+              <a:rPr lang="en-US" altLang="ko-KR" dirty="0"/>
+              <a:t> </a:t>
+            </a:r>
+            <a:r>
+              <a:rPr lang="en-US" altLang="ko-KR" dirty="0" smtClean="0"/>
+              <a:t>Toolbox</a:t>
+            </a:r>
+            <a:endParaRPr lang="en-US" altLang="ko-KR" dirty="0"/>
           </a:p>
         </p:txBody>
       </p:sp>
@@ -11570,56 +12271,6 @@
           <a:p>
             <a:pPr algn="ctr"/>
             <a:endParaRPr lang="ko-KR" altLang="en-US"/>
-          </a:p>
-        </p:txBody>
-      </p:sp>
-      <p:sp>
-        <p:nvSpPr>
-          <p:cNvPr id="3" name="직사각형 2">
-            <a:extLst>
-              <a:ext uri="{FF2B5EF4-FFF2-40B4-BE49-F238E27FC236}">
-                <a16:creationId xmlns:a16="http://schemas.microsoft.com/office/drawing/2014/main" id="{CB1FD74C-9C5E-4EAA-B9C3-E5AA1942B01F}"/>
-              </a:ext>
-            </a:extLst>
-          </p:cNvPr>
-          <p:cNvSpPr/>
-          <p:nvPr/>
-        </p:nvSpPr>
-        <p:spPr>
-          <a:xfrm>
-            <a:off x="1053431" y="1744108"/>
-            <a:ext cx="2610908" cy="369332"/>
-          </a:xfrm>
-          <a:prstGeom prst="rect">
-            <a:avLst/>
-          </a:prstGeom>
-        </p:spPr>
-        <p:txBody>
-          <a:bodyPr wrap="none">
-            <a:spAutoFit/>
-          </a:bodyPr>
-          <a:lstStyle/>
-          <a:p>
-            <a:r>
-              <a:rPr lang="ko-KR" altLang="en-US" dirty="0"/>
-              <a:t>6) </a:t>
-            </a:r>
-            <a:r>
-              <a:rPr lang="ko-KR" altLang="en-US" dirty="0" err="1"/>
-              <a:t>Contract</a:t>
-            </a:r>
-            <a:r>
-              <a:rPr lang="ko-KR" altLang="en-US" dirty="0"/>
-              <a:t> </a:t>
-            </a:r>
-            <a:r>
-              <a:rPr lang="ko-KR" altLang="en-US" dirty="0" err="1"/>
-              <a:t>Generator</a:t>
-            </a:r>
-            <a:r>
-              <a:rPr lang="ko-KR" altLang="en-US" dirty="0"/>
-              <a:t>: </a:t>
-            </a:r>
           </a:p>
         </p:txBody>
       </p:sp>
@@ -11942,7 +12593,7 @@
         <p:spPr>
           <a:xfrm>
             <a:off x="1608135" y="1690688"/>
-            <a:ext cx="9621840" cy="2862322"/>
+            <a:ext cx="9621840" cy="1754326"/>
           </a:xfrm>
           <a:prstGeom prst="rect">
             <a:avLst/>
@@ -11955,30 +12606,16 @@
           <a:lstStyle/>
           <a:p>
             <a:r>
-              <a:rPr lang="ko-KR" altLang="en-US" dirty="0"/>
-              <a:t>이 섹션에서는 섹션 </a:t>
-            </a:r>
-            <a:r>
-              <a:rPr lang="ko-KR" altLang="en-US" dirty="0" err="1"/>
-              <a:t>IV에</a:t>
-            </a:r>
-            <a:r>
-              <a:rPr lang="ko-KR" altLang="en-US" dirty="0"/>
-              <a:t> 설명 된 </a:t>
-            </a:r>
-            <a:r>
-              <a:rPr lang="ko-KR" altLang="en-US" dirty="0" err="1"/>
-              <a:t>ZoKrates</a:t>
-            </a:r>
-            <a:r>
-              <a:rPr lang="ko-KR" altLang="en-US" dirty="0"/>
-              <a:t> 프로세스의 단계와 관련된 성능 및 비용에 대한 개요를 제공합니다.</a:t>
-            </a:r>
-          </a:p>
-          <a:p>
-            <a:r>
-              <a:rPr lang="ko-KR" altLang="en-US" dirty="0"/>
-              <a:t>온 체인 검증은 Ethereum </a:t>
+              <a:rPr lang="en-US" altLang="ko-KR" dirty="0" smtClean="0"/>
+              <a:t>on-chain</a:t>
+            </a:r>
+            <a:r>
+              <a:rPr lang="ko-KR" altLang="en-US" dirty="0" smtClean="0"/>
+              <a:t>검증은 </a:t>
+            </a:r>
+            <a:r>
+              <a:rPr lang="ko-KR" altLang="en-US" dirty="0"/>
+              <a:t>Ethereum </a:t>
             </a:r>
             <a:r>
               <a:rPr lang="ko-KR" altLang="en-US" dirty="0" err="1"/>
@@ -11994,7 +12631,31 @@
             </a:r>
             <a:r>
               <a:rPr lang="ko-KR" altLang="en-US" dirty="0"/>
-              <a:t>. 온 체인 검증 비용이 계산을 오프 체인으로 처리하여 처리량을 얻을 수 있는지 또는 비용을 절약 할 수 있는지를 결정하기 </a:t>
+              <a:t>. </a:t>
+            </a:r>
+            <a:r>
+              <a:rPr lang="en-US" altLang="ko-KR" dirty="0"/>
+              <a:t>on-chain </a:t>
+            </a:r>
+            <a:r>
+              <a:rPr lang="ko-KR" altLang="en-US" dirty="0" smtClean="0"/>
+              <a:t>검증 </a:t>
+            </a:r>
+            <a:r>
+              <a:rPr lang="ko-KR" altLang="en-US" dirty="0"/>
+              <a:t>비용이 계산을 </a:t>
+            </a:r>
+            <a:r>
+              <a:rPr lang="en-US" altLang="ko-KR" dirty="0" smtClean="0"/>
+              <a:t>off-chain</a:t>
+            </a:r>
+            <a:r>
+              <a:rPr lang="ko-KR" altLang="en-US" dirty="0" smtClean="0"/>
+              <a:t>으로 </a:t>
+            </a:r>
+            <a:r>
+              <a:rPr lang="ko-KR" altLang="en-US" dirty="0"/>
+              <a:t>처리하여 처리량을 얻을 수 있는지 또는 비용을 절약 할 수 있는지를 결정하기 </a:t>
             </a:r>
             <a:r>
               <a:rPr lang="ko-KR" altLang="en-US" dirty="0" err="1"/>
@@ -12058,30 +12719,13 @@
             </a:r>
             <a:r>
               <a:rPr lang="ko-KR" altLang="en-US" dirty="0"/>
-              <a:t> 곡선도 사용하도록 구성되었습니다.</a:t>
-            </a:r>
-          </a:p>
-          <a:p>
-            <a:r>
-              <a:rPr lang="ko-KR" altLang="en-US" dirty="0"/>
-              <a:t>오프 체인 벤치 마크는 8GB RAM 및 </a:t>
-            </a:r>
-            <a:r>
-              <a:rPr lang="ko-KR" altLang="en-US" dirty="0" err="1"/>
-              <a:t>HDD가</a:t>
-            </a:r>
-            <a:r>
-              <a:rPr lang="ko-KR" altLang="en-US" dirty="0"/>
-              <a:t> 장착 된 Intel </a:t>
-            </a:r>
-            <a:r>
-              <a:rPr lang="ko-KR" altLang="en-US" dirty="0" err="1"/>
-              <a:t>Core</a:t>
-            </a:r>
-            <a:r>
-              <a:rPr lang="ko-KR" altLang="en-US" dirty="0"/>
-              <a:t> i5-3210M @ 2.5GHz 시스템에서 수행되었습니다.</a:t>
-            </a:r>
+              <a:t> 곡선도 사용하도록 구성되었습니다</a:t>
+            </a:r>
+            <a:r>
+              <a:rPr lang="ko-KR" altLang="en-US" dirty="0" smtClean="0"/>
+              <a:t>.</a:t>
+            </a:r>
+            <a:endParaRPr lang="ko-KR" altLang="en-US" dirty="0"/>
           </a:p>
         </p:txBody>
       </p:sp>
@@ -12111,6 +12755,55 @@
               <a:t>31</a:t>
             </a:fld>
             <a:endParaRPr lang="ko-KR" altLang="en-US"/>
+          </a:p>
+        </p:txBody>
+      </p:sp>
+      <p:sp>
+        <p:nvSpPr>
+          <p:cNvPr id="3" name="직사각형 2"/>
+          <p:cNvSpPr/>
+          <p:nvPr/>
+        </p:nvSpPr>
+        <p:spPr>
+          <a:xfrm>
+            <a:off x="1948962" y="5008663"/>
+            <a:ext cx="6096000" cy="646331"/>
+          </a:xfrm>
+          <a:prstGeom prst="rect">
+            <a:avLst/>
+          </a:prstGeom>
+        </p:spPr>
+        <p:txBody>
+          <a:bodyPr>
+            <a:spAutoFit/>
+          </a:bodyPr>
+          <a:lstStyle/>
+          <a:p>
+            <a:r>
+              <a:rPr lang="en-US" altLang="ko-KR" dirty="0"/>
+              <a:t>off-chain </a:t>
+            </a:r>
+            <a:r>
+              <a:rPr lang="ko-KR" altLang="en-US" dirty="0"/>
+              <a:t>벤치 마크는 8GB RAM 및 </a:t>
+            </a:r>
+            <a:r>
+              <a:rPr lang="ko-KR" altLang="en-US" dirty="0" err="1"/>
+              <a:t>HDD가</a:t>
+            </a:r>
+            <a:r>
+              <a:rPr lang="ko-KR" altLang="en-US" dirty="0"/>
+              <a:t> 장착 된 Intel </a:t>
+            </a:r>
+            <a:r>
+              <a:rPr lang="ko-KR" altLang="en-US" dirty="0" err="1"/>
+              <a:t>Core</a:t>
+            </a:r>
+            <a:r>
+              <a:rPr lang="ko-KR" altLang="en-US" dirty="0"/>
+              <a:t> i5-3210M @ 2.5GHz 시스템에서 수행되었습니다.</a:t>
+            </a:r>
+            <a:endParaRPr lang="ko-KR" altLang="en-US" dirty="0"/>
           </a:p>
         </p:txBody>
       </p:sp>
@@ -12255,127 +12948,6 @@
       </p:sp>
       <p:sp>
         <p:nvSpPr>
-          <p:cNvPr id="6" name="직사각형 5">
-            <a:extLst>
-              <a:ext uri="{FF2B5EF4-FFF2-40B4-BE49-F238E27FC236}">
-                <a16:creationId xmlns:a16="http://schemas.microsoft.com/office/drawing/2014/main" id="{FCA7FEA9-F7B0-4AC8-8E48-8F99DAFB70DC}"/>
-              </a:ext>
-            </a:extLst>
-          </p:cNvPr>
-          <p:cNvSpPr/>
-          <p:nvPr/>
-        </p:nvSpPr>
-        <p:spPr>
-          <a:xfrm>
-            <a:off x="1160460" y="1824038"/>
-            <a:ext cx="9621840" cy="1477328"/>
-          </a:xfrm>
-          <a:prstGeom prst="rect">
-            <a:avLst/>
-          </a:prstGeom>
-        </p:spPr>
-        <p:txBody>
-          <a:bodyPr wrap="square">
-            <a:spAutoFit/>
-          </a:bodyPr>
-          <a:lstStyle/>
-          <a:p>
-            <a:r>
-              <a:rPr lang="ko-KR" altLang="en-US" dirty="0"/>
-              <a:t>우리는 오프 체인 단계를 두 가지 범주로 나눕니다</a:t>
-            </a:r>
-            <a:r>
-              <a:rPr lang="en-US" altLang="ko-KR" dirty="0"/>
-              <a:t>.</a:t>
-            </a:r>
-          </a:p>
-          <a:p>
-            <a:r>
-              <a:rPr lang="en-US" altLang="ko-KR" dirty="0"/>
-              <a:t>1) </a:t>
-            </a:r>
-            <a:r>
-              <a:rPr lang="ko-KR" altLang="en-US" dirty="0"/>
-              <a:t>일회성 단계 </a:t>
-            </a:r>
-            <a:r>
-              <a:rPr lang="en-US" altLang="ko-KR" dirty="0"/>
-              <a:t>: </a:t>
-            </a:r>
-            <a:r>
-              <a:rPr lang="ko-KR" altLang="en-US" dirty="0"/>
-              <a:t>주어진 프로그램에 대해 한 번만 실행됩니다</a:t>
-            </a:r>
-            <a:r>
-              <a:rPr lang="en-US" altLang="ko-KR" dirty="0"/>
-              <a:t>.</a:t>
-            </a:r>
-          </a:p>
-          <a:p>
-            <a:r>
-              <a:rPr lang="en-US" altLang="ko-KR" dirty="0"/>
-              <a:t>2) </a:t>
-            </a:r>
-            <a:r>
-              <a:rPr lang="ko-KR" altLang="en-US" dirty="0"/>
-              <a:t>반복 단계 </a:t>
-            </a:r>
-            <a:r>
-              <a:rPr lang="en-US" altLang="ko-KR" dirty="0"/>
-              <a:t>: </a:t>
-            </a:r>
-            <a:r>
-              <a:rPr lang="ko-KR" altLang="en-US" dirty="0"/>
-              <a:t>주어진 프로그램이 실행될 때마다 실행됩니다</a:t>
-            </a:r>
-            <a:r>
-              <a:rPr lang="en-US" altLang="ko-KR" dirty="0"/>
-              <a:t>.</a:t>
-            </a:r>
-          </a:p>
-          <a:p>
-            <a:r>
-              <a:rPr lang="en-US" altLang="ko-KR" dirty="0"/>
-              <a:t>  </a:t>
-            </a:r>
-            <a:r>
-              <a:rPr lang="ko-KR" altLang="en-US" dirty="0"/>
-              <a:t>두 경우 모두 성능 병목 현상이 내부적으로 </a:t>
-            </a:r>
-            <a:r>
-              <a:rPr lang="en-US" altLang="ko-KR" dirty="0" err="1"/>
-              <a:t>libsnark</a:t>
-            </a:r>
-            <a:r>
-              <a:rPr lang="ko-KR" altLang="en-US" dirty="0"/>
-              <a:t>를 사용하는 단계임을 보여줍니다</a:t>
-            </a:r>
-            <a:r>
-              <a:rPr lang="en-US" altLang="ko-KR" dirty="0"/>
-              <a:t>. </a:t>
-            </a:r>
-            <a:r>
-              <a:rPr lang="ko-KR" altLang="en-US" dirty="0"/>
-              <a:t>따라서 </a:t>
-            </a:r>
-            <a:r>
-              <a:rPr lang="en-US" altLang="ko-KR" dirty="0"/>
-              <a:t>[13]</a:t>
-            </a:r>
-            <a:r>
-              <a:rPr lang="ko-KR" altLang="en-US" dirty="0"/>
-              <a:t>은 우수한 성능 추정치를 제공합니다</a:t>
-            </a:r>
-            <a:r>
-              <a:rPr lang="en-US" altLang="ko-KR" dirty="0"/>
-              <a:t>.</a:t>
-            </a:r>
-            <a:endParaRPr lang="ko-KR" altLang="en-US" dirty="0"/>
-          </a:p>
-        </p:txBody>
-      </p:sp>
-      <p:sp>
-        <p:nvSpPr>
           <p:cNvPr id="3" name="슬라이드 번호 개체 틀 2">
             <a:extLst>
               <a:ext uri="{FF2B5EF4-FFF2-40B4-BE49-F238E27FC236}">
@@ -12400,6 +12972,188 @@
               <a:t>32</a:t>
             </a:fld>
             <a:endParaRPr lang="ko-KR" altLang="en-US"/>
+          </a:p>
+        </p:txBody>
+      </p:sp>
+      <p:sp>
+        <p:nvSpPr>
+          <p:cNvPr id="7" name="직사각형 6"/>
+          <p:cNvSpPr/>
+          <p:nvPr/>
+        </p:nvSpPr>
+        <p:spPr>
+          <a:xfrm>
+            <a:off x="1064413" y="2070728"/>
+            <a:ext cx="1622560" cy="369332"/>
+          </a:xfrm>
+          <a:prstGeom prst="rect">
+            <a:avLst/>
+          </a:prstGeom>
+        </p:spPr>
+        <p:txBody>
+          <a:bodyPr wrap="none">
+            <a:spAutoFit/>
+          </a:bodyPr>
+          <a:lstStyle/>
+          <a:p>
+            <a:r>
+              <a:rPr lang="en-US" altLang="ko-KR" dirty="0"/>
+              <a:t>off-chain</a:t>
+            </a:r>
+            <a:r>
+              <a:rPr lang="ko-KR" altLang="en-US" dirty="0"/>
+              <a:t> 단계</a:t>
+            </a:r>
+          </a:p>
+        </p:txBody>
+      </p:sp>
+      <p:sp>
+        <p:nvSpPr>
+          <p:cNvPr id="8" name="직사각형 7"/>
+          <p:cNvSpPr/>
+          <p:nvPr/>
+        </p:nvSpPr>
+        <p:spPr>
+          <a:xfrm>
+            <a:off x="1608135" y="2703436"/>
+            <a:ext cx="5870518" cy="369332"/>
+          </a:xfrm>
+          <a:prstGeom prst="rect">
+            <a:avLst/>
+          </a:prstGeom>
+        </p:spPr>
+        <p:txBody>
+          <a:bodyPr wrap="none">
+            <a:spAutoFit/>
+          </a:bodyPr>
+          <a:lstStyle/>
+          <a:p>
+            <a:r>
+              <a:rPr lang="en-US" altLang="ko-KR" dirty="0"/>
+              <a:t>1) </a:t>
+            </a:r>
+            <a:r>
+              <a:rPr lang="ko-KR" altLang="en-US" dirty="0"/>
+              <a:t>일회성 단계 </a:t>
+            </a:r>
+            <a:r>
+              <a:rPr lang="en-US" altLang="ko-KR" dirty="0"/>
+              <a:t>: </a:t>
+            </a:r>
+            <a:r>
+              <a:rPr lang="ko-KR" altLang="en-US" dirty="0"/>
+              <a:t>주어진 프로그램에 대해 한 번만 실행됩니다</a:t>
+            </a:r>
+            <a:r>
+              <a:rPr lang="en-US" altLang="ko-KR" dirty="0"/>
+              <a:t>.</a:t>
+            </a:r>
+            <a:endParaRPr lang="en-US" altLang="ko-KR" dirty="0"/>
+          </a:p>
+        </p:txBody>
+      </p:sp>
+      <p:sp>
+        <p:nvSpPr>
+          <p:cNvPr id="9" name="직사각형 8"/>
+          <p:cNvSpPr/>
+          <p:nvPr/>
+        </p:nvSpPr>
+        <p:spPr>
+          <a:xfrm>
+            <a:off x="1636989" y="3459691"/>
+            <a:ext cx="5812810" cy="369332"/>
+          </a:xfrm>
+          <a:prstGeom prst="rect">
+            <a:avLst/>
+          </a:prstGeom>
+        </p:spPr>
+        <p:txBody>
+          <a:bodyPr wrap="none">
+            <a:spAutoFit/>
+          </a:bodyPr>
+          <a:lstStyle/>
+          <a:p>
+            <a:r>
+              <a:rPr lang="en-US" altLang="ko-KR" dirty="0"/>
+              <a:t>2) </a:t>
+            </a:r>
+            <a:r>
+              <a:rPr lang="ko-KR" altLang="en-US" dirty="0"/>
+              <a:t>반복 단계 </a:t>
+            </a:r>
+            <a:r>
+              <a:rPr lang="en-US" altLang="ko-KR" dirty="0"/>
+              <a:t>: </a:t>
+            </a:r>
+            <a:r>
+              <a:rPr lang="ko-KR" altLang="en-US" dirty="0"/>
+              <a:t>주어진 프로그램이 실행될 때마다 실행됩니다</a:t>
+            </a:r>
+            <a:r>
+              <a:rPr lang="en-US" altLang="ko-KR" dirty="0"/>
+              <a:t>.</a:t>
+            </a:r>
+            <a:endParaRPr lang="en-US" altLang="ko-KR" dirty="0"/>
+          </a:p>
+        </p:txBody>
+      </p:sp>
+      <p:sp>
+        <p:nvSpPr>
+          <p:cNvPr id="10" name="직사각형 9"/>
+          <p:cNvSpPr/>
+          <p:nvPr/>
+        </p:nvSpPr>
+        <p:spPr>
+          <a:xfrm>
+            <a:off x="1382653" y="4664250"/>
+            <a:ext cx="10135270" cy="646331"/>
+          </a:xfrm>
+          <a:prstGeom prst="rect">
+            <a:avLst/>
+          </a:prstGeom>
+        </p:spPr>
+        <p:txBody>
+          <a:bodyPr wrap="square">
+            <a:spAutoFit/>
+          </a:bodyPr>
+          <a:lstStyle/>
+          <a:p>
+            <a:r>
+              <a:rPr lang="ko-KR" altLang="en-US" dirty="0"/>
+              <a:t>두 경우 모두 성능 병목 현상이 내부적으로 </a:t>
+            </a:r>
+            <a:r>
+              <a:rPr lang="en-US" altLang="ko-KR" dirty="0" err="1"/>
+              <a:t>libsnark</a:t>
+            </a:r>
+            <a:r>
+              <a:rPr lang="ko-KR" altLang="en-US" dirty="0"/>
+              <a:t>를 사용하는 단계임을 보여줍니다</a:t>
+            </a:r>
+            <a:r>
+              <a:rPr lang="en-US" altLang="ko-KR" dirty="0"/>
+              <a:t>. </a:t>
+            </a:r>
+            <a:endParaRPr lang="en-US" altLang="ko-KR" dirty="0" smtClean="0"/>
+          </a:p>
+          <a:p>
+            <a:r>
+              <a:rPr lang="ko-KR" altLang="en-US" dirty="0" smtClean="0"/>
+              <a:t>따라서 </a:t>
+            </a:r>
+            <a:r>
+              <a:rPr lang="en-US" altLang="ko-KR" dirty="0"/>
+              <a:t>[13]</a:t>
+            </a:r>
+            <a:r>
+              <a:rPr lang="ko-KR" altLang="en-US" dirty="0"/>
+              <a:t>은 우수한 성능 추정치를 제공합니다</a:t>
+            </a:r>
+            <a:r>
+              <a:rPr lang="en-US" altLang="ko-KR" dirty="0"/>
+              <a:t>.</a:t>
+            </a:r>
+            <a:endParaRPr lang="ko-KR" altLang="en-US" dirty="0"/>
           </a:p>
         </p:txBody>
       </p:sp>
@@ -12557,7 +13311,7 @@
         <p:spPr>
           <a:xfrm>
             <a:off x="1160460" y="1824038"/>
-            <a:ext cx="9621840" cy="1477328"/>
+            <a:ext cx="9621840" cy="646331"/>
           </a:xfrm>
           <a:prstGeom prst="rect">
             <a:avLst/>
@@ -12570,123 +13324,59 @@
           <a:lstStyle/>
           <a:p>
             <a:r>
-              <a:rPr lang="ko-KR" altLang="en-US"/>
+              <a:rPr lang="ko-KR" altLang="en-US" dirty="0"/>
               <a:t>검증 가능한 계산 체계로서</a:t>
             </a:r>
             <a:r>
-              <a:rPr lang="en-US" altLang="ko-KR"/>
+              <a:rPr lang="en-US" altLang="ko-KR" dirty="0"/>
               <a:t>, </a:t>
             </a:r>
             <a:r>
-              <a:rPr lang="ko-KR" altLang="en-US"/>
+              <a:rPr lang="ko-KR" altLang="en-US" dirty="0"/>
               <a:t>우리는 피노키오 시스템의 약간 수정 된 버전 인 </a:t>
             </a:r>
             <a:r>
-              <a:rPr lang="en-US" altLang="ko-KR"/>
+              <a:rPr lang="en-US" altLang="ko-KR" dirty="0" err="1"/>
               <a:t>libsnark</a:t>
             </a:r>
             <a:r>
-              <a:rPr lang="ko-KR" altLang="en-US"/>
+              <a:rPr lang="ko-KR" altLang="en-US" dirty="0"/>
               <a:t>에서 구현 된 </a:t>
             </a:r>
             <a:r>
-              <a:rPr lang="en-US" altLang="ko-KR"/>
+              <a:rPr lang="en-US" altLang="ko-KR" dirty="0"/>
               <a:t>[9]</a:t>
             </a:r>
             <a:r>
-              <a:rPr lang="ko-KR" altLang="en-US"/>
+              <a:rPr lang="ko-KR" altLang="en-US" dirty="0"/>
               <a:t>의 </a:t>
             </a:r>
             <a:r>
-              <a:rPr lang="en-US" altLang="ko-KR"/>
+              <a:rPr lang="en-US" altLang="ko-KR" dirty="0"/>
               <a:t>R1CS</a:t>
             </a:r>
             <a:r>
-              <a:rPr lang="ko-KR" altLang="en-US"/>
+              <a:rPr lang="ko-KR" altLang="en-US" dirty="0"/>
               <a:t>에 대한 </a:t>
             </a:r>
             <a:r>
-              <a:rPr lang="en-US" altLang="ko-KR"/>
-              <a:t>zkSNARK </a:t>
-            </a:r>
-            <a:r>
-              <a:rPr lang="ko-KR" altLang="en-US"/>
-              <a:t>구성을 사용한다 </a:t>
-            </a:r>
-            <a:r>
-              <a:rPr lang="en-US" altLang="ko-KR"/>
-              <a:t>[8]. </a:t>
-            </a:r>
-            <a:r>
-              <a:rPr lang="ko-KR" altLang="en-US"/>
-              <a:t>따라서이 체계와 </a:t>
-            </a:r>
-            <a:r>
-              <a:rPr lang="en-US" altLang="ko-KR"/>
-              <a:t>BarretoNaehrig </a:t>
-            </a:r>
-            <a:r>
-              <a:rPr lang="ko-KR" altLang="en-US"/>
-              <a:t>곡선의 경우 교정은 </a:t>
-            </a:r>
-            <a:r>
-              <a:rPr lang="en-US" altLang="ko-KR"/>
-              <a:t>8 </a:t>
-            </a:r>
-            <a:r>
-              <a:rPr lang="ko-KR" altLang="en-US"/>
-              <a:t>개의 타원 곡선 점으로 구성되며 크기는 </a:t>
-            </a:r>
-            <a:r>
-              <a:rPr lang="en-US" altLang="ko-KR"/>
-              <a:t>288 </a:t>
-            </a:r>
-            <a:r>
-              <a:rPr lang="ko-KR" altLang="en-US"/>
-              <a:t>바이트입니다</a:t>
-            </a:r>
-            <a:r>
-              <a:rPr lang="en-US" altLang="ko-KR"/>
-              <a:t>. </a:t>
-            </a:r>
-            <a:r>
-              <a:rPr lang="ko-KR" altLang="en-US"/>
-              <a:t>증명의 검증을 위해</a:t>
-            </a:r>
-            <a:r>
-              <a:rPr lang="en-US" altLang="ko-KR"/>
-              <a:t>, </a:t>
-            </a:r>
-            <a:r>
-              <a:rPr lang="ko-KR" altLang="en-US"/>
-              <a:t>입력이 증명과 함께 제공되는 </a:t>
-            </a:r>
-            <a:r>
-              <a:rPr lang="en-US" altLang="ko-KR"/>
-              <a:t>#inputs + 4 </a:t>
-            </a:r>
-            <a:r>
-              <a:rPr lang="ko-KR" altLang="en-US"/>
-              <a:t>포인트 더하기 및 </a:t>
-            </a:r>
-            <a:r>
-              <a:rPr lang="en-US" altLang="ko-KR"/>
-              <a:t>#inputs </a:t>
-            </a:r>
-            <a:r>
-              <a:rPr lang="ko-KR" altLang="en-US"/>
-              <a:t>스칼라 곱뿐만 아니라 </a:t>
-            </a:r>
-            <a:r>
-              <a:rPr lang="en-US" altLang="ko-KR"/>
-              <a:t>5 </a:t>
-            </a:r>
-            <a:r>
-              <a:rPr lang="ko-KR" altLang="en-US"/>
-              <a:t>개의 페어링 확인이 수행되어야합니다</a:t>
-            </a:r>
-            <a:r>
-              <a:rPr lang="en-US" altLang="ko-KR"/>
+              <a:rPr lang="en-US" altLang="ko-KR" dirty="0" err="1"/>
+              <a:t>zkSNARK</a:t>
+            </a:r>
+            <a:r>
+              <a:rPr lang="en-US" altLang="ko-KR" dirty="0"/>
+              <a:t> </a:t>
+            </a:r>
+            <a:r>
+              <a:rPr lang="ko-KR" altLang="en-US" dirty="0"/>
+              <a:t>구성을 </a:t>
+            </a:r>
+            <a:r>
+              <a:rPr lang="ko-KR" altLang="en-US" dirty="0" smtClean="0"/>
+              <a:t>사용한다</a:t>
+            </a:r>
+            <a:r>
+              <a:rPr lang="en-US" altLang="ko-KR" dirty="0" smtClean="0"/>
               <a:t>.</a:t>
             </a:r>
             <a:endParaRPr lang="ko-KR" altLang="en-US" dirty="0"/>
@@ -12719,6 +13409,156 @@
               <a:t>33</a:t>
             </a:fld>
             <a:endParaRPr lang="ko-KR" altLang="en-US"/>
+          </a:p>
+        </p:txBody>
+      </p:sp>
+      <p:sp>
+        <p:nvSpPr>
+          <p:cNvPr id="7" name="직사각형 6"/>
+          <p:cNvSpPr/>
+          <p:nvPr/>
+        </p:nvSpPr>
+        <p:spPr>
+          <a:xfrm>
+            <a:off x="1337772" y="3253574"/>
+            <a:ext cx="10339878" cy="646331"/>
+          </a:xfrm>
+          <a:prstGeom prst="rect">
+            <a:avLst/>
+          </a:prstGeom>
+        </p:spPr>
+        <p:txBody>
+          <a:bodyPr wrap="square">
+            <a:spAutoFit/>
+          </a:bodyPr>
+          <a:lstStyle/>
+          <a:p>
+            <a:r>
+              <a:rPr lang="ko-KR" altLang="en-US" dirty="0" err="1"/>
+              <a:t>따라서이</a:t>
+            </a:r>
+            <a:r>
+              <a:rPr lang="ko-KR" altLang="en-US" dirty="0"/>
+              <a:t> 체계와 </a:t>
+            </a:r>
+            <a:r>
+              <a:rPr lang="en-US" altLang="ko-KR" dirty="0" err="1"/>
+              <a:t>BarretoNaehrig</a:t>
+            </a:r>
+            <a:r>
+              <a:rPr lang="en-US" altLang="ko-KR" dirty="0"/>
+              <a:t> </a:t>
+            </a:r>
+            <a:r>
+              <a:rPr lang="ko-KR" altLang="en-US" dirty="0"/>
+              <a:t>곡선의 경우 교정은 </a:t>
+            </a:r>
+            <a:r>
+              <a:rPr lang="en-US" altLang="ko-KR" dirty="0"/>
+              <a:t>8 </a:t>
+            </a:r>
+            <a:r>
+              <a:rPr lang="ko-KR" altLang="en-US" dirty="0"/>
+              <a:t>개의 타원 곡선 점으로 구성되며 크기는 </a:t>
+            </a:r>
+            <a:r>
+              <a:rPr lang="en-US" altLang="ko-KR" dirty="0"/>
+              <a:t>288 </a:t>
+            </a:r>
+            <a:r>
+              <a:rPr lang="ko-KR" altLang="en-US" dirty="0"/>
+              <a:t>바이트입니다</a:t>
+            </a:r>
+            <a:r>
+              <a:rPr lang="en-US" altLang="ko-KR" dirty="0"/>
+              <a:t>. </a:t>
+            </a:r>
+            <a:endParaRPr lang="ko-KR" altLang="en-US" dirty="0"/>
+          </a:p>
+        </p:txBody>
+      </p:sp>
+      <p:sp>
+        <p:nvSpPr>
+          <p:cNvPr id="8" name="직사각형 7"/>
+          <p:cNvSpPr/>
+          <p:nvPr/>
+        </p:nvSpPr>
+        <p:spPr>
+          <a:xfrm>
+            <a:off x="1337772" y="4147133"/>
+            <a:ext cx="10193340" cy="646331"/>
+          </a:xfrm>
+          <a:prstGeom prst="rect">
+            <a:avLst/>
+          </a:prstGeom>
+        </p:spPr>
+        <p:txBody>
+          <a:bodyPr wrap="square">
+            <a:spAutoFit/>
+          </a:bodyPr>
+          <a:lstStyle/>
+          <a:p>
+            <a:r>
+              <a:rPr lang="ko-KR" altLang="en-US" dirty="0"/>
+              <a:t>증명의 검증을 위해</a:t>
+            </a:r>
+            <a:r>
+              <a:rPr lang="en-US" altLang="ko-KR" dirty="0"/>
+              <a:t>, </a:t>
+            </a:r>
+            <a:r>
+              <a:rPr lang="ko-KR" altLang="en-US" dirty="0"/>
+              <a:t>입력이 증명과 함께 제공되는 </a:t>
+            </a:r>
+            <a:r>
+              <a:rPr lang="en-US" altLang="ko-KR" dirty="0"/>
+              <a:t>#inputs + 4 </a:t>
+            </a:r>
+            <a:r>
+              <a:rPr lang="ko-KR" altLang="en-US" dirty="0"/>
+              <a:t>포인트 더하기 및 </a:t>
+            </a:r>
+            <a:r>
+              <a:rPr lang="en-US" altLang="ko-KR" dirty="0"/>
+              <a:t>#inputs </a:t>
+            </a:r>
+            <a:r>
+              <a:rPr lang="ko-KR" altLang="en-US" dirty="0"/>
+              <a:t>스칼라 </a:t>
+            </a:r>
+            <a:r>
+              <a:rPr lang="ko-KR" altLang="en-US" dirty="0" err="1"/>
+              <a:t>곱뿐만</a:t>
+            </a:r>
+            <a:r>
+              <a:rPr lang="ko-KR" altLang="en-US" dirty="0"/>
+              <a:t> 아니라 </a:t>
+            </a:r>
+            <a:r>
+              <a:rPr lang="en-US" altLang="ko-KR" dirty="0"/>
+              <a:t>5 </a:t>
+            </a:r>
+            <a:r>
+              <a:rPr lang="ko-KR" altLang="en-US" dirty="0"/>
+              <a:t>개의 </a:t>
+            </a:r>
+            <a:r>
+              <a:rPr lang="ko-KR" altLang="en-US" dirty="0" err="1"/>
+              <a:t>페어링</a:t>
+            </a:r>
+            <a:r>
+              <a:rPr lang="ko-KR" altLang="en-US" dirty="0"/>
+              <a:t> 확인이 </a:t>
+            </a:r>
+            <a:r>
+              <a:rPr lang="ko-KR" altLang="en-US" dirty="0" err="1"/>
+              <a:t>수행되어야합니다</a:t>
+            </a:r>
+            <a:r>
+              <a:rPr lang="en-US" altLang="ko-KR" dirty="0"/>
+              <a:t>.</a:t>
+            </a:r>
+            <a:endParaRPr lang="ko-KR" altLang="en-US" dirty="0"/>
           </a:p>
         </p:txBody>
       </p:sp>
@@ -12876,7 +13716,7 @@
         <p:spPr>
           <a:xfrm>
             <a:off x="1160460" y="1824038"/>
-            <a:ext cx="9621840" cy="2031325"/>
+            <a:ext cx="9621840" cy="2585323"/>
           </a:xfrm>
           <a:prstGeom prst="rect">
             <a:avLst/>
@@ -12889,157 +13729,207 @@
           <a:lstStyle/>
           <a:p>
             <a:r>
-              <a:rPr lang="ko-KR" altLang="en-US"/>
-              <a:t>이더 리움은 각 작업에 가스로 표시된 비용을 할당하여 블록의 복잡성을 제한합니다 </a:t>
-            </a:r>
-            <a:r>
-              <a:rPr lang="en-US" altLang="ko-KR"/>
+              <a:rPr lang="ko-KR" altLang="en-US" dirty="0" err="1"/>
+              <a:t>이더</a:t>
+            </a:r>
+            <a:r>
+              <a:rPr lang="ko-KR" altLang="en-US" dirty="0"/>
+              <a:t> </a:t>
+            </a:r>
+            <a:r>
+              <a:rPr lang="ko-KR" altLang="en-US" dirty="0" err="1"/>
+              <a:t>리움은</a:t>
+            </a:r>
+            <a:r>
+              <a:rPr lang="ko-KR" altLang="en-US" dirty="0"/>
+              <a:t> 각 작업에 가스로 표시된 비용을 할당하여 블록의 복잡성을 제한합니다 </a:t>
+            </a:r>
+            <a:r>
+              <a:rPr lang="en-US" altLang="ko-KR" dirty="0"/>
               <a:t>(II </a:t>
             </a:r>
             <a:r>
-              <a:rPr lang="ko-KR" altLang="en-US"/>
+              <a:rPr lang="ko-KR" altLang="en-US" dirty="0"/>
               <a:t>참조</a:t>
             </a:r>
             <a:r>
-              <a:rPr lang="en-US" altLang="ko-KR"/>
+              <a:rPr lang="en-US" altLang="ko-KR" dirty="0"/>
               <a:t>). </a:t>
             </a:r>
-            <a:r>
-              <a:rPr lang="ko-KR" altLang="en-US"/>
+            <a:endParaRPr lang="en-US" altLang="ko-KR" dirty="0" smtClean="0"/>
+          </a:p>
+          <a:p>
+            <a:r>
+              <a:rPr lang="ko-KR" altLang="en-US" dirty="0" smtClean="0"/>
               <a:t>현재</a:t>
             </a:r>
             <a:r>
-              <a:rPr lang="en-US" altLang="ko-KR"/>
+              <a:rPr lang="en-US" altLang="ko-KR" dirty="0"/>
               <a:t>, </a:t>
             </a:r>
             <a:r>
-              <a:rPr lang="ko-KR" altLang="en-US"/>
+              <a:rPr lang="ko-KR" altLang="en-US" dirty="0"/>
               <a:t>블록 가스 한계는 </a:t>
             </a:r>
             <a:r>
-              <a:rPr lang="en-US" altLang="ko-KR"/>
+              <a:rPr lang="en-US" altLang="ko-KR" dirty="0"/>
               <a:t>~ 800</a:t>
             </a:r>
             <a:r>
-              <a:rPr lang="ko-KR" altLang="en-US"/>
+              <a:rPr lang="ko-KR" altLang="en-US" dirty="0"/>
               <a:t>만이 다</a:t>
             </a:r>
             <a:r>
-              <a:rPr lang="en-US" altLang="ko-KR"/>
+              <a:rPr lang="en-US" altLang="ko-KR" dirty="0"/>
               <a:t>. </a:t>
             </a:r>
-            <a:r>
-              <a:rPr lang="ko-KR" altLang="en-US"/>
-              <a:t>새로운 블록은 평균 </a:t>
-            </a:r>
-            <a:r>
-              <a:rPr lang="en-US" altLang="ko-KR"/>
+            <a:endParaRPr lang="en-US" altLang="ko-KR" dirty="0" smtClean="0"/>
+          </a:p>
+          <a:p>
+            <a:r>
+              <a:rPr lang="ko-KR" altLang="en-US" dirty="0" smtClean="0"/>
+              <a:t>새로운 </a:t>
+            </a:r>
+            <a:r>
+              <a:rPr lang="ko-KR" altLang="en-US" dirty="0"/>
+              <a:t>블록은 평균 </a:t>
+            </a:r>
+            <a:r>
+              <a:rPr lang="en-US" altLang="ko-KR" dirty="0"/>
               <a:t>14 </a:t>
             </a:r>
             <a:r>
-              <a:rPr lang="ko-KR" altLang="en-US"/>
+              <a:rPr lang="ko-KR" altLang="en-US" dirty="0"/>
               <a:t>초마다 생성됩니다 </a:t>
             </a:r>
             <a:r>
-              <a:rPr lang="en-US" altLang="ko-KR"/>
+              <a:rPr lang="en-US" altLang="ko-KR" dirty="0"/>
               <a:t>9. </a:t>
             </a:r>
-            <a:r>
-              <a:rPr lang="ko-KR" altLang="en-US"/>
-              <a:t>증명의 온 체인 검증을 위해서는 약 </a:t>
-            </a:r>
-            <a:r>
-              <a:rPr lang="en-US" altLang="ko-KR"/>
+            <a:endParaRPr lang="en-US" altLang="ko-KR" dirty="0" smtClean="0"/>
+          </a:p>
+          <a:p>
+            <a:r>
+              <a:rPr lang="ko-KR" altLang="en-US" dirty="0" smtClean="0"/>
+              <a:t>증명의 </a:t>
+            </a:r>
+            <a:r>
+              <a:rPr lang="ko-KR" altLang="en-US" dirty="0"/>
+              <a:t>온 체인 검증을 위해서는 약 </a:t>
+            </a:r>
+            <a:r>
+              <a:rPr lang="en-US" altLang="ko-KR" dirty="0"/>
               <a:t>160 </a:t>
             </a:r>
             <a:r>
-              <a:rPr lang="ko-KR" altLang="en-US"/>
+              <a:rPr lang="ko-KR" altLang="en-US" dirty="0"/>
               <a:t>만 가스가 필요합니다</a:t>
             </a:r>
             <a:r>
-              <a:rPr lang="en-US" altLang="ko-KR"/>
+              <a:rPr lang="en-US" altLang="ko-KR" dirty="0"/>
               <a:t>. </a:t>
             </a:r>
-            <a:r>
-              <a:rPr lang="ko-KR" altLang="en-US"/>
+            <a:endParaRPr lang="en-US" altLang="ko-KR" dirty="0" smtClean="0"/>
+          </a:p>
+          <a:p>
+            <a:r>
+              <a:rPr lang="ko-KR" altLang="en-US" dirty="0" smtClean="0"/>
               <a:t>도 </a:t>
             </a:r>
             <a:r>
-              <a:rPr lang="en-US" altLang="ko-KR"/>
+              <a:rPr lang="en-US" altLang="ko-KR" dirty="0"/>
               <a:t>4</a:t>
             </a:r>
             <a:r>
-              <a:rPr lang="ko-KR" altLang="en-US"/>
+              <a:rPr lang="ko-KR" altLang="en-US" dirty="0"/>
               <a:t>에 도시 된 바와 같이</a:t>
             </a:r>
             <a:r>
-              <a:rPr lang="en-US" altLang="ko-KR"/>
+              <a:rPr lang="en-US" altLang="ko-KR" dirty="0"/>
               <a:t>, </a:t>
             </a:r>
             <a:r>
-              <a:rPr lang="ko-KR" altLang="en-US"/>
+              <a:rPr lang="ko-KR" altLang="en-US" dirty="0"/>
               <a:t>가스 비용은 증명과 함께 제공된 </a:t>
             </a:r>
             <a:r>
-              <a:rPr lang="en-US" altLang="ko-KR"/>
+              <a:rPr lang="en-US" altLang="ko-KR" dirty="0"/>
               <a:t># </a:t>
             </a:r>
             <a:r>
-              <a:rPr lang="ko-KR" altLang="en-US"/>
+              <a:rPr lang="ko-KR" altLang="en-US" dirty="0"/>
               <a:t>입력에 따라 선형으로 상승한다</a:t>
             </a:r>
             <a:r>
-              <a:rPr lang="en-US" altLang="ko-KR"/>
+              <a:rPr lang="en-US" altLang="ko-KR" dirty="0"/>
               <a:t>. </a:t>
             </a:r>
-            <a:r>
-              <a:rPr lang="ko-KR" altLang="en-US"/>
-              <a:t>검증 비용은 실행이 검증되는 프로그램의 복잡성과 무관하다는 점에 유의하십시오</a:t>
-            </a:r>
-            <a:r>
-              <a:rPr lang="en-US" altLang="ko-KR"/>
+            <a:endParaRPr lang="en-US" altLang="ko-KR" dirty="0" smtClean="0"/>
+          </a:p>
+          <a:p>
+            <a:r>
+              <a:rPr lang="ko-KR" altLang="en-US" dirty="0" smtClean="0"/>
+              <a:t>검증 </a:t>
+            </a:r>
+            <a:r>
+              <a:rPr lang="ko-KR" altLang="en-US" dirty="0"/>
+              <a:t>비용은 실행이 검증되는 프로그램의 복잡성과 무관하다는 점에 유의하십시오</a:t>
+            </a:r>
+            <a:r>
+              <a:rPr lang="en-US" altLang="ko-KR" dirty="0"/>
               <a:t>. </a:t>
             </a:r>
-            <a:r>
-              <a:rPr lang="ko-KR" altLang="en-US"/>
-              <a:t>계약의 배치 비용은 </a:t>
-            </a:r>
-            <a:r>
-              <a:rPr lang="en-US" altLang="ko-KR"/>
+            <a:endParaRPr lang="en-US" altLang="ko-KR" dirty="0" smtClean="0"/>
+          </a:p>
+          <a:p>
+            <a:r>
+              <a:rPr lang="ko-KR" altLang="en-US" dirty="0" smtClean="0"/>
+              <a:t>계약의 </a:t>
+            </a:r>
+            <a:r>
+              <a:rPr lang="ko-KR" altLang="en-US" dirty="0"/>
+              <a:t>배치 비용은 </a:t>
+            </a:r>
+            <a:r>
+              <a:rPr lang="en-US" altLang="ko-KR" dirty="0"/>
               <a:t>~ 150 </a:t>
             </a:r>
             <a:r>
-              <a:rPr lang="ko-KR" altLang="en-US"/>
+              <a:rPr lang="ko-KR" altLang="en-US" dirty="0"/>
               <a:t>만 가스입니다</a:t>
             </a:r>
             <a:r>
-              <a:rPr lang="en-US" altLang="ko-KR"/>
+              <a:rPr lang="en-US" altLang="ko-KR" dirty="0"/>
               <a:t>.</a:t>
             </a:r>
           </a:p>
           <a:p>
             <a:r>
-              <a:rPr lang="ko-KR" altLang="en-US"/>
+              <a:rPr lang="ko-KR" altLang="en-US" dirty="0"/>
               <a:t>섹션 </a:t>
             </a:r>
             <a:r>
-              <a:rPr lang="en-US" altLang="ko-KR"/>
+              <a:rPr lang="en-US" altLang="ko-KR" dirty="0"/>
               <a:t>VI</a:t>
             </a:r>
             <a:r>
-              <a:rPr lang="ko-KR" altLang="en-US"/>
+              <a:rPr lang="ko-KR" altLang="en-US" dirty="0"/>
               <a:t>에서보다 상세하게 설명 된 바와 같이</a:t>
             </a:r>
             <a:r>
-              <a:rPr lang="en-US" altLang="ko-KR"/>
+              <a:rPr lang="en-US" altLang="ko-KR" dirty="0"/>
               <a:t>, </a:t>
             </a:r>
             <a:r>
-              <a:rPr lang="ko-KR" altLang="en-US"/>
-              <a:t>최적화 된 검증 가능한 계산 방식을 채택함으로써 비용이 절감 될 수있다</a:t>
-            </a:r>
-            <a:r>
-              <a:rPr lang="en-US" altLang="ko-KR"/>
+              <a:rPr lang="ko-KR" altLang="en-US" dirty="0"/>
+              <a:t>최적화 된 검증 가능한 계산 방식을 채택함으로써 비용이 절감 될 </a:t>
+            </a:r>
+            <a:r>
+              <a:rPr lang="ko-KR" altLang="en-US" dirty="0" err="1"/>
+              <a:t>수있다</a:t>
+            </a:r>
+            <a:r>
+              <a:rPr lang="en-US" altLang="ko-KR" dirty="0"/>
               <a:t>.</a:t>
             </a:r>
             <a:endParaRPr lang="ko-KR" altLang="en-US" dirty="0"/>
@@ -13593,53 +14483,53 @@
           <a:lstStyle/>
           <a:p>
             <a:r>
-              <a:rPr lang="ko-KR" altLang="en-US"/>
+              <a:rPr lang="ko-KR" altLang="en-US" dirty="0"/>
               <a:t>증인 생성은 프로그램이 실행될 때마다 발생하며 그 실행의 정확성을 증명하는 새로운 증거가 필요합니다</a:t>
             </a:r>
             <a:r>
-              <a:rPr lang="en-US" altLang="ko-KR"/>
+              <a:rPr lang="en-US" altLang="ko-KR" dirty="0"/>
               <a:t>.</a:t>
             </a:r>
           </a:p>
           <a:p>
             <a:r>
-              <a:rPr lang="ko-KR" altLang="en-US"/>
+              <a:rPr lang="ko-KR" altLang="en-US" dirty="0"/>
               <a:t>그림 </a:t>
             </a:r>
             <a:r>
-              <a:rPr lang="en-US" altLang="ko-KR"/>
+              <a:rPr lang="en-US" altLang="ko-KR" dirty="0"/>
               <a:t>6</a:t>
             </a:r>
             <a:r>
-              <a:rPr lang="ko-KR" altLang="en-US"/>
+              <a:rPr lang="ko-KR" altLang="en-US" dirty="0"/>
               <a:t>에서 볼 수 있듯이 병목 현상은 증거 생성입니다</a:t>
             </a:r>
             <a:r>
-              <a:rPr lang="en-US" altLang="ko-KR"/>
+              <a:rPr lang="en-US" altLang="ko-KR" dirty="0"/>
               <a:t>. </a:t>
             </a:r>
             <a:r>
-              <a:rPr lang="ko-KR" altLang="en-US"/>
+              <a:rPr lang="ko-KR" altLang="en-US" dirty="0"/>
               <a:t>다시 한 번 증명 생성 시간은 주로 </a:t>
             </a:r>
             <a:r>
-              <a:rPr lang="en-US" altLang="ko-KR"/>
+              <a:rPr lang="en-US" altLang="ko-KR" dirty="0" err="1"/>
               <a:t>libsnark</a:t>
             </a:r>
             <a:r>
-              <a:rPr lang="ko-KR" altLang="en-US"/>
+              <a:rPr lang="ko-KR" altLang="en-US" dirty="0"/>
               <a:t>에 따라 달라지며 자세한 벤치 마크는 </a:t>
             </a:r>
             <a:r>
-              <a:rPr lang="en-US" altLang="ko-KR"/>
+              <a:rPr lang="en-US" altLang="ko-KR" dirty="0"/>
               <a:t>[13]</a:t>
             </a:r>
             <a:r>
-              <a:rPr lang="ko-KR" altLang="en-US"/>
+              <a:rPr lang="ko-KR" altLang="en-US" dirty="0"/>
               <a:t>을 참조하십시오</a:t>
             </a:r>
             <a:r>
-              <a:rPr lang="en-US" altLang="ko-KR"/>
+              <a:rPr lang="en-US" altLang="ko-KR" dirty="0"/>
               <a:t>.</a:t>
             </a:r>
             <a:endParaRPr lang="ko-KR" altLang="en-US" dirty="0"/>
@@ -14393,7 +15283,7 @@
 </file>
 
 <file path=ppt/slides/slide39.xml><?xml version="1.0" encoding="utf-8"?>
-<p:sld xmlns:a="http://schemas.openxmlformats.org/drawingml/2006/main" xmlns:r="http://schemas.openxmlformats.org/officeDocument/2006/relationships" xmlns:p="http://schemas.openxmlformats.org/presentationml/2006/main">
+<p:sld xmlns:a="http://schemas.openxmlformats.org/drawingml/2006/main" xmlns:r="http://schemas.openxmlformats.org/officeDocument/2006/relationships" xmlns:p="http://schemas.openxmlformats.org/presentationml/2006/main" show="0">
   <p:cSld>
     <p:spTree>
       <p:nvGrpSpPr>
@@ -14532,23 +15422,36 @@
         </p:nvSpPr>
         <p:spPr>
           <a:xfrm>
-            <a:off x="1209675" y="1690688"/>
-            <a:ext cx="6096000" cy="923330"/>
+            <a:off x="1144098" y="1544935"/>
+            <a:ext cx="9903803" cy="646331"/>
           </a:xfrm>
           <a:prstGeom prst="rect">
             <a:avLst/>
           </a:prstGeom>
         </p:spPr>
         <p:txBody>
-          <a:bodyPr>
+          <a:bodyPr wrap="square">
             <a:spAutoFit/>
           </a:bodyPr>
           <a:lstStyle/>
           <a:p>
             <a:r>
-              <a:rPr lang="ko-KR" altLang="en-US" dirty="0"/>
-              <a:t>우리가 아는 한, 이것은 오프 체인 실행을 통한 프로그램 사양에서부터 블록 체인 검증까지 전체 프로세스를 고려하고 지원하는 첫 번째 작업입니다.</a:t>
-            </a:r>
+              <a:rPr lang="en-US" altLang="ko-KR" dirty="0" smtClean="0"/>
+              <a:t>off- chain </a:t>
+            </a:r>
+            <a:r>
+              <a:rPr lang="ko-KR" altLang="en-US" dirty="0" smtClean="0"/>
+              <a:t>실행을 </a:t>
+            </a:r>
+            <a:r>
+              <a:rPr lang="ko-KR" altLang="en-US" dirty="0"/>
+              <a:t>통한 프로그램 사양에서부터 블록 체인 검증까지 전체 프로세스를 고려하고 </a:t>
+            </a:r>
+            <a:r>
+              <a:rPr lang="ko-KR" altLang="en-US" dirty="0" smtClean="0"/>
+              <a:t>지원하는 첫 연구</a:t>
+            </a:r>
+            <a:endParaRPr lang="ko-KR" altLang="en-US" dirty="0"/>
           </a:p>
         </p:txBody>
       </p:sp>
@@ -14566,35 +15469,55 @@
         </p:nvSpPr>
         <p:spPr>
           <a:xfrm>
-            <a:off x="1362075" y="3200917"/>
-            <a:ext cx="6096000" cy="1477328"/>
+            <a:off x="3047998" y="2776796"/>
+            <a:ext cx="8629651" cy="923330"/>
           </a:xfrm>
           <a:prstGeom prst="rect">
             <a:avLst/>
           </a:prstGeom>
         </p:spPr>
         <p:txBody>
-          <a:bodyPr>
+          <a:bodyPr wrap="square">
             <a:spAutoFit/>
           </a:bodyPr>
           <a:lstStyle/>
           <a:p>
             <a:r>
-              <a:rPr lang="ko-KR" altLang="en-US" dirty="0" err="1"/>
-              <a:t>Truebit</a:t>
-            </a:r>
-            <a:r>
-              <a:rPr lang="ko-KR" altLang="en-US" dirty="0"/>
-              <a:t> 프로젝트 [23]는 계산을 타사에 오프 체인하고 결과를 블록 체인에 다시 쓴다는 점에서 비슷한 정신을 공유합니다. </a:t>
-            </a:r>
-            <a:r>
-              <a:rPr lang="ko-KR" altLang="en-US" dirty="0" err="1"/>
+              <a:rPr lang="ko-KR" altLang="en-US" dirty="0" smtClean="0"/>
+              <a:t>계산을 타사에 </a:t>
+            </a:r>
+            <a:r>
+              <a:rPr lang="en-US" altLang="ko-KR" dirty="0" smtClean="0"/>
+              <a:t>off-chain </a:t>
+            </a:r>
+            <a:r>
+              <a:rPr lang="ko-KR" altLang="en-US" dirty="0" smtClean="0"/>
+              <a:t>하고 결과를 블록 체인에 다시 쓴다는 점에서 </a:t>
+            </a:r>
+            <a:r>
+              <a:rPr lang="ko-KR" altLang="en-US" dirty="0" err="1" smtClean="0"/>
+              <a:t>비슷</a:t>
+            </a:r>
+            <a:endParaRPr lang="en-US" altLang="ko-KR" dirty="0" smtClean="0"/>
+          </a:p>
+          <a:p>
+            <a:r>
+              <a:rPr lang="ko-KR" altLang="en-US" dirty="0" err="1" smtClean="0"/>
               <a:t>ZoKrates와</a:t>
             </a:r>
             <a:r>
-              <a:rPr lang="ko-KR" altLang="en-US" dirty="0"/>
-              <a:t> 마찬가지로 결과에 증거를 제공하는 대신 결과가 낙관적으로 받아 들여지고 잘못된 결과가 발생할 경우 사기 방지를 제공하도록 경제적으로 인센티브가 제공됩니다.</a:t>
-            </a:r>
+              <a:rPr lang="ko-KR" altLang="en-US" dirty="0" smtClean="0"/>
+              <a:t> 마찬가지로 결과에 </a:t>
+            </a:r>
+            <a:r>
+              <a:rPr lang="en-US" altLang="ko-KR" dirty="0" smtClean="0"/>
+              <a:t>proof</a:t>
+            </a:r>
+            <a:r>
+              <a:rPr lang="ko-KR" altLang="en-US" dirty="0" smtClean="0"/>
+              <a:t>를 제공하는 대신 결과가 낙관적으로 받아 들여지고 잘못된 결과가 발생할 경우 사기 방지를 제공하도록 경제적으로 인센티브가 제공됩니다.</a:t>
+            </a:r>
+            <a:endParaRPr lang="ko-KR" altLang="en-US" dirty="0"/>
           </a:p>
         </p:txBody>
       </p:sp>
@@ -14624,6 +15547,38 @@
               <a:t>39</a:t>
             </a:fld>
             <a:endParaRPr lang="ko-KR" altLang="en-US"/>
+          </a:p>
+        </p:txBody>
+      </p:sp>
+      <p:sp>
+        <p:nvSpPr>
+          <p:cNvPr id="3" name="직사각형 2"/>
+          <p:cNvSpPr/>
+          <p:nvPr/>
+        </p:nvSpPr>
+        <p:spPr>
+          <a:xfrm>
+            <a:off x="1014061" y="2776796"/>
+            <a:ext cx="1827423" cy="369332"/>
+          </a:xfrm>
+          <a:prstGeom prst="rect">
+            <a:avLst/>
+          </a:prstGeom>
+        </p:spPr>
+        <p:txBody>
+          <a:bodyPr wrap="none">
+            <a:spAutoFit/>
+          </a:bodyPr>
+          <a:lstStyle/>
+          <a:p>
+            <a:r>
+              <a:rPr lang="ko-KR" altLang="en-US" dirty="0" err="1"/>
+              <a:t>Truebit</a:t>
+            </a:r>
+            <a:r>
+              <a:rPr lang="ko-KR" altLang="en-US" dirty="0"/>
+              <a:t> 프로젝트</a:t>
+            </a:r>
           </a:p>
         </p:txBody>
       </p:sp>
@@ -14637,6 +15592,14 @@
   <p:clrMapOvr>
     <a:masterClrMapping/>
   </p:clrMapOvr>
+  <mc:AlternateContent xmlns:mc="http://schemas.openxmlformats.org/markup-compatibility/2006">
+    <mc:Choice xmlns:p14="http://schemas.microsoft.com/office/powerpoint/2010/main" Requires="p14">
+      <p:transition spd="slow" p14:dur="2000"/>
+    </mc:Choice>
+    <mc:Fallback>
+      <p:transition spd="slow"/>
+    </mc:Fallback>
+  </mc:AlternateContent>
 </p:sld>
 </file>
 
@@ -15158,23 +16121,18 @@
       </p:sp>
       <p:sp>
         <p:nvSpPr>
-          <p:cNvPr id="18" name="다이아몬드 17"/>
+          <p:cNvPr id="20" name="오른쪽 화살표 19"/>
           <p:cNvSpPr/>
           <p:nvPr/>
         </p:nvSpPr>
         <p:spPr>
           <a:xfrm>
-            <a:off x="1180796" y="2454978"/>
-            <a:ext cx="269553" cy="269553"/>
-          </a:xfrm>
-          <a:prstGeom prst="diamond">
-            <a:avLst/>
-          </a:prstGeom>
-          <a:solidFill>
-            <a:schemeClr val="accent1">
-              <a:lumMod val="50000"/>
-            </a:schemeClr>
-          </a:solidFill>
+            <a:off x="1774604" y="3423501"/>
+            <a:ext cx="253194" cy="210569"/>
+          </a:xfrm>
+          <a:prstGeom prst="rightArrow">
+            <a:avLst/>
+          </a:prstGeom>
           <a:ln>
             <a:noFill/>
           </a:ln>
@@ -15206,21 +16164,22 @@
       </p:sp>
       <p:sp>
         <p:nvSpPr>
-          <p:cNvPr id="19" name="다이아몬드 18"/>
+          <p:cNvPr id="21" name="다이아몬드 20"/>
           <p:cNvSpPr/>
           <p:nvPr/>
         </p:nvSpPr>
         <p:spPr>
           <a:xfrm>
-            <a:off x="1195142" y="4194023"/>
-            <a:ext cx="269553" cy="269553"/>
+            <a:off x="1192501" y="2503297"/>
+            <a:ext cx="172915" cy="172915"/>
           </a:xfrm>
           <a:prstGeom prst="diamond">
             <a:avLst/>
           </a:prstGeom>
           <a:solidFill>
-            <a:schemeClr val="accent1">
-              <a:lumMod val="50000"/>
+            <a:schemeClr val="tx2">
+              <a:lumMod val="60000"/>
+              <a:lumOff val="40000"/>
             </a:schemeClr>
           </a:solidFill>
           <a:ln>
@@ -15254,18 +16213,24 @@
       </p:sp>
       <p:sp>
         <p:nvSpPr>
-          <p:cNvPr id="20" name="오른쪽 화살표 19"/>
+          <p:cNvPr id="22" name="다이아몬드 21"/>
           <p:cNvSpPr/>
           <p:nvPr/>
         </p:nvSpPr>
         <p:spPr>
           <a:xfrm>
-            <a:off x="1774604" y="3423501"/>
-            <a:ext cx="253194" cy="210569"/>
-          </a:xfrm>
-          <a:prstGeom prst="rightArrow">
-            <a:avLst/>
-          </a:prstGeom>
+            <a:off x="1219207" y="4228705"/>
+            <a:ext cx="172915" cy="172915"/>
+          </a:xfrm>
+          <a:prstGeom prst="diamond">
+            <a:avLst/>
+          </a:prstGeom>
+          <a:solidFill>
+            <a:schemeClr val="tx2">
+              <a:lumMod val="60000"/>
+              <a:lumOff val="40000"/>
+            </a:schemeClr>
+          </a:solidFill>
           <a:ln>
             <a:noFill/>
           </a:ln>
@@ -15309,7 +16274,7 @@
 </file>
 
 <file path=ppt/slides/slide40.xml><?xml version="1.0" encoding="utf-8"?>
-<p:sld xmlns:a="http://schemas.openxmlformats.org/drawingml/2006/main" xmlns:r="http://schemas.openxmlformats.org/officeDocument/2006/relationships" xmlns:p="http://schemas.openxmlformats.org/presentationml/2006/main">
+<p:sld xmlns:a="http://schemas.openxmlformats.org/drawingml/2006/main" xmlns:r="http://schemas.openxmlformats.org/officeDocument/2006/relationships" xmlns:p="http://schemas.openxmlformats.org/presentationml/2006/main" show="0">
   <p:cSld>
     <p:spTree>
       <p:nvGrpSpPr>
@@ -15507,69 +16472,79 @@
         </p:nvSpPr>
         <p:spPr>
           <a:xfrm>
-            <a:off x="1362075" y="3200917"/>
-            <a:ext cx="6096000" cy="1477328"/>
+            <a:off x="1642330" y="3366764"/>
+            <a:ext cx="8591916" cy="923330"/>
           </a:xfrm>
           <a:prstGeom prst="rect">
             <a:avLst/>
           </a:prstGeom>
         </p:spPr>
         <p:txBody>
-          <a:bodyPr>
+          <a:bodyPr wrap="square">
             <a:spAutoFit/>
           </a:bodyPr>
           <a:lstStyle/>
           <a:p>
             <a:r>
-              <a:rPr lang="en-US" altLang="ko-KR"/>
-              <a:t>Hawk </a:t>
-            </a:r>
-            <a:r>
-              <a:rPr lang="ko-KR" altLang="en-US"/>
-              <a:t>프로젝트 </a:t>
-            </a:r>
-            <a:r>
-              <a:rPr lang="en-US" altLang="ko-KR"/>
-              <a:t>[25]</a:t>
-            </a:r>
-            <a:r>
-              <a:rPr lang="ko-KR" altLang="en-US"/>
-              <a:t>는 블록 체인에서 금융 거래에 대한 프라이버시를 유지하는 스마트 계약 시스템을 제안합니다</a:t>
-            </a:r>
-            <a:r>
-              <a:rPr lang="en-US" altLang="ko-KR"/>
+              <a:rPr lang="ko-KR" altLang="en-US" dirty="0" smtClean="0"/>
+              <a:t>블록 </a:t>
+            </a:r>
+            <a:r>
+              <a:rPr lang="ko-KR" altLang="en-US" dirty="0"/>
+              <a:t>체인에서 금융 거래에 대한 프라이버시를 유지하는 스마트 계약 시스템을 제안합니다</a:t>
+            </a:r>
+            <a:r>
+              <a:rPr lang="en-US" altLang="ko-KR" dirty="0"/>
               <a:t>. </a:t>
             </a:r>
-            <a:r>
-              <a:rPr lang="ko-KR" altLang="en-US"/>
+            <a:endParaRPr lang="en-US" altLang="ko-KR" dirty="0" smtClean="0"/>
+          </a:p>
+          <a:p>
+            <a:r>
+              <a:rPr lang="ko-KR" altLang="en-US" dirty="0" smtClean="0"/>
               <a:t>따라서 </a:t>
             </a:r>
             <a:r>
-              <a:rPr lang="en-US" altLang="ko-KR"/>
+              <a:rPr lang="en-US" altLang="ko-KR" dirty="0" err="1"/>
               <a:t>zkSNARK</a:t>
             </a:r>
             <a:r>
-              <a:rPr lang="ko-KR" altLang="en-US"/>
-              <a:t>를 기반으로 한 일련의 암호화 프리미티브를 소개합니다</a:t>
-            </a:r>
-            <a:r>
-              <a:rPr lang="en-US" altLang="ko-KR"/>
+              <a:rPr lang="ko-KR" altLang="en-US" dirty="0"/>
+              <a:t>를 기반으로 한 일련의 암호화 </a:t>
+            </a:r>
+            <a:r>
+              <a:rPr lang="ko-KR" altLang="en-US" dirty="0" err="1"/>
+              <a:t>프리미티브를</a:t>
+            </a:r>
+            <a:r>
+              <a:rPr lang="ko-KR" altLang="en-US" dirty="0"/>
+              <a:t> 소개합니다</a:t>
+            </a:r>
+            <a:r>
+              <a:rPr lang="en-US" altLang="ko-KR" dirty="0"/>
               <a:t>. </a:t>
             </a:r>
-            <a:r>
-              <a:rPr lang="ko-KR" altLang="en-US"/>
-              <a:t>시스템의 범위는 </a:t>
-            </a:r>
-            <a:r>
-              <a:rPr lang="en-US" altLang="ko-KR"/>
+            <a:endParaRPr lang="en-US" altLang="ko-KR" dirty="0" smtClean="0"/>
+          </a:p>
+          <a:p>
+            <a:r>
+              <a:rPr lang="ko-KR" altLang="en-US" dirty="0" smtClean="0"/>
+              <a:t>시스템의 </a:t>
+            </a:r>
+            <a:r>
+              <a:rPr lang="ko-KR" altLang="en-US" dirty="0"/>
+              <a:t>범위는 </a:t>
+            </a:r>
+            <a:r>
+              <a:rPr lang="en-US" altLang="ko-KR" dirty="0" err="1"/>
               <a:t>ZoKrates</a:t>
             </a:r>
             <a:r>
-              <a:rPr lang="ko-KR" altLang="en-US"/>
+              <a:rPr lang="ko-KR" altLang="en-US" dirty="0"/>
               <a:t>보다 훨씬 구체적이며 현재까지 구현이 불가능합니다</a:t>
             </a:r>
             <a:r>
-              <a:rPr lang="en-US" altLang="ko-KR"/>
+              <a:rPr lang="en-US" altLang="ko-KR" dirty="0"/>
               <a:t>.</a:t>
             </a:r>
             <a:endParaRPr lang="ko-KR" altLang="en-US" dirty="0"/>
@@ -15602,6 +16577,38 @@
               <a:t>40</a:t>
             </a:fld>
             <a:endParaRPr lang="ko-KR" altLang="en-US"/>
+          </a:p>
+        </p:txBody>
+      </p:sp>
+      <p:sp>
+        <p:nvSpPr>
+          <p:cNvPr id="8" name="직사각형 7"/>
+          <p:cNvSpPr/>
+          <p:nvPr/>
+        </p:nvSpPr>
+        <p:spPr>
+          <a:xfrm>
+            <a:off x="1129349" y="2805725"/>
+            <a:ext cx="1718740" cy="369332"/>
+          </a:xfrm>
+          <a:prstGeom prst="rect">
+            <a:avLst/>
+          </a:prstGeom>
+        </p:spPr>
+        <p:txBody>
+          <a:bodyPr wrap="none">
+            <a:spAutoFit/>
+          </a:bodyPr>
+          <a:lstStyle/>
+          <a:p>
+            <a:r>
+              <a:rPr lang="en-US" altLang="ko-KR" dirty="0"/>
+              <a:t>Hawk </a:t>
+            </a:r>
+            <a:r>
+              <a:rPr lang="ko-KR" altLang="en-US" dirty="0"/>
+              <a:t>프로젝트 </a:t>
+            </a:r>
           </a:p>
         </p:txBody>
       </p:sp>
@@ -15615,11 +16622,19 @@
   <p:clrMapOvr>
     <a:masterClrMapping/>
   </p:clrMapOvr>
+  <mc:AlternateContent xmlns:mc="http://schemas.openxmlformats.org/markup-compatibility/2006">
+    <mc:Choice xmlns:p14="http://schemas.microsoft.com/office/powerpoint/2010/main" Requires="p14">
+      <p:transition spd="slow" p14:dur="2000"/>
+    </mc:Choice>
+    <mc:Fallback>
+      <p:transition spd="slow"/>
+    </mc:Fallback>
+  </mc:AlternateContent>
 </p:sld>
 </file>
 
 <file path=ppt/slides/slide41.xml><?xml version="1.0" encoding="utf-8"?>
-<p:sld xmlns:a="http://schemas.openxmlformats.org/drawingml/2006/main" xmlns:r="http://schemas.openxmlformats.org/officeDocument/2006/relationships" xmlns:p="http://schemas.openxmlformats.org/presentationml/2006/main">
+<p:sld xmlns:a="http://schemas.openxmlformats.org/drawingml/2006/main" xmlns:r="http://schemas.openxmlformats.org/officeDocument/2006/relationships" xmlns:p="http://schemas.openxmlformats.org/presentationml/2006/main" show="0">
   <p:cSld>
     <p:spTree>
       <p:nvGrpSpPr>
@@ -15937,11 +16952,19 @@
   <p:clrMapOvr>
     <a:masterClrMapping/>
   </p:clrMapOvr>
+  <mc:AlternateContent xmlns:mc="http://schemas.openxmlformats.org/markup-compatibility/2006">
+    <mc:Choice xmlns:p14="http://schemas.microsoft.com/office/powerpoint/2010/main" Requires="p14">
+      <p:transition spd="slow" p14:dur="2000"/>
+    </mc:Choice>
+    <mc:Fallback>
+      <p:transition spd="slow"/>
+    </mc:Fallback>
+  </mc:AlternateContent>
 </p:sld>
 </file>
 
 <file path=ppt/slides/slide42.xml><?xml version="1.0" encoding="utf-8"?>
-<p:sld xmlns:a="http://schemas.openxmlformats.org/drawingml/2006/main" xmlns:r="http://schemas.openxmlformats.org/officeDocument/2006/relationships" xmlns:p="http://schemas.openxmlformats.org/presentationml/2006/main">
+<p:sld xmlns:a="http://schemas.openxmlformats.org/drawingml/2006/main" xmlns:r="http://schemas.openxmlformats.org/officeDocument/2006/relationships" xmlns:p="http://schemas.openxmlformats.org/presentationml/2006/main" show="0">
   <p:cSld>
     <p:spTree>
       <p:nvGrpSpPr>
@@ -16180,6 +17203,14 @@
   <p:clrMapOvr>
     <a:masterClrMapping/>
   </p:clrMapOvr>
+  <mc:AlternateContent xmlns:mc="http://schemas.openxmlformats.org/markup-compatibility/2006">
+    <mc:Choice xmlns:p14="http://schemas.microsoft.com/office/powerpoint/2010/main" Requires="p14">
+      <p:transition spd="slow" p14:dur="2000"/>
+    </mc:Choice>
+    <mc:Fallback>
+      <p:transition spd="slow"/>
+    </mc:Fallback>
+  </mc:AlternateContent>
 </p:sld>
 </file>
 
@@ -16558,7 +17589,7 @@
 </file>
 
 <file path=ppt/slides/slide5.xml><?xml version="1.0" encoding="utf-8"?>
-<p:sld xmlns:a="http://schemas.openxmlformats.org/drawingml/2006/main" xmlns:r="http://schemas.openxmlformats.org/officeDocument/2006/relationships" xmlns:p="http://schemas.openxmlformats.org/presentationml/2006/main">
+<p:sld xmlns:a="http://schemas.openxmlformats.org/drawingml/2006/main" xmlns:r="http://schemas.openxmlformats.org/officeDocument/2006/relationships" xmlns:p="http://schemas.openxmlformats.org/presentationml/2006/main" show="0">
   <p:cSld>
     <p:spTree>
       <p:nvGrpSpPr>
@@ -16692,7 +17723,7 @@
         </p:nvSpPr>
         <p:spPr>
           <a:xfrm>
-            <a:off x="728743" y="3852229"/>
+            <a:off x="592340" y="3836594"/>
             <a:ext cx="6372257" cy="369332"/>
           </a:xfrm>
           <a:prstGeom prst="rect">
@@ -16786,7 +17817,7 @@
         </p:nvSpPr>
         <p:spPr>
           <a:xfrm>
-            <a:off x="1096296" y="5087018"/>
+            <a:off x="636813" y="5071710"/>
             <a:ext cx="8321509" cy="646331"/>
           </a:xfrm>
           <a:prstGeom prst="rect">
@@ -16856,7 +17887,7 @@
         </p:nvSpPr>
         <p:spPr>
           <a:xfrm>
-            <a:off x="624722" y="3099831"/>
+            <a:off x="636813" y="2875726"/>
             <a:ext cx="10918374" cy="646331"/>
           </a:xfrm>
           <a:prstGeom prst="rect">
@@ -16984,6 +18015,14 @@
   <p:clrMapOvr>
     <a:masterClrMapping/>
   </p:clrMapOvr>
+  <mc:AlternateContent xmlns:mc="http://schemas.openxmlformats.org/markup-compatibility/2006">
+    <mc:Choice xmlns:p14="http://schemas.microsoft.com/office/powerpoint/2010/main" Requires="p14">
+      <p:transition spd="slow" p14:dur="2000"/>
+    </mc:Choice>
+    <mc:Fallback>
+      <p:transition spd="slow"/>
+    </mc:Fallback>
+  </mc:AlternateContent>
 </p:sld>
 </file>
 
@@ -17083,13 +18122,144 @@
         </p:nvSpPr>
         <p:spPr>
           <a:xfrm>
-            <a:off x="2496241" y="4469826"/>
-            <a:ext cx="8970726" cy="1200329"/>
+            <a:off x="1045706" y="5266862"/>
+            <a:ext cx="8886482" cy="369332"/>
           </a:xfrm>
           <a:prstGeom prst="rect">
             <a:avLst/>
           </a:prstGeom>
           <a:noFill/>
+        </p:spPr>
+        <p:txBody>
+          <a:bodyPr wrap="square" rtlCol="0">
+            <a:spAutoFit/>
+          </a:bodyPr>
+          <a:lstStyle/>
+          <a:p>
+            <a:r>
+              <a:rPr lang="en-US" altLang="ko-KR" dirty="0" smtClean="0"/>
+              <a:t>b</a:t>
+            </a:r>
+            <a:r>
+              <a:rPr lang="en-US" altLang="ko-KR" dirty="0"/>
+              <a:t>) </a:t>
+            </a:r>
+            <a:r>
+              <a:rPr lang="en-US" altLang="ko-KR" dirty="0" smtClean="0"/>
+              <a:t>proof</a:t>
+            </a:r>
+            <a:r>
+              <a:rPr lang="ko-KR" altLang="en-US" dirty="0" smtClean="0"/>
+              <a:t>는</a:t>
+            </a:r>
+            <a:r>
+              <a:rPr lang="ko-KR" altLang="en-US" dirty="0" smtClean="0"/>
+              <a:t> </a:t>
+            </a:r>
+            <a:r>
+              <a:rPr lang="en-US" altLang="ko-KR" dirty="0" smtClean="0"/>
+              <a:t>zero knowledge</a:t>
+            </a:r>
+            <a:r>
+              <a:rPr lang="ko-KR" altLang="en-US" dirty="0" smtClean="0"/>
+              <a:t>를 이용 </a:t>
+            </a:r>
+            <a:r>
+              <a:rPr lang="ko-KR" altLang="en-US" dirty="0" smtClean="0">
+                <a:solidFill>
+                  <a:schemeClr val="accent1">
+                    <a:lumMod val="50000"/>
+                  </a:schemeClr>
+                </a:solidFill>
+              </a:rPr>
+              <a:t>즉</a:t>
+            </a:r>
+            <a:r>
+              <a:rPr lang="en-US" altLang="ko-KR" dirty="0">
+                <a:solidFill>
+                  <a:schemeClr val="accent1">
+                    <a:lumMod val="50000"/>
+                  </a:schemeClr>
+                </a:solidFill>
+              </a:rPr>
+              <a:t>, </a:t>
+            </a:r>
+            <a:r>
+              <a:rPr lang="en-US" altLang="ko-KR" dirty="0" smtClean="0">
+                <a:solidFill>
+                  <a:schemeClr val="accent1">
+                    <a:lumMod val="50000"/>
+                  </a:schemeClr>
+                </a:solidFill>
+              </a:rPr>
+              <a:t>private</a:t>
+            </a:r>
+            <a:r>
+              <a:rPr lang="ko-KR" altLang="en-US" dirty="0" smtClean="0">
+                <a:solidFill>
+                  <a:schemeClr val="accent1">
+                    <a:lumMod val="50000"/>
+                  </a:schemeClr>
+                </a:solidFill>
+              </a:rPr>
+              <a:t> 데이터를 공개하지 </a:t>
+            </a:r>
+            <a:r>
+              <a:rPr lang="ko-KR" altLang="en-US" dirty="0">
+                <a:solidFill>
+                  <a:schemeClr val="accent1">
+                    <a:lumMod val="50000"/>
+                  </a:schemeClr>
+                </a:solidFill>
+              </a:rPr>
+              <a:t>않고 증명할 수 </a:t>
+            </a:r>
+            <a:r>
+              <a:rPr lang="ko-KR" altLang="en-US" dirty="0" smtClean="0">
+                <a:solidFill>
+                  <a:schemeClr val="accent1">
+                    <a:lumMod val="50000"/>
+                  </a:schemeClr>
+                </a:solidFill>
+              </a:rPr>
+              <a:t>있어야 함</a:t>
+            </a:r>
+            <a:endParaRPr lang="en-US" altLang="ko-KR" dirty="0">
+              <a:solidFill>
+                <a:schemeClr val="accent1">
+                  <a:lumMod val="50000"/>
+                </a:schemeClr>
+              </a:solidFill>
+            </a:endParaRPr>
+          </a:p>
+        </p:txBody>
+      </p:sp>
+      <p:sp>
+        <p:nvSpPr>
+          <p:cNvPr id="11" name="TextBox 10">
+            <a:extLst>
+              <a:ext uri="{FF2B5EF4-FFF2-40B4-BE49-F238E27FC236}">
+                <a16:creationId xmlns:a16="http://schemas.microsoft.com/office/drawing/2014/main" id="{454C1573-3446-4176-81B3-8833C15E9960}"/>
+              </a:ext>
+            </a:extLst>
+          </p:cNvPr>
+          <p:cNvSpPr txBox="1"/>
+          <p:nvPr/>
+        </p:nvSpPr>
+        <p:spPr>
+          <a:xfrm>
+            <a:off x="842147" y="1744108"/>
+            <a:ext cx="800219" cy="369332"/>
+          </a:xfrm>
+          <a:prstGeom prst="rect">
+            <a:avLst/>
+          </a:prstGeom>
+          <a:solidFill>
+            <a:schemeClr val="tx2">
+              <a:lumMod val="20000"/>
+              <a:lumOff val="80000"/>
+            </a:schemeClr>
+          </a:solidFill>
         </p:spPr>
         <p:txBody>
           <a:bodyPr wrap="none" rtlCol="0">
@@ -17098,148 +18268,37 @@
           <a:lstStyle/>
           <a:p>
             <a:r>
-              <a:rPr lang="ko-KR" altLang="en-US" dirty="0"/>
-              <a:t>위에서 언급 한 이점을 실현하려면 증명 시스템이 다음 두 가지 중요한 기준을 </a:t>
-            </a:r>
-            <a:r>
-              <a:rPr lang="ko-KR" altLang="en-US" dirty="0" err="1"/>
-              <a:t>충족해야합니다</a:t>
-            </a:r>
-            <a:r>
-              <a:rPr lang="en-US" altLang="ko-KR" dirty="0"/>
-              <a:t>. </a:t>
-            </a:r>
-          </a:p>
-          <a:p>
-            <a:pPr marL="342900" indent="-342900">
-              <a:buAutoNum type="alphaLcParenR"/>
-            </a:pPr>
-            <a:r>
-              <a:rPr lang="ko-KR" altLang="en-US" dirty="0"/>
-              <a:t>증명 검증은 원래 계산의 </a:t>
-            </a:r>
-            <a:r>
-              <a:rPr lang="en-US" altLang="ko-KR" dirty="0"/>
-              <a:t>(</a:t>
-            </a:r>
-            <a:r>
-              <a:rPr lang="ko-KR" altLang="en-US" dirty="0"/>
-              <a:t>재</a:t>
-            </a:r>
-            <a:r>
-              <a:rPr lang="en-US" altLang="ko-KR" dirty="0"/>
-              <a:t>) </a:t>
-            </a:r>
-            <a:r>
-              <a:rPr lang="ko-KR" altLang="en-US" dirty="0"/>
-              <a:t>실행보다 더 </a:t>
-            </a:r>
-            <a:r>
-              <a:rPr lang="ko-KR" altLang="en-US" dirty="0" err="1"/>
-              <a:t>빨라야합니다</a:t>
-            </a:r>
-            <a:r>
-              <a:rPr lang="en-US" altLang="ko-KR" dirty="0"/>
-              <a:t>. </a:t>
-            </a:r>
-          </a:p>
-          <a:p>
-            <a:r>
-              <a:rPr lang="en-US" altLang="ko-KR" dirty="0"/>
-              <a:t>b) </a:t>
-            </a:r>
-            <a:r>
-              <a:rPr lang="ko-KR" altLang="en-US" dirty="0"/>
-              <a:t>증명은 지식이 </a:t>
-            </a:r>
-            <a:r>
-              <a:rPr lang="ko-KR" altLang="en-US" dirty="0" err="1"/>
-              <a:t>없어야합니다</a:t>
-            </a:r>
-            <a:r>
-              <a:rPr lang="en-US" altLang="ko-KR" dirty="0"/>
-              <a:t>. </a:t>
-            </a:r>
-          </a:p>
-          <a:p>
-            <a:r>
-              <a:rPr lang="ko-KR" altLang="en-US" dirty="0"/>
-              <a:t>즉</a:t>
-            </a:r>
-            <a:r>
-              <a:rPr lang="en-US" altLang="ko-KR" dirty="0"/>
-              <a:t>, </a:t>
-            </a:r>
-            <a:r>
-              <a:rPr lang="ko-KR" altLang="en-US" dirty="0"/>
-              <a:t>개인 데이터에 대한 진술을 공개하지 않고 증명할 수 있어야합니다</a:t>
-            </a:r>
-            <a:r>
-              <a:rPr lang="en-US" altLang="ko-KR" dirty="0"/>
-              <a:t>. </a:t>
-            </a:r>
-          </a:p>
-        </p:txBody>
-      </p:sp>
-      <p:sp>
-        <p:nvSpPr>
-          <p:cNvPr id="11" name="TextBox 10">
-            <a:extLst>
-              <a:ext uri="{FF2B5EF4-FFF2-40B4-BE49-F238E27FC236}">
-                <a16:creationId xmlns:a16="http://schemas.microsoft.com/office/drawing/2014/main" id="{454C1573-3446-4176-81B3-8833C15E9960}"/>
-              </a:ext>
-            </a:extLst>
-          </p:cNvPr>
-          <p:cNvSpPr txBox="1"/>
-          <p:nvPr/>
-        </p:nvSpPr>
-        <p:spPr>
-          <a:xfrm>
-            <a:off x="1061447" y="1559442"/>
-            <a:ext cx="800219" cy="369332"/>
+              <a:rPr lang="ko-KR" altLang="en-US" b="1" dirty="0"/>
+              <a:t>기여 </a:t>
+            </a:r>
+            <a:r>
+              <a:rPr lang="en-US" altLang="ko-KR" b="1" dirty="0"/>
+              <a:t>1</a:t>
+            </a:r>
+          </a:p>
+        </p:txBody>
+      </p:sp>
+      <p:sp>
+        <p:nvSpPr>
+          <p:cNvPr id="3" name="직사각형 2">
+            <a:extLst>
+              <a:ext uri="{FF2B5EF4-FFF2-40B4-BE49-F238E27FC236}">
+                <a16:creationId xmlns:a16="http://schemas.microsoft.com/office/drawing/2014/main" id="{499160B3-0828-453C-9E45-9F8673BF8B3D}"/>
+              </a:ext>
+            </a:extLst>
+          </p:cNvPr>
+          <p:cNvSpPr/>
+          <p:nvPr/>
+        </p:nvSpPr>
+        <p:spPr>
+          <a:xfrm>
+            <a:off x="1699397" y="1600961"/>
+            <a:ext cx="7523734" cy="646331"/>
           </a:xfrm>
           <a:prstGeom prst="rect">
             <a:avLst/>
           </a:prstGeom>
           <a:noFill/>
-        </p:spPr>
-        <p:txBody>
-          <a:bodyPr wrap="none" rtlCol="0">
-            <a:spAutoFit/>
-          </a:bodyPr>
-          <a:lstStyle/>
-          <a:p>
-            <a:r>
-              <a:rPr lang="ko-KR" altLang="en-US" dirty="0"/>
-              <a:t>기여 </a:t>
-            </a:r>
-            <a:r>
-              <a:rPr lang="en-US" altLang="ko-KR" dirty="0"/>
-              <a:t>1</a:t>
-            </a:r>
-          </a:p>
-        </p:txBody>
-      </p:sp>
-      <p:sp>
-        <p:nvSpPr>
-          <p:cNvPr id="3" name="직사각형 2">
-            <a:extLst>
-              <a:ext uri="{FF2B5EF4-FFF2-40B4-BE49-F238E27FC236}">
-                <a16:creationId xmlns:a16="http://schemas.microsoft.com/office/drawing/2014/main" id="{499160B3-0828-453C-9E45-9F8673BF8B3D}"/>
-              </a:ext>
-            </a:extLst>
-          </p:cNvPr>
-          <p:cNvSpPr/>
-          <p:nvPr/>
-        </p:nvSpPr>
-        <p:spPr>
-          <a:xfrm>
-            <a:off x="966256" y="2111175"/>
-            <a:ext cx="9003856" cy="646331"/>
-          </a:xfrm>
-          <a:prstGeom prst="rect">
-            <a:avLst/>
-          </a:prstGeom>
         </p:spPr>
         <p:txBody>
           <a:bodyPr wrap="square">
@@ -17247,32 +18306,54 @@
           </a:bodyPr>
           <a:lstStyle/>
           <a:p>
-            <a:pPr marL="342900" indent="-342900">
-              <a:buAutoNum type="arabicParenR"/>
-            </a:pPr>
-            <a:r>
-              <a:rPr lang="ko-KR" altLang="en-US" dirty="0"/>
-              <a:t>먼저</a:t>
-            </a:r>
-            <a:r>
-              <a:rPr lang="en-US" altLang="ko-KR" dirty="0"/>
-              <a:t>, </a:t>
-            </a:r>
-            <a:r>
-              <a:rPr lang="ko-KR" altLang="en-US" dirty="0"/>
-              <a:t>비 대화식 제로 지식 증명을 기반으로 하는 오프 체인 처리 모델을 도입하여 </a:t>
+            <a:r>
+              <a:rPr lang="en-US" altLang="ko-KR" dirty="0" smtClean="0"/>
+              <a:t>Non-interactive zero-knowledge proof</a:t>
+            </a:r>
+            <a:r>
+              <a:rPr lang="ko-KR" altLang="en-US" dirty="0" smtClean="0"/>
+              <a:t> 기반의 </a:t>
+            </a:r>
+            <a:r>
+              <a:rPr lang="en-US" altLang="ko-KR" dirty="0" smtClean="0"/>
+              <a:t>off-chain</a:t>
+            </a:r>
+            <a:r>
+              <a:rPr lang="ko-KR" altLang="en-US" dirty="0" smtClean="0"/>
+              <a:t> </a:t>
+            </a:r>
+            <a:r>
+              <a:rPr lang="ko-KR" altLang="en-US" dirty="0"/>
+              <a:t>처리 모델을 </a:t>
+            </a:r>
+            <a:r>
+              <a:rPr lang="ko-KR" altLang="en-US" dirty="0" smtClean="0"/>
+              <a:t>도입 </a:t>
             </a:r>
             <a:endParaRPr lang="en-US" altLang="ko-KR" dirty="0"/>
           </a:p>
           <a:p>
             <a:r>
               <a:rPr lang="ko-KR" altLang="en-US" dirty="0"/>
-              <a:t>블록 체인 시스템의 트랜잭션 처리량 및 개인 정보 보호를 향상시킵니다</a:t>
-            </a:r>
-            <a:r>
-              <a:rPr lang="en-US" altLang="ko-KR" dirty="0"/>
-              <a:t>. </a:t>
-            </a:r>
+              <a:t>블록 체인 시스템의 트랜잭션 처리량 및 </a:t>
+            </a:r>
+            <a:r>
+              <a:rPr lang="en-US" altLang="ko-KR" dirty="0" smtClean="0"/>
+              <a:t>privacy</a:t>
+            </a:r>
+            <a:r>
+              <a:rPr lang="ko-KR" altLang="en-US" dirty="0" smtClean="0"/>
+              <a:t> </a:t>
+            </a:r>
+            <a:r>
+              <a:rPr lang="ko-KR" altLang="en-US" dirty="0"/>
+              <a:t>보호를 </a:t>
+            </a:r>
+            <a:r>
+              <a:rPr lang="ko-KR" altLang="en-US" dirty="0" smtClean="0"/>
+              <a:t>향상</a:t>
+            </a:r>
+            <a:endParaRPr lang="en-US" altLang="ko-KR" dirty="0"/>
           </a:p>
         </p:txBody>
       </p:sp>
@@ -17290,8 +18371,8 @@
         </p:nvSpPr>
         <p:spPr>
           <a:xfrm>
-            <a:off x="966256" y="2993327"/>
-            <a:ext cx="7915275" cy="369332"/>
+            <a:off x="1916271" y="2432014"/>
+            <a:ext cx="5302659" cy="369332"/>
           </a:xfrm>
           <a:prstGeom prst="rect">
             <a:avLst/>
@@ -17304,9 +18385,34 @@
           <a:lstStyle/>
           <a:p>
             <a:r>
-              <a:rPr lang="ko-KR" altLang="en-US" dirty="0"/>
-              <a:t>이 모델에서는 계산이 오프 체인으로 수행 된 후 결과가 블록 체인에 기록됩니다</a:t>
-            </a:r>
+              <a:rPr lang="en-US" altLang="ko-KR" dirty="0" smtClean="0"/>
+              <a:t>off-chain</a:t>
+            </a:r>
+            <a:r>
+              <a:rPr lang="ko-KR" altLang="en-US" dirty="0" smtClean="0"/>
+              <a:t>에서</a:t>
+            </a:r>
+            <a:r>
+              <a:rPr lang="en-US" altLang="ko-KR" dirty="0"/>
+              <a:t> </a:t>
+            </a:r>
+            <a:r>
+              <a:rPr lang="ko-KR" altLang="en-US" dirty="0" smtClean="0"/>
+              <a:t>계산을 한 후</a:t>
+            </a:r>
+            <a:r>
+              <a:rPr lang="ko-KR" altLang="en-US" dirty="0" smtClean="0"/>
+              <a:t> 결과를 </a:t>
+            </a:r>
+            <a:r>
+              <a:rPr lang="ko-KR" altLang="en-US" dirty="0" err="1" smtClean="0"/>
+              <a:t>블록체인에</a:t>
+            </a:r>
+            <a:r>
+              <a:rPr lang="ko-KR" altLang="en-US" dirty="0" smtClean="0"/>
+              <a:t> 기록</a:t>
+            </a:r>
+            <a:endParaRPr lang="ko-KR" altLang="en-US" dirty="0"/>
           </a:p>
         </p:txBody>
       </p:sp>
@@ -17324,8 +18430,8 @@
         </p:nvSpPr>
         <p:spPr>
           <a:xfrm>
-            <a:off x="1061446" y="3429000"/>
-            <a:ext cx="8463553" cy="369332"/>
+            <a:off x="1916271" y="2963381"/>
+            <a:ext cx="6456296" cy="369332"/>
           </a:xfrm>
           <a:prstGeom prst="rect">
             <a:avLst/>
@@ -17338,13 +18444,34 @@
           <a:lstStyle/>
           <a:p>
             <a:r>
-              <a:rPr lang="ko-KR" altLang="en-US" dirty="0"/>
-              <a:t>결과적으로 오프 체인 실행의 정확성을 증명하는 증거가 제공됩니다</a:t>
-            </a:r>
-            <a:r>
-              <a:rPr lang="en-US" altLang="ko-KR" dirty="0"/>
-              <a:t>. </a:t>
-            </a:r>
+              <a:rPr lang="en-US" altLang="ko-KR" dirty="0" smtClean="0"/>
+              <a:t>off-chain </a:t>
+            </a:r>
+            <a:r>
+              <a:rPr lang="ko-KR" altLang="en-US" dirty="0" smtClean="0"/>
+              <a:t>계산 결과의</a:t>
+            </a:r>
+            <a:r>
+              <a:rPr lang="ko-KR" altLang="en-US" dirty="0" smtClean="0"/>
+              <a:t> </a:t>
+            </a:r>
+            <a:r>
+              <a:rPr lang="ko-KR" altLang="en-US" dirty="0"/>
+              <a:t>정확성을 증명하는 </a:t>
+            </a:r>
+            <a:r>
+              <a:rPr lang="en-US" altLang="ko-KR" dirty="0" smtClean="0"/>
+              <a:t>proof</a:t>
+            </a:r>
+            <a:r>
+              <a:rPr lang="ko-KR" altLang="en-US" dirty="0"/>
+              <a:t>를</a:t>
+            </a:r>
+            <a:r>
+              <a:rPr lang="ko-KR" altLang="en-US" dirty="0" smtClean="0"/>
+              <a:t> 제공</a:t>
+            </a:r>
+            <a:endParaRPr lang="en-US" altLang="ko-KR" dirty="0"/>
           </a:p>
         </p:txBody>
       </p:sp>
@@ -17362,8 +18489,8 @@
         </p:nvSpPr>
         <p:spPr>
           <a:xfrm>
-            <a:off x="1061446" y="3798332"/>
-            <a:ext cx="3679212" cy="369332"/>
+            <a:off x="1916271" y="3493811"/>
+            <a:ext cx="3563348" cy="369332"/>
           </a:xfrm>
           <a:prstGeom prst="rect">
             <a:avLst/>
@@ -17376,13 +18503,26 @@
           <a:lstStyle/>
           <a:p>
             <a:r>
-              <a:rPr lang="ko-KR" altLang="en-US" dirty="0"/>
-              <a:t>그런 다음 블록 체인에서 검증됩니다</a:t>
-            </a:r>
-            <a:r>
-              <a:rPr lang="en-US" altLang="ko-KR" dirty="0"/>
-              <a:t>. </a:t>
-            </a:r>
+              <a:rPr lang="en-US" altLang="ko-KR" dirty="0" smtClean="0"/>
+              <a:t>proof</a:t>
+            </a:r>
+            <a:r>
+              <a:rPr lang="ko-KR" altLang="en-US" dirty="0" smtClean="0"/>
+              <a:t>를 이용해 블록 </a:t>
+            </a:r>
+            <a:r>
+              <a:rPr lang="ko-KR" altLang="en-US" dirty="0"/>
+              <a:t>체인에서 </a:t>
+            </a:r>
+            <a:r>
+              <a:rPr lang="ko-KR" altLang="en-US" dirty="0" smtClean="0"/>
+              <a:t>검증</a:t>
+            </a:r>
+            <a:r>
+              <a:rPr lang="en-US" altLang="ko-KR" dirty="0" smtClean="0"/>
+              <a:t> </a:t>
+            </a:r>
+            <a:endParaRPr lang="en-US" altLang="ko-KR" dirty="0"/>
           </a:p>
         </p:txBody>
       </p:sp>
@@ -17400,12 +18540,18 @@
         </p:nvSpPr>
         <p:spPr>
           <a:xfrm>
-            <a:off x="1559339" y="4977657"/>
-            <a:ext cx="604653" cy="369332"/>
+            <a:off x="838200" y="4297343"/>
+            <a:ext cx="3505640" cy="369332"/>
           </a:xfrm>
           <a:prstGeom prst="rect">
             <a:avLst/>
           </a:prstGeom>
+          <a:solidFill>
+            <a:schemeClr val="tx2">
+              <a:lumMod val="20000"/>
+              <a:lumOff val="80000"/>
+            </a:schemeClr>
+          </a:solidFill>
         </p:spPr>
         <p:txBody>
           <a:bodyPr wrap="none">
@@ -17414,93 +18560,107 @@
           <a:lstStyle/>
           <a:p>
             <a:r>
-              <a:rPr lang="ko-KR" altLang="en-US" dirty="0"/>
-              <a:t>기준</a:t>
-            </a:r>
-          </a:p>
-        </p:txBody>
-      </p:sp>
-      <p:sp>
-        <p:nvSpPr>
-          <p:cNvPr id="15" name="직사각형 14">
-            <a:extLst>
-              <a:ext uri="{FF2B5EF4-FFF2-40B4-BE49-F238E27FC236}">
-                <a16:creationId xmlns:a16="http://schemas.microsoft.com/office/drawing/2014/main" id="{E90EB83D-6F40-479D-9B38-193889D0B244}"/>
-              </a:ext>
-            </a:extLst>
-          </p:cNvPr>
+              <a:rPr lang="en-US" altLang="ko-KR" dirty="0" smtClean="0"/>
+              <a:t>proof </a:t>
+            </a:r>
+            <a:r>
+              <a:rPr lang="ko-KR" altLang="en-US" dirty="0" smtClean="0"/>
+              <a:t>시스템이 만족해야하는 조건</a:t>
+            </a:r>
+            <a:endParaRPr lang="ko-KR" altLang="en-US" dirty="0"/>
+          </a:p>
+        </p:txBody>
+      </p:sp>
+      <p:sp>
+        <p:nvSpPr>
+          <p:cNvPr id="17" name="슬라이드 번호 개체 틀 16">
+            <a:extLst>
+              <a:ext uri="{FF2B5EF4-FFF2-40B4-BE49-F238E27FC236}">
+                <a16:creationId xmlns:a16="http://schemas.microsoft.com/office/drawing/2014/main" id="{05869BC6-A5FA-43F4-A2FC-962B6AAE2734}"/>
+              </a:ext>
+            </a:extLst>
+          </p:cNvPr>
+          <p:cNvSpPr>
+            <a:spLocks noGrp="1"/>
+          </p:cNvSpPr>
+          <p:nvPr>
+            <p:ph type="sldNum" sz="quarter" idx="12"/>
+          </p:nvPr>
+        </p:nvSpPr>
+        <p:spPr/>
+        <p:txBody>
+          <a:bodyPr/>
+          <a:lstStyle/>
+          <a:p>
+            <a:fld id="{0C8B018D-4725-4759-B7E3-17F94AEFA4FA}" type="slidenum">
+              <a:rPr lang="ko-KR" altLang="en-US" smtClean="0"/>
+              <a:t>6</a:t>
+            </a:fld>
+            <a:endParaRPr lang="ko-KR" altLang="en-US" dirty="0"/>
+          </a:p>
+        </p:txBody>
+      </p:sp>
+      <p:cxnSp>
+        <p:nvCxnSpPr>
+          <p:cNvPr id="8" name="직선 연결선 7"/>
+          <p:cNvCxnSpPr/>
+          <p:nvPr/>
+        </p:nvCxnSpPr>
+        <p:spPr>
+          <a:xfrm>
+            <a:off x="1699397" y="2247292"/>
+            <a:ext cx="7462188" cy="0"/>
+          </a:xfrm>
+          <a:prstGeom prst="line">
+            <a:avLst/>
+          </a:prstGeom>
+          <a:ln>
+            <a:solidFill>
+              <a:schemeClr val="tx2">
+                <a:lumMod val="60000"/>
+                <a:lumOff val="40000"/>
+              </a:schemeClr>
+            </a:solidFill>
+          </a:ln>
+        </p:spPr>
+        <p:style>
+          <a:lnRef idx="1">
+            <a:schemeClr val="accent1"/>
+          </a:lnRef>
+          <a:fillRef idx="0">
+            <a:schemeClr val="accent1"/>
+          </a:fillRef>
+          <a:effectRef idx="0">
+            <a:schemeClr val="accent1"/>
+          </a:effectRef>
+          <a:fontRef idx="minor">
+            <a:schemeClr val="tx1"/>
+          </a:fontRef>
+        </p:style>
+      </p:cxnSp>
+      <p:sp>
+        <p:nvSpPr>
+          <p:cNvPr id="10" name="오른쪽 화살표 9"/>
           <p:cNvSpPr/>
           <p:nvPr/>
         </p:nvSpPr>
         <p:spPr>
           <a:xfrm>
-            <a:off x="1096296" y="5879984"/>
-            <a:ext cx="10000917" cy="646331"/>
-          </a:xfrm>
-          <a:prstGeom prst="rect">
-            <a:avLst/>
-          </a:prstGeom>
-        </p:spPr>
-        <p:txBody>
-          <a:bodyPr wrap="square">
-            <a:spAutoFit/>
-          </a:bodyPr>
-          <a:lstStyle/>
-          <a:p>
-            <a:r>
-              <a:rPr lang="ko-KR" altLang="en-US" dirty="0"/>
-              <a:t>적절한 증거 시스템과 오프 체인 처리 모델을 결합하여 </a:t>
-            </a:r>
-            <a:endParaRPr lang="en-US" altLang="ko-KR" dirty="0"/>
-          </a:p>
-          <a:p>
-            <a:r>
-              <a:rPr lang="ko-KR" altLang="en-US" dirty="0"/>
-              <a:t>블록 체인 </a:t>
-            </a:r>
-            <a:r>
-              <a:rPr lang="ko-KR" altLang="en-US" dirty="0" err="1"/>
-              <a:t>거래를보다</a:t>
-            </a:r>
-            <a:r>
-              <a:rPr lang="ko-KR" altLang="en-US" dirty="0"/>
-              <a:t> 확장 가능하고 개인 정보 보호 방식으로 처리 할 </a:t>
-            </a:r>
-            <a:r>
-              <a:rPr lang="ko-KR" altLang="en-US" dirty="0" err="1"/>
-              <a:t>수있는</a:t>
-            </a:r>
-            <a:r>
-              <a:rPr lang="ko-KR" altLang="en-US" dirty="0"/>
-              <a:t> 수단을 제공합니다</a:t>
-            </a:r>
-            <a:r>
-              <a:rPr lang="en-US" altLang="ko-KR" dirty="0"/>
-              <a:t>.</a:t>
-            </a:r>
-          </a:p>
-        </p:txBody>
-      </p:sp>
-      <p:sp>
-        <p:nvSpPr>
-          <p:cNvPr id="16" name="타원 15">
-            <a:extLst>
-              <a:ext uri="{FF2B5EF4-FFF2-40B4-BE49-F238E27FC236}">
-                <a16:creationId xmlns:a16="http://schemas.microsoft.com/office/drawing/2014/main" id="{9B0848EA-780A-426C-8F85-FC25ED192175}"/>
-              </a:ext>
-            </a:extLst>
-          </p:cNvPr>
-          <p:cNvSpPr/>
-          <p:nvPr/>
-        </p:nvSpPr>
-        <p:spPr>
-          <a:xfrm>
-            <a:off x="11029950" y="311705"/>
-            <a:ext cx="647700" cy="647700"/>
-          </a:xfrm>
-          <a:prstGeom prst="ellipse">
-            <a:avLst/>
-          </a:prstGeom>
+            <a:off x="1714678" y="2523280"/>
+            <a:ext cx="216874" cy="193543"/>
+          </a:xfrm>
+          <a:prstGeom prst="rightArrow">
+            <a:avLst/>
+          </a:prstGeom>
+          <a:solidFill>
+            <a:schemeClr val="tx2">
+              <a:lumMod val="40000"/>
+              <a:lumOff val="60000"/>
+            </a:schemeClr>
+          </a:solidFill>
+          <a:ln>
+            <a:noFill/>
+          </a:ln>
         </p:spPr>
         <p:style>
           <a:lnRef idx="2">
@@ -17529,30 +18689,154 @@
       </p:sp>
       <p:sp>
         <p:nvSpPr>
-          <p:cNvPr id="17" name="슬라이드 번호 개체 틀 16">
-            <a:extLst>
-              <a:ext uri="{FF2B5EF4-FFF2-40B4-BE49-F238E27FC236}">
-                <a16:creationId xmlns:a16="http://schemas.microsoft.com/office/drawing/2014/main" id="{05869BC6-A5FA-43F4-A2FC-962B6AAE2734}"/>
-              </a:ext>
-            </a:extLst>
-          </p:cNvPr>
-          <p:cNvSpPr>
-            <a:spLocks noGrp="1"/>
-          </p:cNvSpPr>
-          <p:nvPr>
-            <p:ph type="sldNum" sz="quarter" idx="12"/>
-          </p:nvPr>
-        </p:nvSpPr>
-        <p:spPr/>
-        <p:txBody>
-          <a:bodyPr/>
-          <a:lstStyle/>
-          <a:p>
-            <a:fld id="{0C8B018D-4725-4759-B7E3-17F94AEFA4FA}" type="slidenum">
-              <a:rPr lang="ko-KR" altLang="en-US" smtClean="0"/>
-              <a:t>6</a:t>
-            </a:fld>
+          <p:cNvPr id="18" name="오른쪽 화살표 17"/>
+          <p:cNvSpPr/>
+          <p:nvPr/>
+        </p:nvSpPr>
+        <p:spPr>
+          <a:xfrm>
+            <a:off x="1714678" y="3080676"/>
+            <a:ext cx="216874" cy="193543"/>
+          </a:xfrm>
+          <a:prstGeom prst="rightArrow">
+            <a:avLst/>
+          </a:prstGeom>
+          <a:solidFill>
+            <a:schemeClr val="tx2">
+              <a:lumMod val="40000"/>
+              <a:lumOff val="60000"/>
+            </a:schemeClr>
+          </a:solidFill>
+          <a:ln>
+            <a:noFill/>
+          </a:ln>
+        </p:spPr>
+        <p:style>
+          <a:lnRef idx="2">
+            <a:schemeClr val="accent1">
+              <a:shade val="50000"/>
+            </a:schemeClr>
+          </a:lnRef>
+          <a:fillRef idx="1">
+            <a:schemeClr val="accent1"/>
+          </a:fillRef>
+          <a:effectRef idx="0">
+            <a:schemeClr val="accent1"/>
+          </a:effectRef>
+          <a:fontRef idx="minor">
+            <a:schemeClr val="lt1"/>
+          </a:fontRef>
+        </p:style>
+        <p:txBody>
+          <a:bodyPr rtlCol="0" anchor="ctr"/>
+          <a:lstStyle/>
+          <a:p>
+            <a:pPr algn="ctr"/>
             <a:endParaRPr lang="ko-KR" altLang="en-US"/>
+          </a:p>
+        </p:txBody>
+      </p:sp>
+      <p:sp>
+        <p:nvSpPr>
+          <p:cNvPr id="19" name="오른쪽 화살표 18"/>
+          <p:cNvSpPr/>
+          <p:nvPr/>
+        </p:nvSpPr>
+        <p:spPr>
+          <a:xfrm>
+            <a:off x="1714678" y="3599794"/>
+            <a:ext cx="216874" cy="193543"/>
+          </a:xfrm>
+          <a:prstGeom prst="rightArrow">
+            <a:avLst/>
+          </a:prstGeom>
+          <a:solidFill>
+            <a:schemeClr val="tx2">
+              <a:lumMod val="40000"/>
+              <a:lumOff val="60000"/>
+            </a:schemeClr>
+          </a:solidFill>
+          <a:ln>
+            <a:noFill/>
+          </a:ln>
+        </p:spPr>
+        <p:style>
+          <a:lnRef idx="2">
+            <a:schemeClr val="accent1">
+              <a:shade val="50000"/>
+            </a:schemeClr>
+          </a:lnRef>
+          <a:fillRef idx="1">
+            <a:schemeClr val="accent1"/>
+          </a:fillRef>
+          <a:effectRef idx="0">
+            <a:schemeClr val="accent1"/>
+          </a:effectRef>
+          <a:fontRef idx="minor">
+            <a:schemeClr val="lt1"/>
+          </a:fontRef>
+        </p:style>
+        <p:txBody>
+          <a:bodyPr rtlCol="0" anchor="ctr"/>
+          <a:lstStyle/>
+          <a:p>
+            <a:pPr algn="ctr"/>
+            <a:endParaRPr lang="ko-KR" altLang="en-US"/>
+          </a:p>
+        </p:txBody>
+      </p:sp>
+      <p:sp>
+        <p:nvSpPr>
+          <p:cNvPr id="20" name="직사각형 19"/>
+          <p:cNvSpPr/>
+          <p:nvPr/>
+        </p:nvSpPr>
+        <p:spPr>
+          <a:xfrm>
+            <a:off x="1045706" y="4766873"/>
+            <a:ext cx="5544659" cy="369332"/>
+          </a:xfrm>
+          <a:prstGeom prst="rect">
+            <a:avLst/>
+          </a:prstGeom>
+        </p:spPr>
+        <p:txBody>
+          <a:bodyPr wrap="none">
+            <a:spAutoFit/>
+          </a:bodyPr>
+          <a:lstStyle/>
+          <a:p>
+            <a:pPr marL="342900" indent="-342900">
+              <a:buAutoNum type="alphaLcParenR"/>
+            </a:pPr>
+            <a:r>
+              <a:rPr lang="en-US" altLang="ko-KR" dirty="0"/>
+              <a:t>proof</a:t>
+            </a:r>
+            <a:r>
+              <a:rPr lang="ko-KR" altLang="en-US" dirty="0"/>
+              <a:t> 검증은 원래 계산의 </a:t>
+            </a:r>
+            <a:r>
+              <a:rPr lang="en-US" altLang="ko-KR" dirty="0"/>
+              <a:t>(</a:t>
+            </a:r>
+            <a:r>
+              <a:rPr lang="ko-KR" altLang="en-US" dirty="0"/>
+              <a:t>재</a:t>
+            </a:r>
+            <a:r>
+              <a:rPr lang="en-US" altLang="ko-KR" dirty="0"/>
+              <a:t>) </a:t>
+            </a:r>
+            <a:r>
+              <a:rPr lang="ko-KR" altLang="en-US" dirty="0"/>
+              <a:t>실행보다 더 빨라야 함</a:t>
+            </a:r>
+            <a:r>
+              <a:rPr lang="en-US" altLang="ko-KR" dirty="0"/>
+              <a:t> </a:t>
+            </a:r>
           </a:p>
         </p:txBody>
       </p:sp>
@@ -17588,324 +18872,27 @@
       </p:grpSpPr>
       <p:sp>
         <p:nvSpPr>
-          <p:cNvPr id="2" name="제목 1">
-            <a:extLst>
-              <a:ext uri="{FF2B5EF4-FFF2-40B4-BE49-F238E27FC236}">
-                <a16:creationId xmlns:a16="http://schemas.microsoft.com/office/drawing/2014/main" id="{2C2FCBF3-EF7D-469A-BB73-599383118726}"/>
-              </a:ext>
-            </a:extLst>
-          </p:cNvPr>
-          <p:cNvSpPr>
-            <a:spLocks noGrp="1"/>
-          </p:cNvSpPr>
-          <p:nvPr>
-            <p:ph type="title"/>
-          </p:nvPr>
-        </p:nvSpPr>
-        <p:spPr/>
-        <p:txBody>
-          <a:bodyPr/>
-          <a:lstStyle/>
-          <a:p>
-            <a:r>
-              <a:rPr lang="en-US" altLang="ko-KR" dirty="0"/>
-              <a:t>Contribution</a:t>
-            </a:r>
-            <a:endParaRPr lang="ko-KR" altLang="en-US" dirty="0"/>
-          </a:p>
-        </p:txBody>
-      </p:sp>
-      <p:sp>
-        <p:nvSpPr>
-          <p:cNvPr id="4" name="TextBox 3">
-            <a:extLst>
-              <a:ext uri="{FF2B5EF4-FFF2-40B4-BE49-F238E27FC236}">
-                <a16:creationId xmlns:a16="http://schemas.microsoft.com/office/drawing/2014/main" id="{968F74FA-C2CB-4276-907B-020CCBC5D827}"/>
-              </a:ext>
-            </a:extLst>
-          </p:cNvPr>
-          <p:cNvSpPr txBox="1"/>
-          <p:nvPr/>
-        </p:nvSpPr>
-        <p:spPr>
-          <a:xfrm>
-            <a:off x="330926" y="311705"/>
-            <a:ext cx="1530740" cy="369332"/>
+          <p:cNvPr id="9" name="직사각형 8"/>
+          <p:cNvSpPr/>
+          <p:nvPr/>
+        </p:nvSpPr>
+        <p:spPr>
+          <a:xfrm>
+            <a:off x="4158157" y="1994194"/>
+            <a:ext cx="1749669" cy="272948"/>
           </a:xfrm>
           <a:prstGeom prst="rect">
             <a:avLst/>
           </a:prstGeom>
-          <a:noFill/>
-        </p:spPr>
-        <p:txBody>
-          <a:bodyPr wrap="none" rtlCol="0">
-            <a:spAutoFit/>
-          </a:bodyPr>
-          <a:lstStyle/>
-          <a:p>
-            <a:r>
-              <a:rPr lang="en-US" altLang="ko-KR" dirty="0"/>
-              <a:t>Introduction</a:t>
-            </a:r>
-            <a:endParaRPr lang="ko-KR" altLang="en-US" dirty="0"/>
-          </a:p>
-        </p:txBody>
-      </p:sp>
-      <p:sp>
-        <p:nvSpPr>
-          <p:cNvPr id="6" name="TextBox 5">
-            <a:extLst>
-              <a:ext uri="{FF2B5EF4-FFF2-40B4-BE49-F238E27FC236}">
-                <a16:creationId xmlns:a16="http://schemas.microsoft.com/office/drawing/2014/main" id="{C3180414-1167-4427-AA60-8FC9B42896DD}"/>
-              </a:ext>
-            </a:extLst>
-          </p:cNvPr>
-          <p:cNvSpPr txBox="1"/>
-          <p:nvPr/>
-        </p:nvSpPr>
-        <p:spPr>
-          <a:xfrm>
-            <a:off x="728743" y="1756884"/>
-            <a:ext cx="8913017" cy="369332"/>
-          </a:xfrm>
-          <a:prstGeom prst="rect">
-            <a:avLst/>
-          </a:prstGeom>
-          <a:noFill/>
-        </p:spPr>
-        <p:txBody>
-          <a:bodyPr wrap="none" rtlCol="0">
-            <a:spAutoFit/>
-          </a:bodyPr>
-          <a:lstStyle/>
-          <a:p>
-            <a:r>
-              <a:rPr lang="en-US" altLang="ko-KR" dirty="0"/>
-              <a:t>2) </a:t>
-            </a:r>
-            <a:r>
-              <a:rPr lang="ko-KR" altLang="en-US" dirty="0"/>
-              <a:t>적합한 암호화 검증 가능한 계산 체계가 </a:t>
-            </a:r>
-            <a:r>
-              <a:rPr lang="ko-KR" altLang="en-US" dirty="0" smtClean="0"/>
-              <a:t>있지만 이를 </a:t>
-            </a:r>
-            <a:r>
-              <a:rPr lang="ko-KR" altLang="en-US" dirty="0"/>
-              <a:t>블록 체인에 적용하는 것은 어렵습니다</a:t>
-            </a:r>
-            <a:r>
-              <a:rPr lang="en-US" altLang="ko-KR" dirty="0"/>
-              <a:t>.</a:t>
-            </a:r>
-          </a:p>
-        </p:txBody>
-      </p:sp>
-      <p:sp>
-        <p:nvSpPr>
-          <p:cNvPr id="7" name="TextBox 6">
-            <a:extLst>
-              <a:ext uri="{FF2B5EF4-FFF2-40B4-BE49-F238E27FC236}">
-                <a16:creationId xmlns:a16="http://schemas.microsoft.com/office/drawing/2014/main" id="{9F16A3DC-F0EC-454B-A47F-FF78A727636E}"/>
-              </a:ext>
-            </a:extLst>
-          </p:cNvPr>
-          <p:cNvSpPr txBox="1"/>
-          <p:nvPr/>
-        </p:nvSpPr>
-        <p:spPr>
-          <a:xfrm>
-            <a:off x="1096296" y="2837693"/>
-            <a:ext cx="7233070" cy="369332"/>
-          </a:xfrm>
-          <a:prstGeom prst="rect">
-            <a:avLst/>
-          </a:prstGeom>
-          <a:noFill/>
-        </p:spPr>
-        <p:txBody>
-          <a:bodyPr wrap="none" rtlCol="0">
-            <a:spAutoFit/>
-          </a:bodyPr>
-          <a:lstStyle/>
-          <a:p>
-            <a:r>
-              <a:rPr lang="ko-KR" altLang="en-US"/>
-              <a:t>온 체인 검증은 매우 복잡하며 사용 된 체계에 대한 깊은 지식이 필요합니다</a:t>
-            </a:r>
-            <a:r>
-              <a:rPr lang="en-US" altLang="ko-KR"/>
-              <a:t>. </a:t>
-            </a:r>
-            <a:endParaRPr lang="en-US" altLang="ko-KR" dirty="0"/>
-          </a:p>
-        </p:txBody>
-      </p:sp>
-      <p:sp>
-        <p:nvSpPr>
-          <p:cNvPr id="8" name="TextBox 7">
-            <a:extLst>
-              <a:ext uri="{FF2B5EF4-FFF2-40B4-BE49-F238E27FC236}">
-                <a16:creationId xmlns:a16="http://schemas.microsoft.com/office/drawing/2014/main" id="{E942F1DA-A055-4800-ABDD-B8163CAA6F25}"/>
-              </a:ext>
-            </a:extLst>
-          </p:cNvPr>
-          <p:cNvSpPr txBox="1"/>
-          <p:nvPr/>
-        </p:nvSpPr>
-        <p:spPr>
-          <a:xfrm>
-            <a:off x="838200" y="3549170"/>
-            <a:ext cx="8462573" cy="646331"/>
-          </a:xfrm>
-          <a:prstGeom prst="rect">
-            <a:avLst/>
-          </a:prstGeom>
-          <a:noFill/>
-        </p:spPr>
-        <p:txBody>
-          <a:bodyPr wrap="none" rtlCol="0">
-            <a:spAutoFit/>
-          </a:bodyPr>
-          <a:lstStyle/>
-          <a:p>
-            <a:r>
-              <a:rPr lang="ko-KR" altLang="en-US" dirty="0"/>
-              <a:t>해결책으로 </a:t>
-            </a:r>
-            <a:r>
-              <a:rPr lang="en-US" altLang="ko-KR" dirty="0" err="1"/>
-              <a:t>zkSNARK</a:t>
-            </a:r>
-            <a:r>
-              <a:rPr lang="ko-KR" altLang="en-US" dirty="0"/>
-              <a:t>를 증명 시스템으로 사용하여 위의 오프 체인 처리 모델을 지원하는</a:t>
-            </a:r>
-            <a:endParaRPr lang="en-US" altLang="ko-KR" dirty="0"/>
-          </a:p>
-          <a:p>
-            <a:r>
-              <a:rPr lang="ko-KR" altLang="en-US" dirty="0"/>
-              <a:t> 소프트웨어 도구 세트 인 </a:t>
-            </a:r>
-            <a:r>
-              <a:rPr lang="en-US" altLang="ko-KR" dirty="0" err="1"/>
-              <a:t>ZoKrates</a:t>
-            </a:r>
-            <a:r>
-              <a:rPr lang="ko-KR" altLang="en-US" dirty="0"/>
-              <a:t>를 소개합니다</a:t>
-            </a:r>
-            <a:r>
-              <a:rPr lang="en-US" altLang="ko-KR" dirty="0"/>
-              <a:t>.</a:t>
-            </a:r>
-          </a:p>
-        </p:txBody>
-      </p:sp>
-      <p:sp>
-        <p:nvSpPr>
-          <p:cNvPr id="10" name="TextBox 9">
-            <a:extLst>
-              <a:ext uri="{FF2B5EF4-FFF2-40B4-BE49-F238E27FC236}">
-                <a16:creationId xmlns:a16="http://schemas.microsoft.com/office/drawing/2014/main" id="{51F0EAC3-1BD3-4EDB-B86E-0B24A67D8426}"/>
-              </a:ext>
-            </a:extLst>
-          </p:cNvPr>
-          <p:cNvSpPr txBox="1"/>
-          <p:nvPr/>
-        </p:nvSpPr>
-        <p:spPr>
-          <a:xfrm>
-            <a:off x="1096296" y="2317195"/>
-            <a:ext cx="6046848" cy="369332"/>
-          </a:xfrm>
-          <a:prstGeom prst="rect">
-            <a:avLst/>
-          </a:prstGeom>
-          <a:noFill/>
-        </p:spPr>
-        <p:txBody>
-          <a:bodyPr wrap="none" rtlCol="0">
-            <a:spAutoFit/>
-          </a:bodyPr>
-          <a:lstStyle/>
-          <a:p>
-            <a:r>
-              <a:rPr lang="ko-KR" altLang="en-US" dirty="0"/>
-              <a:t>계산은 사용하기 어려운 낮은 수준의 추상화로 </a:t>
-            </a:r>
-            <a:r>
-              <a:rPr lang="ko-KR" altLang="en-US" dirty="0" err="1"/>
-              <a:t>지정해야합니다</a:t>
-            </a:r>
-            <a:r>
-              <a:rPr lang="en-US" altLang="ko-KR" dirty="0"/>
-              <a:t>.</a:t>
-            </a:r>
-          </a:p>
-        </p:txBody>
-      </p:sp>
-      <p:sp>
-        <p:nvSpPr>
-          <p:cNvPr id="12" name="TextBox 11">
-            <a:extLst>
-              <a:ext uri="{FF2B5EF4-FFF2-40B4-BE49-F238E27FC236}">
-                <a16:creationId xmlns:a16="http://schemas.microsoft.com/office/drawing/2014/main" id="{16D025F9-5796-44B7-8819-967185839BCE}"/>
-              </a:ext>
-            </a:extLst>
-          </p:cNvPr>
-          <p:cNvSpPr txBox="1"/>
-          <p:nvPr/>
-        </p:nvSpPr>
-        <p:spPr>
-          <a:xfrm>
-            <a:off x="1061447" y="1416846"/>
-            <a:ext cx="800219" cy="369332"/>
-          </a:xfrm>
-          <a:prstGeom prst="rect">
-            <a:avLst/>
-          </a:prstGeom>
-          <a:noFill/>
-        </p:spPr>
-        <p:txBody>
-          <a:bodyPr wrap="none" rtlCol="0">
-            <a:spAutoFit/>
-          </a:bodyPr>
-          <a:lstStyle/>
-          <a:p>
-            <a:r>
-              <a:rPr lang="ko-KR" altLang="en-US" dirty="0"/>
-              <a:t>기여 </a:t>
-            </a:r>
-            <a:r>
-              <a:rPr lang="en-US" altLang="ko-KR" dirty="0"/>
-              <a:t>2</a:t>
-            </a:r>
-          </a:p>
-        </p:txBody>
-      </p:sp>
-      <p:sp>
-        <p:nvSpPr>
-          <p:cNvPr id="13" name="타원 12">
-            <a:extLst>
-              <a:ext uri="{FF2B5EF4-FFF2-40B4-BE49-F238E27FC236}">
-                <a16:creationId xmlns:a16="http://schemas.microsoft.com/office/drawing/2014/main" id="{5F066A5F-9872-44F1-8DFC-5CF5036D0B52}"/>
-              </a:ext>
-            </a:extLst>
-          </p:cNvPr>
-          <p:cNvSpPr/>
-          <p:nvPr/>
-        </p:nvSpPr>
-        <p:spPr>
-          <a:xfrm>
-            <a:off x="11029950" y="311705"/>
-            <a:ext cx="647700" cy="647700"/>
-          </a:xfrm>
-          <a:prstGeom prst="ellipse">
-            <a:avLst/>
-          </a:prstGeom>
+          <a:solidFill>
+            <a:schemeClr val="tx2">
+              <a:lumMod val="20000"/>
+              <a:lumOff val="80000"/>
+            </a:schemeClr>
+          </a:solidFill>
+          <a:ln>
+            <a:noFill/>
+          </a:ln>
         </p:spPr>
         <p:style>
           <a:lnRef idx="2">
@@ -17934,6 +18921,412 @@
       </p:sp>
       <p:sp>
         <p:nvSpPr>
+          <p:cNvPr id="2" name="제목 1">
+            <a:extLst>
+              <a:ext uri="{FF2B5EF4-FFF2-40B4-BE49-F238E27FC236}">
+                <a16:creationId xmlns:a16="http://schemas.microsoft.com/office/drawing/2014/main" id="{2C2FCBF3-EF7D-469A-BB73-599383118726}"/>
+              </a:ext>
+            </a:extLst>
+          </p:cNvPr>
+          <p:cNvSpPr>
+            <a:spLocks noGrp="1"/>
+          </p:cNvSpPr>
+          <p:nvPr>
+            <p:ph type="title"/>
+          </p:nvPr>
+        </p:nvSpPr>
+        <p:spPr/>
+        <p:txBody>
+          <a:bodyPr/>
+          <a:lstStyle/>
+          <a:p>
+            <a:r>
+              <a:rPr lang="en-US" altLang="ko-KR" dirty="0"/>
+              <a:t>Contribution</a:t>
+            </a:r>
+            <a:endParaRPr lang="ko-KR" altLang="en-US" dirty="0"/>
+          </a:p>
+        </p:txBody>
+      </p:sp>
+      <p:sp>
+        <p:nvSpPr>
+          <p:cNvPr id="4" name="TextBox 3">
+            <a:extLst>
+              <a:ext uri="{FF2B5EF4-FFF2-40B4-BE49-F238E27FC236}">
+                <a16:creationId xmlns:a16="http://schemas.microsoft.com/office/drawing/2014/main" id="{968F74FA-C2CB-4276-907B-020CCBC5D827}"/>
+              </a:ext>
+            </a:extLst>
+          </p:cNvPr>
+          <p:cNvSpPr txBox="1"/>
+          <p:nvPr/>
+        </p:nvSpPr>
+        <p:spPr>
+          <a:xfrm>
+            <a:off x="330926" y="311705"/>
+            <a:ext cx="1530740" cy="369332"/>
+          </a:xfrm>
+          <a:prstGeom prst="rect">
+            <a:avLst/>
+          </a:prstGeom>
+          <a:noFill/>
+        </p:spPr>
+        <p:txBody>
+          <a:bodyPr wrap="none" rtlCol="0">
+            <a:spAutoFit/>
+          </a:bodyPr>
+          <a:lstStyle/>
+          <a:p>
+            <a:r>
+              <a:rPr lang="en-US" altLang="ko-KR" dirty="0"/>
+              <a:t>Introduction</a:t>
+            </a:r>
+            <a:endParaRPr lang="ko-KR" altLang="en-US" dirty="0"/>
+          </a:p>
+        </p:txBody>
+      </p:sp>
+      <p:sp>
+        <p:nvSpPr>
+          <p:cNvPr id="6" name="TextBox 5">
+            <a:extLst>
+              <a:ext uri="{FF2B5EF4-FFF2-40B4-BE49-F238E27FC236}">
+                <a16:creationId xmlns:a16="http://schemas.microsoft.com/office/drawing/2014/main" id="{C3180414-1167-4427-AA60-8FC9B42896DD}"/>
+              </a:ext>
+            </a:extLst>
+          </p:cNvPr>
+          <p:cNvSpPr txBox="1"/>
+          <p:nvPr/>
+        </p:nvSpPr>
+        <p:spPr>
+          <a:xfrm>
+            <a:off x="1322189" y="3851504"/>
+            <a:ext cx="6583854" cy="369332"/>
+          </a:xfrm>
+          <a:prstGeom prst="rect">
+            <a:avLst/>
+          </a:prstGeom>
+          <a:noFill/>
+        </p:spPr>
+        <p:txBody>
+          <a:bodyPr wrap="none" rtlCol="0">
+            <a:spAutoFit/>
+          </a:bodyPr>
+          <a:lstStyle/>
+          <a:p>
+            <a:r>
+              <a:rPr lang="ko-KR" altLang="en-US" dirty="0" smtClean="0"/>
+              <a:t>검증 체계에 적합한 암호화 기법이 있지만 </a:t>
+            </a:r>
+            <a:r>
+              <a:rPr lang="ko-KR" altLang="en-US" dirty="0"/>
+              <a:t>블록 체인에 </a:t>
+            </a:r>
+            <a:r>
+              <a:rPr lang="ko-KR" altLang="en-US" dirty="0" smtClean="0"/>
+              <a:t>적용이 어려움</a:t>
+            </a:r>
+            <a:endParaRPr lang="en-US" altLang="ko-KR" dirty="0"/>
+          </a:p>
+        </p:txBody>
+      </p:sp>
+      <p:sp>
+        <p:nvSpPr>
+          <p:cNvPr id="7" name="TextBox 6">
+            <a:extLst>
+              <a:ext uri="{FF2B5EF4-FFF2-40B4-BE49-F238E27FC236}">
+                <a16:creationId xmlns:a16="http://schemas.microsoft.com/office/drawing/2014/main" id="{9F16A3DC-F0EC-454B-A47F-FF78A727636E}"/>
+              </a:ext>
+            </a:extLst>
+          </p:cNvPr>
+          <p:cNvSpPr txBox="1"/>
+          <p:nvPr/>
+        </p:nvSpPr>
+        <p:spPr>
+          <a:xfrm>
+            <a:off x="1322189" y="4868878"/>
+            <a:ext cx="5979522" cy="369332"/>
+          </a:xfrm>
+          <a:prstGeom prst="rect">
+            <a:avLst/>
+          </a:prstGeom>
+          <a:noFill/>
+        </p:spPr>
+        <p:txBody>
+          <a:bodyPr wrap="none" rtlCol="0">
+            <a:spAutoFit/>
+          </a:bodyPr>
+          <a:lstStyle/>
+          <a:p>
+            <a:r>
+              <a:rPr lang="en-US" altLang="ko-KR" dirty="0" smtClean="0"/>
+              <a:t>on-chain </a:t>
+            </a:r>
+            <a:r>
+              <a:rPr lang="ko-KR" altLang="en-US" dirty="0" smtClean="0"/>
+              <a:t>검증은 </a:t>
+            </a:r>
+            <a:r>
+              <a:rPr lang="ko-KR" altLang="en-US" dirty="0"/>
+              <a:t>매우 </a:t>
+            </a:r>
+            <a:r>
+              <a:rPr lang="ko-KR" altLang="en-US" dirty="0" smtClean="0"/>
+              <a:t>복잡 </a:t>
+            </a:r>
+            <a:r>
+              <a:rPr lang="en-US" altLang="ko-KR" dirty="0" smtClean="0"/>
+              <a:t>&amp;</a:t>
+            </a:r>
+            <a:r>
+              <a:rPr lang="ko-KR" altLang="en-US" dirty="0" smtClean="0"/>
+              <a:t> 체계에 </a:t>
+            </a:r>
+            <a:r>
+              <a:rPr lang="ko-KR" altLang="en-US" dirty="0"/>
+              <a:t>대한 </a:t>
+            </a:r>
+            <a:r>
+              <a:rPr lang="ko-KR" altLang="en-US" dirty="0" smtClean="0"/>
+              <a:t>해박한</a:t>
+            </a:r>
+            <a:r>
+              <a:rPr lang="ko-KR" altLang="en-US" dirty="0" smtClean="0"/>
+              <a:t> 지식 요구</a:t>
+            </a:r>
+            <a:endParaRPr lang="en-US" altLang="ko-KR" dirty="0"/>
+          </a:p>
+        </p:txBody>
+      </p:sp>
+      <p:sp>
+        <p:nvSpPr>
+          <p:cNvPr id="8" name="TextBox 7">
+            <a:extLst>
+              <a:ext uri="{FF2B5EF4-FFF2-40B4-BE49-F238E27FC236}">
+                <a16:creationId xmlns:a16="http://schemas.microsoft.com/office/drawing/2014/main" id="{E942F1DA-A055-4800-ABDD-B8163CAA6F25}"/>
+              </a:ext>
+            </a:extLst>
+          </p:cNvPr>
+          <p:cNvSpPr txBox="1"/>
+          <p:nvPr/>
+        </p:nvSpPr>
+        <p:spPr>
+          <a:xfrm>
+            <a:off x="1861666" y="1674646"/>
+            <a:ext cx="6890239" cy="646331"/>
+          </a:xfrm>
+          <a:prstGeom prst="rect">
+            <a:avLst/>
+          </a:prstGeom>
+          <a:noFill/>
+        </p:spPr>
+        <p:txBody>
+          <a:bodyPr wrap="square" rtlCol="0">
+            <a:spAutoFit/>
+          </a:bodyPr>
+          <a:lstStyle/>
+          <a:p>
+            <a:r>
+              <a:rPr lang="en-US" altLang="ko-KR" dirty="0" err="1" smtClean="0"/>
+              <a:t>zkSNARK</a:t>
+            </a:r>
+            <a:r>
+              <a:rPr lang="ko-KR" altLang="en-US" dirty="0"/>
+              <a:t>를 </a:t>
+            </a:r>
+            <a:r>
+              <a:rPr lang="en-US" altLang="ko-KR" dirty="0" smtClean="0"/>
+              <a:t>proof</a:t>
+            </a:r>
+            <a:r>
+              <a:rPr lang="ko-KR" altLang="en-US" dirty="0" smtClean="0"/>
+              <a:t> </a:t>
+            </a:r>
+            <a:r>
+              <a:rPr lang="ko-KR" altLang="en-US" dirty="0"/>
+              <a:t>시스템으로 </a:t>
+            </a:r>
+            <a:r>
+              <a:rPr lang="ko-KR" altLang="en-US" dirty="0" smtClean="0"/>
+              <a:t>사용</a:t>
+            </a:r>
+            <a:r>
+              <a:rPr lang="ko-KR" altLang="en-US" dirty="0"/>
+              <a:t>해</a:t>
+            </a:r>
+            <a:r>
+              <a:rPr lang="ko-KR" altLang="en-US" dirty="0" smtClean="0"/>
+              <a:t> </a:t>
+            </a:r>
+            <a:r>
+              <a:rPr lang="en-US" altLang="ko-KR" dirty="0" smtClean="0"/>
+              <a:t>off-chain </a:t>
+            </a:r>
+            <a:r>
+              <a:rPr lang="ko-KR" altLang="en-US" dirty="0" smtClean="0"/>
+              <a:t>처리 </a:t>
+            </a:r>
+            <a:r>
+              <a:rPr lang="ko-KR" altLang="en-US" dirty="0"/>
+              <a:t>모델을 지원하는</a:t>
+            </a:r>
+            <a:endParaRPr lang="en-US" altLang="ko-KR" dirty="0"/>
+          </a:p>
+          <a:p>
+            <a:r>
+              <a:rPr lang="ko-KR" altLang="en-US" dirty="0" smtClean="0"/>
+              <a:t>소프트웨어 </a:t>
+            </a:r>
+            <a:r>
+              <a:rPr lang="ko-KR" altLang="en-US" dirty="0"/>
+              <a:t>도구 </a:t>
+            </a:r>
+            <a:r>
+              <a:rPr lang="en-US" altLang="ko-KR" dirty="0" smtClean="0"/>
+              <a:t>set</a:t>
+            </a:r>
+            <a:r>
+              <a:rPr lang="ko-KR" altLang="en-US" dirty="0" smtClean="0"/>
+              <a:t> </a:t>
+            </a:r>
+            <a:r>
+              <a:rPr lang="ko-KR" altLang="en-US" dirty="0"/>
+              <a:t>인 </a:t>
+            </a:r>
+            <a:r>
+              <a:rPr lang="en-US" altLang="ko-KR" dirty="0" err="1">
+                <a:solidFill>
+                  <a:schemeClr val="accent1">
+                    <a:lumMod val="50000"/>
+                  </a:schemeClr>
+                </a:solidFill>
+              </a:rPr>
+              <a:t>ZoKrates</a:t>
+            </a:r>
+            <a:r>
+              <a:rPr lang="ko-KR" altLang="en-US" dirty="0">
+                <a:solidFill>
+                  <a:schemeClr val="accent1">
+                    <a:lumMod val="50000"/>
+                  </a:schemeClr>
+                </a:solidFill>
+              </a:rPr>
+              <a:t>를 </a:t>
+            </a:r>
+            <a:r>
+              <a:rPr lang="ko-KR" altLang="en-US" dirty="0" smtClean="0">
+                <a:solidFill>
+                  <a:schemeClr val="accent1">
+                    <a:lumMod val="50000"/>
+                  </a:schemeClr>
+                </a:solidFill>
+              </a:rPr>
+              <a:t>소개</a:t>
+            </a:r>
+            <a:endParaRPr lang="en-US" altLang="ko-KR" dirty="0">
+              <a:solidFill>
+                <a:schemeClr val="accent1">
+                  <a:lumMod val="50000"/>
+                </a:schemeClr>
+              </a:solidFill>
+            </a:endParaRPr>
+          </a:p>
+        </p:txBody>
+      </p:sp>
+      <p:sp>
+        <p:nvSpPr>
+          <p:cNvPr id="10" name="TextBox 9">
+            <a:extLst>
+              <a:ext uri="{FF2B5EF4-FFF2-40B4-BE49-F238E27FC236}">
+                <a16:creationId xmlns:a16="http://schemas.microsoft.com/office/drawing/2014/main" id="{51F0EAC3-1BD3-4EDB-B86E-0B24A67D8426}"/>
+              </a:ext>
+            </a:extLst>
+          </p:cNvPr>
+          <p:cNvSpPr txBox="1"/>
+          <p:nvPr/>
+        </p:nvSpPr>
+        <p:spPr>
+          <a:xfrm>
+            <a:off x="1322189" y="4360191"/>
+            <a:ext cx="5671937" cy="369332"/>
+          </a:xfrm>
+          <a:prstGeom prst="rect">
+            <a:avLst/>
+          </a:prstGeom>
+          <a:noFill/>
+        </p:spPr>
+        <p:txBody>
+          <a:bodyPr wrap="none" rtlCol="0">
+            <a:spAutoFit/>
+          </a:bodyPr>
+          <a:lstStyle/>
+          <a:p>
+            <a:r>
+              <a:rPr lang="en-US" altLang="ko-KR" dirty="0" smtClean="0"/>
+              <a:t>low level</a:t>
+            </a:r>
+            <a:r>
+              <a:rPr lang="ko-KR" altLang="en-US" dirty="0" smtClean="0"/>
+              <a:t>이고</a:t>
+            </a:r>
+            <a:r>
+              <a:rPr lang="en-US" altLang="ko-KR" dirty="0" smtClean="0"/>
+              <a:t>, </a:t>
+            </a:r>
+            <a:r>
+              <a:rPr lang="ko-KR" altLang="en-US" dirty="0" smtClean="0"/>
+              <a:t>사용하기 어려운 환경에 적합한 연산이 필요</a:t>
+            </a:r>
+            <a:endParaRPr lang="en-US" altLang="ko-KR" dirty="0"/>
+          </a:p>
+        </p:txBody>
+      </p:sp>
+      <p:sp>
+        <p:nvSpPr>
+          <p:cNvPr id="13" name="타원 12">
+            <a:extLst>
+              <a:ext uri="{FF2B5EF4-FFF2-40B4-BE49-F238E27FC236}">
+                <a16:creationId xmlns:a16="http://schemas.microsoft.com/office/drawing/2014/main" id="{5F066A5F-9872-44F1-8DFC-5CF5036D0B52}"/>
+              </a:ext>
+            </a:extLst>
+          </p:cNvPr>
+          <p:cNvSpPr/>
+          <p:nvPr/>
+        </p:nvSpPr>
+        <p:spPr>
+          <a:xfrm>
+            <a:off x="11029950" y="311705"/>
+            <a:ext cx="647700" cy="647700"/>
+          </a:xfrm>
+          <a:prstGeom prst="ellipse">
+            <a:avLst/>
+          </a:prstGeom>
+        </p:spPr>
+        <p:style>
+          <a:lnRef idx="2">
+            <a:schemeClr val="accent1">
+              <a:shade val="50000"/>
+            </a:schemeClr>
+          </a:lnRef>
+          <a:fillRef idx="1">
+            <a:schemeClr val="accent1"/>
+          </a:fillRef>
+          <a:effectRef idx="0">
+            <a:schemeClr val="accent1"/>
+          </a:effectRef>
+          <a:fontRef idx="minor">
+            <a:schemeClr val="lt1"/>
+          </a:fontRef>
+        </p:style>
+        <p:txBody>
+          <a:bodyPr rtlCol="0" anchor="ctr"/>
+          <a:lstStyle/>
+          <a:p>
+            <a:pPr algn="ctr"/>
+            <a:endParaRPr lang="ko-KR" altLang="en-US"/>
+          </a:p>
+        </p:txBody>
+      </p:sp>
+      <p:sp>
+        <p:nvSpPr>
           <p:cNvPr id="14" name="슬라이드 번호 개체 틀 13">
             <a:extLst>
               <a:ext uri="{FF2B5EF4-FFF2-40B4-BE49-F238E27FC236}">
@@ -17958,6 +19351,130 @@
               <a:t>7</a:t>
             </a:fld>
             <a:endParaRPr lang="ko-KR" altLang="en-US"/>
+          </a:p>
+        </p:txBody>
+      </p:sp>
+      <p:sp>
+        <p:nvSpPr>
+          <p:cNvPr id="11" name="TextBox 10">
+            <a:extLst>
+              <a:ext uri="{FF2B5EF4-FFF2-40B4-BE49-F238E27FC236}">
+                <a16:creationId xmlns:a16="http://schemas.microsoft.com/office/drawing/2014/main" id="{454C1573-3446-4176-81B3-8833C15E9960}"/>
+              </a:ext>
+            </a:extLst>
+          </p:cNvPr>
+          <p:cNvSpPr txBox="1"/>
+          <p:nvPr/>
+        </p:nvSpPr>
+        <p:spPr>
+          <a:xfrm>
+            <a:off x="842147" y="1744108"/>
+            <a:ext cx="801823" cy="369332"/>
+          </a:xfrm>
+          <a:prstGeom prst="rect">
+            <a:avLst/>
+          </a:prstGeom>
+          <a:solidFill>
+            <a:schemeClr val="tx2">
+              <a:lumMod val="20000"/>
+              <a:lumOff val="80000"/>
+            </a:schemeClr>
+          </a:solidFill>
+        </p:spPr>
+        <p:txBody>
+          <a:bodyPr wrap="none" rtlCol="0">
+            <a:spAutoFit/>
+          </a:bodyPr>
+          <a:lstStyle/>
+          <a:p>
+            <a:r>
+              <a:rPr lang="ko-KR" altLang="en-US" b="1" dirty="0"/>
+              <a:t>기여 </a:t>
+            </a:r>
+            <a:r>
+              <a:rPr lang="en-US" altLang="ko-KR" b="1" dirty="0"/>
+              <a:t>2</a:t>
+            </a:r>
+            <a:endParaRPr lang="en-US" altLang="ko-KR" b="1" dirty="0"/>
+          </a:p>
+        </p:txBody>
+      </p:sp>
+      <p:cxnSp>
+        <p:nvCxnSpPr>
+          <p:cNvPr id="15" name="직선 연결선 14"/>
+          <p:cNvCxnSpPr/>
+          <p:nvPr/>
+        </p:nvCxnSpPr>
+        <p:spPr>
+          <a:xfrm>
+            <a:off x="1861666" y="2294059"/>
+            <a:ext cx="6890239" cy="0"/>
+          </a:xfrm>
+          <a:prstGeom prst="line">
+            <a:avLst/>
+          </a:prstGeom>
+          <a:ln>
+            <a:solidFill>
+              <a:schemeClr val="tx2">
+                <a:lumMod val="60000"/>
+                <a:lumOff val="40000"/>
+              </a:schemeClr>
+            </a:solidFill>
+          </a:ln>
+        </p:spPr>
+        <p:style>
+          <a:lnRef idx="1">
+            <a:schemeClr val="accent1"/>
+          </a:lnRef>
+          <a:fillRef idx="0">
+            <a:schemeClr val="accent1"/>
+          </a:fillRef>
+          <a:effectRef idx="0">
+            <a:schemeClr val="accent1"/>
+          </a:effectRef>
+          <a:fontRef idx="minor">
+            <a:schemeClr val="tx1"/>
+          </a:fontRef>
+        </p:style>
+      </p:cxnSp>
+      <p:sp>
+        <p:nvSpPr>
+          <p:cNvPr id="16" name="직사각형 15">
+            <a:extLst>
+              <a:ext uri="{FF2B5EF4-FFF2-40B4-BE49-F238E27FC236}">
+                <a16:creationId xmlns:a16="http://schemas.microsoft.com/office/drawing/2014/main" id="{B9AFD8F6-9945-47D7-B133-D8DBDB4170B4}"/>
+              </a:ext>
+            </a:extLst>
+          </p:cNvPr>
+          <p:cNvSpPr/>
+          <p:nvPr/>
+        </p:nvSpPr>
+        <p:spPr>
+          <a:xfrm>
+            <a:off x="838200" y="3288473"/>
+            <a:ext cx="1082348" cy="369332"/>
+          </a:xfrm>
+          <a:prstGeom prst="rect">
+            <a:avLst/>
+          </a:prstGeom>
+          <a:solidFill>
+            <a:schemeClr val="tx2">
+              <a:lumMod val="20000"/>
+              <a:lumOff val="80000"/>
+            </a:schemeClr>
+          </a:solidFill>
+        </p:spPr>
+        <p:txBody>
+          <a:bodyPr wrap="none">
+            <a:spAutoFit/>
+          </a:bodyPr>
+          <a:lstStyle/>
+          <a:p>
+            <a:r>
+              <a:rPr lang="ko-KR" altLang="en-US" dirty="0" smtClean="0"/>
+              <a:t>등장 원인</a:t>
+            </a:r>
+            <a:endParaRPr lang="ko-KR" altLang="en-US" dirty="0"/>
           </a:p>
         </p:txBody>
       </p:sp>
@@ -18070,8 +19587,8 @@
         </p:nvSpPr>
         <p:spPr>
           <a:xfrm>
-            <a:off x="670606" y="1605389"/>
-            <a:ext cx="11036996" cy="369332"/>
+            <a:off x="1096296" y="2116204"/>
+            <a:ext cx="7533729" cy="369332"/>
           </a:xfrm>
           <a:prstGeom prst="rect">
             <a:avLst/>
@@ -18085,25 +19602,46 @@
           <a:lstStyle/>
           <a:p>
             <a:r>
-              <a:rPr lang="en-US" altLang="ko-KR" dirty="0" err="1"/>
-              <a:t>ZoKrates</a:t>
-            </a:r>
-            <a:r>
-              <a:rPr lang="ko-KR" altLang="en-US" dirty="0"/>
-              <a:t>는 개발자가 높은 수준의 추상화로 오프 체인 계산을 편리하게 지정할 </a:t>
-            </a:r>
-            <a:r>
-              <a:rPr lang="ko-KR" altLang="en-US" dirty="0" err="1"/>
-              <a:t>수있는</a:t>
-            </a:r>
-            <a:r>
-              <a:rPr lang="ko-KR" altLang="en-US" dirty="0"/>
-              <a:t> 도메인 별 언어를 정의합니다</a:t>
-            </a:r>
-            <a:r>
-              <a:rPr lang="en-US" altLang="ko-KR" dirty="0"/>
-              <a:t>.</a:t>
-            </a:r>
+              <a:rPr lang="ko-KR" altLang="en-US" dirty="0" smtClean="0"/>
+              <a:t>개발자가 </a:t>
+            </a:r>
+            <a:r>
+              <a:rPr lang="en-US" altLang="ko-KR" dirty="0" smtClean="0"/>
+              <a:t>high level</a:t>
+            </a:r>
+            <a:r>
+              <a:rPr lang="ko-KR" altLang="en-US" dirty="0" smtClean="0"/>
+              <a:t>로 </a:t>
+            </a:r>
+            <a:r>
+              <a:rPr lang="en-US" altLang="ko-KR" dirty="0" smtClean="0"/>
+              <a:t>off-chain</a:t>
+            </a:r>
+            <a:r>
+              <a:rPr lang="ko-KR" altLang="en-US" dirty="0" smtClean="0"/>
+              <a:t> </a:t>
+            </a:r>
+            <a:r>
+              <a:rPr lang="ko-KR" altLang="en-US" dirty="0"/>
+              <a:t>계산을 편리하게 </a:t>
+            </a:r>
+            <a:r>
+              <a:rPr lang="ko-KR" altLang="en-US" dirty="0" smtClean="0"/>
+              <a:t>하는</a:t>
+            </a:r>
+            <a:r>
+              <a:rPr lang="ko-KR" altLang="en-US" dirty="0" smtClean="0"/>
+              <a:t> 도메인 별 </a:t>
+            </a:r>
+            <a:r>
+              <a:rPr lang="ko-KR" altLang="en-US" dirty="0"/>
+              <a:t>언어를 </a:t>
+            </a:r>
+            <a:r>
+              <a:rPr lang="ko-KR" altLang="en-US" dirty="0" smtClean="0"/>
+              <a:t>정의</a:t>
+            </a:r>
+            <a:endParaRPr lang="en-US" altLang="ko-KR" dirty="0"/>
           </a:p>
         </p:txBody>
       </p:sp>
@@ -18121,8 +19659,8 @@
         </p:nvSpPr>
         <p:spPr>
           <a:xfrm>
-            <a:off x="670606" y="2040917"/>
-            <a:ext cx="9997394" cy="369332"/>
+            <a:off x="1096296" y="2682813"/>
+            <a:ext cx="5619469" cy="369332"/>
           </a:xfrm>
           <a:prstGeom prst="rect">
             <a:avLst/>
@@ -18135,8 +19673,32 @@
           <a:lstStyle/>
           <a:p>
             <a:r>
-              <a:rPr lang="ko-KR" altLang="en-US"/>
-              <a:t>이를 통해 증명 시스템의 저수준 프로그래밍 추상화를 이해하지 않고도 가능한 계산을 지정할 수 있습니다.</a:t>
+              <a:rPr lang="en-US" altLang="ko-KR" dirty="0" smtClean="0"/>
+              <a:t>proof</a:t>
+            </a:r>
+            <a:r>
+              <a:rPr lang="ko-KR" altLang="en-US" dirty="0" smtClean="0"/>
+              <a:t> </a:t>
+            </a:r>
+            <a:r>
+              <a:rPr lang="ko-KR" altLang="en-US" dirty="0"/>
+              <a:t>시스템의 </a:t>
+            </a:r>
+            <a:r>
+              <a:rPr lang="en-US" altLang="ko-KR" dirty="0" smtClean="0"/>
+              <a:t>low level</a:t>
+            </a:r>
+            <a:r>
+              <a:rPr lang="ko-KR" altLang="en-US" dirty="0" smtClean="0"/>
+              <a:t> 프로그래밍</a:t>
+            </a:r>
+            <a:r>
+              <a:rPr lang="ko-KR" altLang="en-US" dirty="0"/>
+              <a:t>을</a:t>
+            </a:r>
+            <a:r>
+              <a:rPr lang="ko-KR" altLang="en-US" dirty="0" smtClean="0"/>
+              <a:t> 몰라도 연산 가능</a:t>
             </a:r>
             <a:endParaRPr lang="ko-KR" altLang="en-US" dirty="0"/>
           </a:p>
@@ -18156,8 +19718,8 @@
         </p:nvSpPr>
         <p:spPr>
           <a:xfrm>
-            <a:off x="490618" y="2468726"/>
-            <a:ext cx="11036996" cy="369332"/>
+            <a:off x="1545686" y="3095479"/>
+            <a:ext cx="9690884" cy="338554"/>
           </a:xfrm>
           <a:prstGeom prst="rect">
             <a:avLst/>
@@ -18170,17 +19732,30 @@
           <a:lstStyle/>
           <a:p>
             <a:r>
-              <a:rPr lang="ko-KR" altLang="en-US" dirty="0"/>
-              <a:t>이를 위해 </a:t>
-            </a:r>
-            <a:r>
-              <a:rPr lang="ko-KR" altLang="en-US" dirty="0" err="1"/>
-              <a:t>ZoKrates에는</a:t>
-            </a:r>
-            <a:r>
-              <a:rPr lang="ko-KR" altLang="en-US" dirty="0"/>
-              <a:t> 도메인 특정 코드를 검증 가능한 제약 시스템으로 변환하는 컴파일러가 포함되어 있습니다.</a:t>
-            </a:r>
+              <a:rPr lang="en-US" altLang="ko-KR" sz="1600" dirty="0" smtClean="0"/>
+              <a:t>domain-specific </a:t>
+            </a:r>
+            <a:r>
+              <a:rPr lang="ko-KR" altLang="en-US" sz="1600" dirty="0" smtClean="0"/>
+              <a:t>코드를 </a:t>
+            </a:r>
+            <a:r>
+              <a:rPr lang="ko-KR" altLang="en-US" sz="1600" dirty="0"/>
+              <a:t>검증 </a:t>
+            </a:r>
+            <a:r>
+              <a:rPr lang="ko-KR" altLang="en-US" sz="1600" dirty="0" smtClean="0"/>
+              <a:t>가능하도록 제한된 </a:t>
+            </a:r>
+            <a:r>
+              <a:rPr lang="ko-KR" altLang="en-US" sz="1600" dirty="0"/>
+              <a:t>시스템으로 변환하는 컴파일러가 포함되어 </a:t>
+            </a:r>
+            <a:r>
+              <a:rPr lang="ko-KR" altLang="en-US" sz="1600" dirty="0" smtClean="0"/>
+              <a:t>있기 때문</a:t>
+            </a:r>
+            <a:endParaRPr lang="ko-KR" altLang="en-US" sz="1600" dirty="0"/>
           </a:p>
         </p:txBody>
       </p:sp>
@@ -18198,7 +19773,7 @@
         </p:nvSpPr>
         <p:spPr>
           <a:xfrm>
-            <a:off x="600075" y="3059668"/>
+            <a:off x="1096296" y="3816031"/>
             <a:ext cx="9163050" cy="369332"/>
           </a:xfrm>
           <a:prstGeom prst="rect">
@@ -18212,17 +19787,34 @@
           <a:lstStyle/>
           <a:p>
             <a:r>
-              <a:rPr lang="ko-KR" altLang="en-US" dirty="0"/>
-              <a:t>또한 오프 체인 프로그램을 실행하고 정확성을 증명하는 증거를 생성하는 데 </a:t>
-            </a:r>
-            <a:r>
-              <a:rPr lang="ko-KR" altLang="en-US" dirty="0" err="1"/>
-              <a:t>도움이됩니다</a:t>
-            </a:r>
-            <a:r>
-              <a:rPr lang="ko-KR" altLang="en-US" dirty="0"/>
-              <a:t>. </a:t>
-            </a:r>
+              <a:rPr lang="en-US" altLang="ko-KR" dirty="0" smtClean="0"/>
+              <a:t>off-chain </a:t>
+            </a:r>
+            <a:r>
+              <a:rPr lang="ko-KR" altLang="en-US" dirty="0" smtClean="0"/>
+              <a:t>프로그램을 </a:t>
+            </a:r>
+            <a:r>
+              <a:rPr lang="ko-KR" altLang="en-US" dirty="0"/>
+              <a:t>실행하고 정확성을 증명하는 </a:t>
+            </a:r>
+            <a:r>
+              <a:rPr lang="en-US" altLang="ko-KR" dirty="0" smtClean="0"/>
+              <a:t>proof</a:t>
+            </a:r>
+            <a:r>
+              <a:rPr lang="ko-KR" altLang="en-US" dirty="0" smtClean="0"/>
+              <a:t>를 </a:t>
+            </a:r>
+            <a:r>
+              <a:rPr lang="ko-KR" altLang="en-US" dirty="0"/>
+              <a:t>생성하는 데 </a:t>
+            </a:r>
+            <a:r>
+              <a:rPr lang="ko-KR" altLang="en-US" dirty="0" smtClean="0"/>
+              <a:t>도움</a:t>
+            </a:r>
+            <a:endParaRPr lang="ko-KR" altLang="en-US" dirty="0"/>
           </a:p>
         </p:txBody>
       </p:sp>
@@ -18240,8 +19832,8 @@
         </p:nvSpPr>
         <p:spPr>
           <a:xfrm>
-            <a:off x="670605" y="3736273"/>
-            <a:ext cx="11036995" cy="646331"/>
+            <a:off x="1096296" y="4382640"/>
+            <a:ext cx="6498701" cy="369332"/>
           </a:xfrm>
           <a:prstGeom prst="rect">
             <a:avLst/>
@@ -18254,17 +19846,46 @@
           <a:lstStyle/>
           <a:p>
             <a:r>
-              <a:rPr lang="ko-KR" altLang="en-US" dirty="0"/>
-              <a:t>온 체인 검증을 편리하게 활성화하기 위해 </a:t>
-            </a:r>
-            <a:r>
-              <a:rPr lang="ko-KR" altLang="en-US" dirty="0" err="1"/>
-              <a:t>ZoKrates는</a:t>
-            </a:r>
-            <a:r>
-              <a:rPr lang="ko-KR" altLang="en-US" dirty="0"/>
-              <a:t> 검증 스마트 계약 내보내기를 지원하여 오프 체인에서 생성 된 증거를 검증하고 오프 체인 계산의 정확성을 확인합니다. </a:t>
-            </a:r>
+              <a:rPr lang="ko-KR" altLang="en-US" dirty="0" smtClean="0"/>
+              <a:t>편리한 </a:t>
+            </a:r>
+            <a:r>
+              <a:rPr lang="en-US" altLang="ko-KR" dirty="0" smtClean="0"/>
+              <a:t>on-chain</a:t>
+            </a:r>
+            <a:r>
+              <a:rPr lang="ko-KR" altLang="en-US" dirty="0" smtClean="0"/>
+              <a:t>검증</a:t>
+            </a:r>
+            <a:r>
+              <a:rPr lang="ko-KR" altLang="en-US" dirty="0" smtClean="0"/>
+              <a:t>을 </a:t>
+            </a:r>
+            <a:r>
+              <a:rPr lang="ko-KR" altLang="en-US" dirty="0" smtClean="0"/>
+              <a:t>위해 </a:t>
+            </a:r>
+            <a:r>
+              <a:rPr lang="en-US" altLang="ko-KR" dirty="0"/>
+              <a:t>V</a:t>
+            </a:r>
+            <a:r>
+              <a:rPr lang="en-US" altLang="ko-KR" dirty="0" smtClean="0"/>
+              <a:t>erification</a:t>
+            </a:r>
+            <a:r>
+              <a:rPr lang="ko-KR" altLang="en-US" dirty="0" smtClean="0"/>
+              <a:t> </a:t>
+            </a:r>
+            <a:r>
+              <a:rPr lang="en-US" altLang="ko-KR" dirty="0" smtClean="0"/>
+              <a:t>Smart Contract</a:t>
+            </a:r>
+            <a:r>
+              <a:rPr lang="ko-KR" altLang="en-US" dirty="0" smtClean="0"/>
+              <a:t>를 지원</a:t>
+            </a:r>
+            <a:endParaRPr lang="ko-KR" altLang="en-US" dirty="0"/>
           </a:p>
         </p:txBody>
       </p:sp>
@@ -18282,8 +19903,8 @@
         </p:nvSpPr>
         <p:spPr>
           <a:xfrm>
-            <a:off x="742950" y="4867386"/>
-            <a:ext cx="10784664" cy="646331"/>
+            <a:off x="1096296" y="5515859"/>
+            <a:ext cx="7926357" cy="369332"/>
           </a:xfrm>
           <a:prstGeom prst="rect">
             <a:avLst/>
@@ -18296,56 +19917,162 @@
           <a:lstStyle/>
           <a:p>
             <a:r>
-              <a:rPr lang="ko-KR" altLang="en-US" dirty="0"/>
-              <a:t>우리의 개념 증명 구현은 </a:t>
-            </a:r>
-            <a:r>
-              <a:rPr lang="ko-KR" altLang="en-US" dirty="0" err="1"/>
-              <a:t>이더</a:t>
-            </a:r>
-            <a:r>
-              <a:rPr lang="ko-KR" altLang="en-US" dirty="0"/>
+              <a:rPr lang="en-US" altLang="ko-KR" dirty="0" smtClean="0"/>
+              <a:t>Ethereum</a:t>
+            </a:r>
+            <a:r>
+              <a:rPr lang="ko-KR" altLang="en-US" dirty="0" smtClean="0"/>
               <a:t> </a:t>
             </a:r>
             <a:r>
-              <a:rPr lang="ko-KR" altLang="en-US" dirty="0" err="1"/>
-              <a:t>리움</a:t>
-            </a:r>
-            <a:r>
-              <a:rPr lang="ko-KR" altLang="en-US" dirty="0"/>
-              <a:t> 블록 체인을 </a:t>
-            </a:r>
-            <a:r>
-              <a:rPr lang="ko-KR" altLang="en-US" dirty="0" err="1"/>
-              <a:t>대상으로하지만</a:t>
-            </a:r>
-            <a:r>
-              <a:rPr lang="ko-KR" altLang="en-US" dirty="0"/>
-              <a:t> 설계 상으로는 다른 블록 체인 시스템과 호환됩니다</a:t>
-            </a:r>
-          </a:p>
-        </p:txBody>
-      </p:sp>
-      <p:sp>
-        <p:nvSpPr>
-          <p:cNvPr id="14" name="타원 13">
-            <a:extLst>
-              <a:ext uri="{FF2B5EF4-FFF2-40B4-BE49-F238E27FC236}">
-                <a16:creationId xmlns:a16="http://schemas.microsoft.com/office/drawing/2014/main" id="{F702B738-F771-4D1C-BF27-D47E95CCCFEE}"/>
-              </a:ext>
-            </a:extLst>
-          </p:cNvPr>
+              <a:rPr lang="ko-KR" altLang="en-US" dirty="0"/>
+              <a:t>블록 </a:t>
+            </a:r>
+            <a:r>
+              <a:rPr lang="ko-KR" altLang="en-US" dirty="0" smtClean="0"/>
+              <a:t>체인 대상이지만 </a:t>
+            </a:r>
+            <a:r>
+              <a:rPr lang="ko-KR" altLang="en-US" dirty="0"/>
+              <a:t>설계 상으로는 다른 블록 체인 시스템과 </a:t>
+            </a:r>
+            <a:r>
+              <a:rPr lang="ko-KR" altLang="en-US" dirty="0" smtClean="0"/>
+              <a:t>호환 가능</a:t>
+            </a:r>
+            <a:endParaRPr lang="ko-KR" altLang="en-US" dirty="0"/>
+          </a:p>
+        </p:txBody>
+      </p:sp>
+      <p:sp>
+        <p:nvSpPr>
+          <p:cNvPr id="15" name="슬라이드 번호 개체 틀 14">
+            <a:extLst>
+              <a:ext uri="{FF2B5EF4-FFF2-40B4-BE49-F238E27FC236}">
+                <a16:creationId xmlns:a16="http://schemas.microsoft.com/office/drawing/2014/main" id="{3B6928D3-A462-4B3B-AF0D-90F29061779C}"/>
+              </a:ext>
+            </a:extLst>
+          </p:cNvPr>
+          <p:cNvSpPr>
+            <a:spLocks noGrp="1"/>
+          </p:cNvSpPr>
+          <p:nvPr>
+            <p:ph type="sldNum" sz="quarter" idx="12"/>
+          </p:nvPr>
+        </p:nvSpPr>
+        <p:spPr/>
+        <p:txBody>
+          <a:bodyPr/>
+          <a:lstStyle/>
+          <a:p>
+            <a:fld id="{0C8B018D-4725-4759-B7E3-17F94AEFA4FA}" type="slidenum">
+              <a:rPr lang="ko-KR" altLang="en-US" smtClean="0"/>
+              <a:t>8</a:t>
+            </a:fld>
+            <a:endParaRPr lang="ko-KR" altLang="en-US"/>
+          </a:p>
+        </p:txBody>
+      </p:sp>
+      <p:sp>
+        <p:nvSpPr>
+          <p:cNvPr id="6" name="직사각형 5"/>
           <p:cNvSpPr/>
           <p:nvPr/>
         </p:nvSpPr>
         <p:spPr>
           <a:xfrm>
-            <a:off x="11029950" y="311705"/>
-            <a:ext cx="647700" cy="647700"/>
-          </a:xfrm>
-          <a:prstGeom prst="ellipse">
-            <a:avLst/>
-          </a:prstGeom>
+            <a:off x="645385" y="1450046"/>
+            <a:ext cx="1466492" cy="461665"/>
+          </a:xfrm>
+          <a:prstGeom prst="rect">
+            <a:avLst/>
+          </a:prstGeom>
+        </p:spPr>
+        <p:txBody>
+          <a:bodyPr wrap="none">
+            <a:spAutoFit/>
+          </a:bodyPr>
+          <a:lstStyle/>
+          <a:p>
+            <a:r>
+              <a:rPr lang="en-US" altLang="ko-KR" sz="2400" b="1" dirty="0" err="1"/>
+              <a:t>ZoKrates</a:t>
+            </a:r>
+            <a:endParaRPr lang="ko-KR" altLang="en-US" sz="2400" b="1" dirty="0"/>
+          </a:p>
+        </p:txBody>
+      </p:sp>
+      <p:sp>
+        <p:nvSpPr>
+          <p:cNvPr id="7" name="직사각형 6"/>
+          <p:cNvSpPr/>
+          <p:nvPr/>
+        </p:nvSpPr>
+        <p:spPr>
+          <a:xfrm>
+            <a:off x="1545685" y="4818274"/>
+            <a:ext cx="7211453" cy="338554"/>
+          </a:xfrm>
+          <a:prstGeom prst="rect">
+            <a:avLst/>
+          </a:prstGeom>
+        </p:spPr>
+        <p:txBody>
+          <a:bodyPr wrap="square">
+            <a:spAutoFit/>
+          </a:bodyPr>
+          <a:lstStyle/>
+          <a:p>
+            <a:r>
+              <a:rPr lang="en-US" altLang="ko-KR" sz="1600" dirty="0"/>
+              <a:t>off-chain </a:t>
+            </a:r>
+            <a:r>
+              <a:rPr lang="ko-KR" altLang="en-US" sz="1600" dirty="0"/>
+              <a:t>에서 생성 된 </a:t>
+            </a:r>
+            <a:r>
+              <a:rPr lang="en-US" altLang="ko-KR" sz="1600" dirty="0"/>
+              <a:t>proof</a:t>
+            </a:r>
+            <a:r>
+              <a:rPr lang="ko-KR" altLang="en-US" sz="1600" dirty="0"/>
+              <a:t>를 검증하고 </a:t>
+            </a:r>
+            <a:r>
+              <a:rPr lang="en-US" altLang="ko-KR" sz="1600" dirty="0"/>
+              <a:t>off-chain</a:t>
+            </a:r>
+            <a:r>
+              <a:rPr lang="ko-KR" altLang="en-US" sz="1600" dirty="0"/>
+              <a:t> 계산의 정확성을 확인</a:t>
+            </a:r>
+          </a:p>
+        </p:txBody>
+      </p:sp>
+      <p:sp>
+        <p:nvSpPr>
+          <p:cNvPr id="16" name="다이아몬드 15"/>
+          <p:cNvSpPr/>
+          <p:nvPr/>
+        </p:nvSpPr>
+        <p:spPr>
+          <a:xfrm>
+            <a:off x="838198" y="2214412"/>
+            <a:ext cx="172915" cy="172915"/>
+          </a:xfrm>
+          <a:prstGeom prst="diamond">
+            <a:avLst/>
+          </a:prstGeom>
+          <a:solidFill>
+            <a:schemeClr val="tx2">
+              <a:lumMod val="60000"/>
+              <a:lumOff val="40000"/>
+            </a:schemeClr>
+          </a:solidFill>
+          <a:ln>
+            <a:noFill/>
+          </a:ln>
         </p:spPr>
         <p:style>
           <a:lnRef idx="2">
@@ -18374,29 +20101,294 @@
       </p:sp>
       <p:sp>
         <p:nvSpPr>
-          <p:cNvPr id="15" name="슬라이드 번호 개체 틀 14">
-            <a:extLst>
-              <a:ext uri="{FF2B5EF4-FFF2-40B4-BE49-F238E27FC236}">
-                <a16:creationId xmlns:a16="http://schemas.microsoft.com/office/drawing/2014/main" id="{3B6928D3-A462-4B3B-AF0D-90F29061779C}"/>
-              </a:ext>
-            </a:extLst>
-          </p:cNvPr>
-          <p:cNvSpPr>
-            <a:spLocks noGrp="1"/>
-          </p:cNvSpPr>
-          <p:nvPr>
-            <p:ph type="sldNum" sz="quarter" idx="12"/>
-          </p:nvPr>
-        </p:nvSpPr>
-        <p:spPr/>
-        <p:txBody>
-          <a:bodyPr/>
-          <a:lstStyle/>
-          <a:p>
-            <a:fld id="{0C8B018D-4725-4759-B7E3-17F94AEFA4FA}" type="slidenum">
-              <a:rPr lang="ko-KR" altLang="en-US" smtClean="0"/>
-              <a:t>8</a:t>
-            </a:fld>
+          <p:cNvPr id="17" name="다이아몬드 16"/>
+          <p:cNvSpPr/>
+          <p:nvPr/>
+        </p:nvSpPr>
+        <p:spPr>
+          <a:xfrm>
+            <a:off x="838200" y="2775609"/>
+            <a:ext cx="172915" cy="172915"/>
+          </a:xfrm>
+          <a:prstGeom prst="diamond">
+            <a:avLst/>
+          </a:prstGeom>
+          <a:solidFill>
+            <a:schemeClr val="tx2">
+              <a:lumMod val="60000"/>
+              <a:lumOff val="40000"/>
+            </a:schemeClr>
+          </a:solidFill>
+          <a:ln>
+            <a:noFill/>
+          </a:ln>
+        </p:spPr>
+        <p:style>
+          <a:lnRef idx="2">
+            <a:schemeClr val="accent1">
+              <a:shade val="50000"/>
+            </a:schemeClr>
+          </a:lnRef>
+          <a:fillRef idx="1">
+            <a:schemeClr val="accent1"/>
+          </a:fillRef>
+          <a:effectRef idx="0">
+            <a:schemeClr val="accent1"/>
+          </a:effectRef>
+          <a:fontRef idx="minor">
+            <a:schemeClr val="lt1"/>
+          </a:fontRef>
+        </p:style>
+        <p:txBody>
+          <a:bodyPr rtlCol="0" anchor="ctr"/>
+          <a:lstStyle/>
+          <a:p>
+            <a:pPr algn="ctr"/>
+            <a:endParaRPr lang="ko-KR" altLang="en-US"/>
+          </a:p>
+        </p:txBody>
+      </p:sp>
+      <p:sp>
+        <p:nvSpPr>
+          <p:cNvPr id="18" name="다이아몬드 17"/>
+          <p:cNvSpPr/>
+          <p:nvPr/>
+        </p:nvSpPr>
+        <p:spPr>
+          <a:xfrm>
+            <a:off x="838199" y="3914239"/>
+            <a:ext cx="172915" cy="172915"/>
+          </a:xfrm>
+          <a:prstGeom prst="diamond">
+            <a:avLst/>
+          </a:prstGeom>
+          <a:solidFill>
+            <a:schemeClr val="tx2">
+              <a:lumMod val="60000"/>
+              <a:lumOff val="40000"/>
+            </a:schemeClr>
+          </a:solidFill>
+          <a:ln>
+            <a:noFill/>
+          </a:ln>
+        </p:spPr>
+        <p:style>
+          <a:lnRef idx="2">
+            <a:schemeClr val="accent1">
+              <a:shade val="50000"/>
+            </a:schemeClr>
+          </a:lnRef>
+          <a:fillRef idx="1">
+            <a:schemeClr val="accent1"/>
+          </a:fillRef>
+          <a:effectRef idx="0">
+            <a:schemeClr val="accent1"/>
+          </a:effectRef>
+          <a:fontRef idx="minor">
+            <a:schemeClr val="lt1"/>
+          </a:fontRef>
+        </p:style>
+        <p:txBody>
+          <a:bodyPr rtlCol="0" anchor="ctr"/>
+          <a:lstStyle/>
+          <a:p>
+            <a:pPr algn="ctr"/>
+            <a:endParaRPr lang="ko-KR" altLang="en-US"/>
+          </a:p>
+        </p:txBody>
+      </p:sp>
+      <p:sp>
+        <p:nvSpPr>
+          <p:cNvPr id="19" name="다이아몬드 18"/>
+          <p:cNvSpPr/>
+          <p:nvPr/>
+        </p:nvSpPr>
+        <p:spPr>
+          <a:xfrm>
+            <a:off x="838199" y="4480848"/>
+            <a:ext cx="172915" cy="172915"/>
+          </a:xfrm>
+          <a:prstGeom prst="diamond">
+            <a:avLst/>
+          </a:prstGeom>
+          <a:solidFill>
+            <a:schemeClr val="tx2">
+              <a:lumMod val="60000"/>
+              <a:lumOff val="40000"/>
+            </a:schemeClr>
+          </a:solidFill>
+          <a:ln>
+            <a:noFill/>
+          </a:ln>
+        </p:spPr>
+        <p:style>
+          <a:lnRef idx="2">
+            <a:schemeClr val="accent1">
+              <a:shade val="50000"/>
+            </a:schemeClr>
+          </a:lnRef>
+          <a:fillRef idx="1">
+            <a:schemeClr val="accent1"/>
+          </a:fillRef>
+          <a:effectRef idx="0">
+            <a:schemeClr val="accent1"/>
+          </a:effectRef>
+          <a:fontRef idx="minor">
+            <a:schemeClr val="lt1"/>
+          </a:fontRef>
+        </p:style>
+        <p:txBody>
+          <a:bodyPr rtlCol="0" anchor="ctr"/>
+          <a:lstStyle/>
+          <a:p>
+            <a:pPr algn="ctr"/>
+            <a:endParaRPr lang="ko-KR" altLang="en-US"/>
+          </a:p>
+        </p:txBody>
+      </p:sp>
+      <p:sp>
+        <p:nvSpPr>
+          <p:cNvPr id="20" name="다이아몬드 19"/>
+          <p:cNvSpPr/>
+          <p:nvPr/>
+        </p:nvSpPr>
+        <p:spPr>
+          <a:xfrm>
+            <a:off x="838199" y="5614067"/>
+            <a:ext cx="172915" cy="172915"/>
+          </a:xfrm>
+          <a:prstGeom prst="diamond">
+            <a:avLst/>
+          </a:prstGeom>
+          <a:solidFill>
+            <a:schemeClr val="tx2">
+              <a:lumMod val="60000"/>
+              <a:lumOff val="40000"/>
+            </a:schemeClr>
+          </a:solidFill>
+          <a:ln>
+            <a:noFill/>
+          </a:ln>
+        </p:spPr>
+        <p:style>
+          <a:lnRef idx="2">
+            <a:schemeClr val="accent1">
+              <a:shade val="50000"/>
+            </a:schemeClr>
+          </a:lnRef>
+          <a:fillRef idx="1">
+            <a:schemeClr val="accent1"/>
+          </a:fillRef>
+          <a:effectRef idx="0">
+            <a:schemeClr val="accent1"/>
+          </a:effectRef>
+          <a:fontRef idx="minor">
+            <a:schemeClr val="lt1"/>
+          </a:fontRef>
+        </p:style>
+        <p:txBody>
+          <a:bodyPr rtlCol="0" anchor="ctr"/>
+          <a:lstStyle/>
+          <a:p>
+            <a:pPr algn="ctr"/>
+            <a:endParaRPr lang="ko-KR" altLang="en-US"/>
+          </a:p>
+        </p:txBody>
+      </p:sp>
+      <p:sp>
+        <p:nvSpPr>
+          <p:cNvPr id="8" name="오른쪽 화살표 7"/>
+          <p:cNvSpPr/>
+          <p:nvPr/>
+        </p:nvSpPr>
+        <p:spPr>
+          <a:xfrm>
+            <a:off x="1236194" y="3198516"/>
+            <a:ext cx="334107" cy="169277"/>
+          </a:xfrm>
+          <a:prstGeom prst="rightArrow">
+            <a:avLst/>
+          </a:prstGeom>
+          <a:solidFill>
+            <a:schemeClr val="accent1">
+              <a:lumMod val="40000"/>
+              <a:lumOff val="60000"/>
+            </a:schemeClr>
+          </a:solidFill>
+          <a:ln>
+            <a:noFill/>
+          </a:ln>
+        </p:spPr>
+        <p:style>
+          <a:lnRef idx="2">
+            <a:schemeClr val="accent1">
+              <a:shade val="50000"/>
+            </a:schemeClr>
+          </a:lnRef>
+          <a:fillRef idx="1">
+            <a:schemeClr val="accent1"/>
+          </a:fillRef>
+          <a:effectRef idx="0">
+            <a:schemeClr val="accent1"/>
+          </a:effectRef>
+          <a:fontRef idx="minor">
+            <a:schemeClr val="lt1"/>
+          </a:fontRef>
+        </p:style>
+        <p:txBody>
+          <a:bodyPr rtlCol="0" anchor="ctr"/>
+          <a:lstStyle/>
+          <a:p>
+            <a:pPr algn="ctr"/>
+            <a:endParaRPr lang="ko-KR" altLang="en-US"/>
+          </a:p>
+        </p:txBody>
+      </p:sp>
+      <p:sp>
+        <p:nvSpPr>
+          <p:cNvPr id="21" name="오른쪽 화살표 20"/>
+          <p:cNvSpPr/>
+          <p:nvPr/>
+        </p:nvSpPr>
+        <p:spPr>
+          <a:xfrm>
+            <a:off x="1211578" y="4904536"/>
+            <a:ext cx="334107" cy="169277"/>
+          </a:xfrm>
+          <a:prstGeom prst="rightArrow">
+            <a:avLst/>
+          </a:prstGeom>
+          <a:solidFill>
+            <a:schemeClr val="accent1">
+              <a:lumMod val="40000"/>
+              <a:lumOff val="60000"/>
+            </a:schemeClr>
+          </a:solidFill>
+          <a:ln>
+            <a:noFill/>
+          </a:ln>
+        </p:spPr>
+        <p:style>
+          <a:lnRef idx="2">
+            <a:schemeClr val="accent1">
+              <a:shade val="50000"/>
+            </a:schemeClr>
+          </a:lnRef>
+          <a:fillRef idx="1">
+            <a:schemeClr val="accent1"/>
+          </a:fillRef>
+          <a:effectRef idx="0">
+            <a:schemeClr val="accent1"/>
+          </a:effectRef>
+          <a:fontRef idx="minor">
+            <a:schemeClr val="lt1"/>
+          </a:fontRef>
+        </p:style>
+        <p:txBody>
+          <a:bodyPr rtlCol="0" anchor="ctr"/>
+          <a:lstStyle/>
+          <a:p>
+            <a:pPr algn="ctr"/>
             <a:endParaRPr lang="ko-KR" altLang="en-US"/>
           </a:p>
         </p:txBody>
@@ -18531,12 +20523,12 @@
               <a:t>검증 가능한 계산 체계를 통해 계산이 약한 검증자가 신뢰할 </a:t>
             </a:r>
             <a:r>
-              <a:rPr lang="ko-KR" altLang="en-US" dirty="0" err="1"/>
-              <a:t>수없는</a:t>
-            </a:r>
-            <a:r>
-              <a:rPr lang="ko-KR" altLang="en-US" dirty="0"/>
-              <a:t> 프로 </a:t>
+              <a:rPr lang="ko-KR" altLang="en-US" dirty="0" smtClean="0"/>
+              <a:t>수 없는 </a:t>
+            </a:r>
+            <a:r>
+              <a:rPr lang="ko-KR" altLang="en-US" dirty="0"/>
+              <a:t>프로 </a:t>
             </a:r>
             <a:r>
               <a:rPr lang="ko-KR" altLang="en-US" dirty="0" err="1"/>
@@ -18544,15 +20536,7 @@
             </a:r>
             <a:r>
               <a:rPr lang="ko-KR" altLang="en-US" dirty="0"/>
-              <a:t> 계산을 </a:t>
-            </a:r>
-            <a:r>
-              <a:rPr lang="ko-KR" altLang="en-US" dirty="0" err="1"/>
-              <a:t>아웃소싱하고</a:t>
-            </a:r>
-            <a:r>
-              <a:rPr lang="ko-KR" altLang="en-US" dirty="0"/>
-              <a:t> 계산을 수행하고 결과가 정확하다는 증거를 포함하여 결과를 반환 할 수 있습니다.</a:t>
+              <a:t> 계산을 아웃소싱하고 계산을 수행하고 결과가 정확하다는 증거를 포함하여 결과를 반환 할 수 있습니다.</a:t>
             </a:r>
           </a:p>
         </p:txBody>
@@ -18625,7 +20609,7 @@
         </p:nvSpPr>
         <p:spPr>
           <a:xfrm>
-            <a:off x="1771449" y="3269219"/>
+            <a:off x="1138403" y="3295766"/>
             <a:ext cx="2783134" cy="369332"/>
           </a:xfrm>
           <a:prstGeom prst="rect">
@@ -18659,7 +20643,7 @@
         </p:nvSpPr>
         <p:spPr>
           <a:xfrm>
-            <a:off x="1403611" y="3667811"/>
+            <a:off x="1266824" y="3744650"/>
             <a:ext cx="8854813" cy="369332"/>
           </a:xfrm>
           <a:prstGeom prst="rect">
@@ -18693,7 +20677,7 @@
         </p:nvSpPr>
         <p:spPr>
           <a:xfrm>
-            <a:off x="1266824" y="4277410"/>
+            <a:off x="1247775" y="4278949"/>
             <a:ext cx="10429875" cy="369332"/>
           </a:xfrm>
           <a:prstGeom prst="rect">
@@ -18707,10 +20691,21 @@
           <a:lstStyle/>
           <a:p>
             <a:r>
-              <a:rPr lang="ko-KR" altLang="en-US"/>
-              <a:t>증명자는 증명 생성 중에 개인 정보를 사용할 수 있으며 검증자는 해당 정보에 대해 아무 것도 배우지 않습니다.</a:t>
-            </a:r>
-            <a:endParaRPr lang="ko-KR" altLang="en-US" dirty="0"/>
+              <a:rPr lang="ko-KR" altLang="en-US" dirty="0" err="1"/>
+              <a:t>증명자는</a:t>
+            </a:r>
+            <a:r>
+              <a:rPr lang="ko-KR" altLang="en-US" dirty="0"/>
+              <a:t> 증명 생성 중에 개인 정보를 사용할 수 있으며 </a:t>
+            </a:r>
+            <a:r>
+              <a:rPr lang="ko-KR" altLang="en-US" dirty="0" err="1"/>
+              <a:t>검증자는</a:t>
+            </a:r>
+            <a:r>
+              <a:rPr lang="ko-KR" altLang="en-US" dirty="0"/>
+              <a:t> 해당 정보에 대해 아무 것도 배우지 않습니다.</a:t>
+            </a:r>
           </a:p>
         </p:txBody>
       </p:sp>
@@ -18728,7 +20723,7 @@
         </p:nvSpPr>
         <p:spPr>
           <a:xfrm>
-            <a:off x="1576814" y="4887009"/>
+            <a:off x="1224389" y="4813248"/>
             <a:ext cx="4519186" cy="369332"/>
           </a:xfrm>
           <a:prstGeom prst="rect">
